--- a/Mockup Taxi App.pptx
+++ b/Mockup Taxi App.pptx
@@ -6,6 +6,7 @@
   </p:sldMasterIdLst>
   <p:sldIdLst>
     <p:sldId id="256" r:id="rId2"/>
+    <p:sldId id="257" r:id="rId3"/>
   </p:sldIdLst>
   <p:sldSz cx="12192000" cy="6858000"/>
   <p:notesSz cx="6858000" cy="9144000"/>
@@ -104,6 +105,11 @@
       </a:defRPr>
     </a:lvl9pPr>
   </p:defaultTextStyle>
+  <p:extLst>
+    <p:ext uri="{EFAFB233-063F-42B5-8137-9DF3F51BA10A}">
+      <p15:sldGuideLst xmlns:p15="http://schemas.microsoft.com/office/powerpoint/2012/main"/>
+    </p:ext>
+  </p:extLst>
 </p:presentation>
 </file>
 
@@ -4052,22 +4058,914 @@
           </p:txBody>
         </p:sp>
       </p:grpSp>
-      <p:sp>
-        <p:nvSpPr>
-          <p:cNvPr id="26" name="Rettangolo con angoli arrotondati 25">
-            <a:extLst>
-              <a:ext uri="{FF2B5EF4-FFF2-40B4-BE49-F238E27FC236}">
-                <a16:creationId xmlns:a16="http://schemas.microsoft.com/office/drawing/2014/main" id="{42739149-8DE4-19E5-703D-E6B459538C07}"/>
-              </a:ext>
-            </a:extLst>
-          </p:cNvPr>
-          <p:cNvSpPr/>
+      <p:grpSp>
+        <p:nvGrpSpPr>
+          <p:cNvPr id="19" name="Gruppo 18">
+            <a:extLst>
+              <a:ext uri="{FF2B5EF4-FFF2-40B4-BE49-F238E27FC236}">
+                <a16:creationId xmlns:a16="http://schemas.microsoft.com/office/drawing/2014/main" id="{24B79F1B-FE0D-045E-A233-D526386292C9}"/>
+              </a:ext>
+            </a:extLst>
+          </p:cNvPr>
+          <p:cNvGrpSpPr/>
           <p:nvPr/>
-        </p:nvSpPr>
-        <p:spPr>
+        </p:nvGrpSpPr>
+        <p:grpSpPr>
           <a:xfrm>
             <a:off x="2836506" y="3610947"/>
             <a:ext cx="6354147" cy="528200"/>
+            <a:chOff x="2836506" y="3610947"/>
+            <a:chExt cx="6354147" cy="528200"/>
+          </a:xfrm>
+        </p:grpSpPr>
+        <p:sp>
+          <p:nvSpPr>
+            <p:cNvPr id="26" name="Rettangolo con angoli arrotondati 25">
+              <a:extLst>
+                <a:ext uri="{FF2B5EF4-FFF2-40B4-BE49-F238E27FC236}">
+                  <a16:creationId xmlns:a16="http://schemas.microsoft.com/office/drawing/2014/main" id="{42739149-8DE4-19E5-703D-E6B459538C07}"/>
+                </a:ext>
+              </a:extLst>
+            </p:cNvPr>
+            <p:cNvSpPr/>
+            <p:nvPr/>
+          </p:nvSpPr>
+          <p:spPr>
+            <a:xfrm>
+              <a:off x="2836506" y="3610947"/>
+              <a:ext cx="6354147" cy="528200"/>
+            </a:xfrm>
+            <a:prstGeom prst="roundRect">
+              <a:avLst/>
+            </a:prstGeom>
+          </p:spPr>
+          <p:style>
+            <a:lnRef idx="2">
+              <a:schemeClr val="accent1">
+                <a:shade val="50000"/>
+              </a:schemeClr>
+            </a:lnRef>
+            <a:fillRef idx="1">
+              <a:schemeClr val="accent1"/>
+            </a:fillRef>
+            <a:effectRef idx="0">
+              <a:schemeClr val="accent1"/>
+            </a:effectRef>
+            <a:fontRef idx="minor">
+              <a:schemeClr val="lt1"/>
+            </a:fontRef>
+          </p:style>
+          <p:txBody>
+            <a:bodyPr rtlCol="0" anchor="ctr"/>
+            <a:lstStyle/>
+            <a:p>
+              <a:pPr algn="ctr"/>
+              <a:endParaRPr lang="it-IT"/>
+            </a:p>
+          </p:txBody>
+        </p:sp>
+        <p:sp>
+          <p:nvSpPr>
+            <p:cNvPr id="27" name="CasellaDiTesto 26">
+              <a:extLst>
+                <a:ext uri="{FF2B5EF4-FFF2-40B4-BE49-F238E27FC236}">
+                  <a16:creationId xmlns:a16="http://schemas.microsoft.com/office/drawing/2014/main" id="{E3309D63-D8D8-F42C-D435-0DFFDE1437CB}"/>
+                </a:ext>
+              </a:extLst>
+            </p:cNvPr>
+            <p:cNvSpPr txBox="1"/>
+            <p:nvPr/>
+          </p:nvSpPr>
+          <p:spPr>
+            <a:xfrm>
+              <a:off x="3379220" y="3677154"/>
+              <a:ext cx="1614196" cy="369332"/>
+            </a:xfrm>
+            <a:prstGeom prst="rect">
+              <a:avLst/>
+            </a:prstGeom>
+            <a:noFill/>
+          </p:spPr>
+          <p:txBody>
+            <a:bodyPr wrap="square" rtlCol="0">
+              <a:spAutoFit/>
+            </a:bodyPr>
+            <a:lstStyle/>
+            <a:p>
+              <a:r>
+                <a:rPr lang="fr-CH" dirty="0"/>
+                <a:t>Marco Rossi</a:t>
+              </a:r>
+              <a:endParaRPr lang="it-IT" dirty="0"/>
+            </a:p>
+          </p:txBody>
+        </p:sp>
+        <p:pic>
+          <p:nvPicPr>
+            <p:cNvPr id="29" name="Elemento grafico 28">
+              <a:extLst>
+                <a:ext uri="{FF2B5EF4-FFF2-40B4-BE49-F238E27FC236}">
+                  <a16:creationId xmlns:a16="http://schemas.microsoft.com/office/drawing/2014/main" id="{0E625340-985B-D262-98AF-4887C3DCD2F6}"/>
+                </a:ext>
+              </a:extLst>
+            </p:cNvPr>
+            <p:cNvPicPr>
+              <a:picLocks noChangeAspect="1"/>
+            </p:cNvPicPr>
+            <p:nvPr/>
+          </p:nvPicPr>
+          <p:blipFill>
+            <a:blip r:embed="rId2">
+              <a:extLst>
+                <a:ext uri="{28A0092B-C50C-407E-A947-70E740481C1C}">
+                  <a14:useLocalDpi xmlns:a14="http://schemas.microsoft.com/office/drawing/2010/main" val="0"/>
+                </a:ext>
+                <a:ext uri="{96DAC541-7B7A-43D3-8B79-37D633B846F1}">
+                  <asvg:svgBlip xmlns:asvg="http://schemas.microsoft.com/office/drawing/2016/SVG/main" r:embed="rId3"/>
+                </a:ext>
+              </a:extLst>
+            </a:blip>
+            <a:stretch>
+              <a:fillRect/>
+            </a:stretch>
+          </p:blipFill>
+          <p:spPr>
+            <a:xfrm>
+              <a:off x="3016896" y="3667733"/>
+              <a:ext cx="272128" cy="435404"/>
+            </a:xfrm>
+            <a:prstGeom prst="rect">
+              <a:avLst/>
+            </a:prstGeom>
+          </p:spPr>
+        </p:pic>
+        <p:sp>
+          <p:nvSpPr>
+            <p:cNvPr id="2" name="CasellaDiTesto 1">
+              <a:extLst>
+                <a:ext uri="{FF2B5EF4-FFF2-40B4-BE49-F238E27FC236}">
+                  <a16:creationId xmlns:a16="http://schemas.microsoft.com/office/drawing/2014/main" id="{FED4422A-BD6A-F8F5-6F7E-345AF277EB42}"/>
+                </a:ext>
+              </a:extLst>
+            </p:cNvPr>
+            <p:cNvSpPr txBox="1"/>
+            <p:nvPr/>
+          </p:nvSpPr>
+          <p:spPr>
+            <a:xfrm>
+              <a:off x="5570374" y="3677154"/>
+              <a:ext cx="2321784" cy="369332"/>
+            </a:xfrm>
+            <a:prstGeom prst="rect">
+              <a:avLst/>
+            </a:prstGeom>
+            <a:noFill/>
+          </p:spPr>
+          <p:txBody>
+            <a:bodyPr wrap="square" rtlCol="0">
+              <a:spAutoFit/>
+            </a:bodyPr>
+            <a:lstStyle/>
+            <a:p>
+              <a:r>
+                <a:rPr lang="fr-CH" dirty="0"/>
+                <a:t>da Lugano a Ginevra</a:t>
+              </a:r>
+              <a:endParaRPr lang="it-IT" dirty="0"/>
+            </a:p>
+          </p:txBody>
+        </p:sp>
+        <p:grpSp>
+          <p:nvGrpSpPr>
+            <p:cNvPr id="14" name="Gruppo 13">
+              <a:extLst>
+                <a:ext uri="{FF2B5EF4-FFF2-40B4-BE49-F238E27FC236}">
+                  <a16:creationId xmlns:a16="http://schemas.microsoft.com/office/drawing/2014/main" id="{01442744-0A19-17AF-FE1F-56D0C57E1FEE}"/>
+                </a:ext>
+              </a:extLst>
+            </p:cNvPr>
+            <p:cNvGrpSpPr/>
+            <p:nvPr/>
+          </p:nvGrpSpPr>
+          <p:grpSpPr>
+            <a:xfrm>
+              <a:off x="8642039" y="3655268"/>
+              <a:ext cx="437277" cy="413104"/>
+              <a:chOff x="8642039" y="3655268"/>
+              <a:chExt cx="437277" cy="413104"/>
+            </a:xfrm>
+          </p:grpSpPr>
+          <p:sp>
+            <p:nvSpPr>
+              <p:cNvPr id="3" name="Rettangolo con angoli arrotondati 2">
+                <a:extLst>
+                  <a:ext uri="{FF2B5EF4-FFF2-40B4-BE49-F238E27FC236}">
+                    <a16:creationId xmlns:a16="http://schemas.microsoft.com/office/drawing/2014/main" id="{6977FA7A-4A56-02D5-9892-5FFA11B5C27C}"/>
+                  </a:ext>
+                </a:extLst>
+              </p:cNvPr>
+              <p:cNvSpPr/>
+              <p:nvPr/>
+            </p:nvSpPr>
+            <p:spPr>
+              <a:xfrm>
+                <a:off x="8642039" y="3655268"/>
+                <a:ext cx="437277" cy="413104"/>
+              </a:xfrm>
+              <a:prstGeom prst="roundRect">
+                <a:avLst/>
+              </a:prstGeom>
+            </p:spPr>
+            <p:style>
+              <a:lnRef idx="2">
+                <a:schemeClr val="accent6"/>
+              </a:lnRef>
+              <a:fillRef idx="1">
+                <a:schemeClr val="lt1"/>
+              </a:fillRef>
+              <a:effectRef idx="0">
+                <a:schemeClr val="accent6"/>
+              </a:effectRef>
+              <a:fontRef idx="minor">
+                <a:schemeClr val="dk1"/>
+              </a:fontRef>
+            </p:style>
+            <p:txBody>
+              <a:bodyPr rtlCol="0" anchor="ctr"/>
+              <a:lstStyle/>
+              <a:p>
+                <a:pPr algn="ctr"/>
+                <a:endParaRPr lang="fr-CH" dirty="0"/>
+              </a:p>
+            </p:txBody>
+          </p:sp>
+          <p:sp>
+            <p:nvSpPr>
+              <p:cNvPr id="5" name="Ovale 4">
+                <a:extLst>
+                  <a:ext uri="{FF2B5EF4-FFF2-40B4-BE49-F238E27FC236}">
+                    <a16:creationId xmlns:a16="http://schemas.microsoft.com/office/drawing/2014/main" id="{E864428F-4613-2A71-60CC-455AF6AA1C2C}"/>
+                  </a:ext>
+                </a:extLst>
+              </p:cNvPr>
+              <p:cNvSpPr/>
+              <p:nvPr/>
+            </p:nvSpPr>
+            <p:spPr>
+              <a:xfrm>
+                <a:off x="8837350" y="3724069"/>
+                <a:ext cx="46653" cy="46653"/>
+              </a:xfrm>
+              <a:prstGeom prst="ellipse">
+                <a:avLst/>
+              </a:prstGeom>
+            </p:spPr>
+            <p:style>
+              <a:lnRef idx="2">
+                <a:schemeClr val="dk1">
+                  <a:shade val="50000"/>
+                </a:schemeClr>
+              </a:lnRef>
+              <a:fillRef idx="1">
+                <a:schemeClr val="dk1"/>
+              </a:fillRef>
+              <a:effectRef idx="0">
+                <a:schemeClr val="dk1"/>
+              </a:effectRef>
+              <a:fontRef idx="minor">
+                <a:schemeClr val="lt1"/>
+              </a:fontRef>
+            </p:style>
+            <p:txBody>
+              <a:bodyPr rtlCol="0" anchor="ctr"/>
+              <a:lstStyle/>
+              <a:p>
+                <a:pPr algn="ctr"/>
+                <a:endParaRPr lang="it-IT"/>
+              </a:p>
+            </p:txBody>
+          </p:sp>
+          <p:sp>
+            <p:nvSpPr>
+              <p:cNvPr id="7" name="Ovale 6">
+                <a:extLst>
+                  <a:ext uri="{FF2B5EF4-FFF2-40B4-BE49-F238E27FC236}">
+                    <a16:creationId xmlns:a16="http://schemas.microsoft.com/office/drawing/2014/main" id="{94639521-AB36-D173-CA2C-6BF958A4DDA9}"/>
+                  </a:ext>
+                </a:extLst>
+              </p:cNvPr>
+              <p:cNvSpPr/>
+              <p:nvPr/>
+            </p:nvSpPr>
+            <p:spPr>
+              <a:xfrm>
+                <a:off x="8837350" y="3846434"/>
+                <a:ext cx="46653" cy="46653"/>
+              </a:xfrm>
+              <a:prstGeom prst="ellipse">
+                <a:avLst/>
+              </a:prstGeom>
+            </p:spPr>
+            <p:style>
+              <a:lnRef idx="2">
+                <a:schemeClr val="dk1">
+                  <a:shade val="50000"/>
+                </a:schemeClr>
+              </a:lnRef>
+              <a:fillRef idx="1">
+                <a:schemeClr val="dk1"/>
+              </a:fillRef>
+              <a:effectRef idx="0">
+                <a:schemeClr val="dk1"/>
+              </a:effectRef>
+              <a:fontRef idx="minor">
+                <a:schemeClr val="lt1"/>
+              </a:fontRef>
+            </p:style>
+            <p:txBody>
+              <a:bodyPr rtlCol="0" anchor="ctr"/>
+              <a:lstStyle/>
+              <a:p>
+                <a:pPr algn="ctr"/>
+                <a:endParaRPr lang="it-IT"/>
+              </a:p>
+            </p:txBody>
+          </p:sp>
+          <p:sp>
+            <p:nvSpPr>
+              <p:cNvPr id="11" name="Ovale 10">
+                <a:extLst>
+                  <a:ext uri="{FF2B5EF4-FFF2-40B4-BE49-F238E27FC236}">
+                    <a16:creationId xmlns:a16="http://schemas.microsoft.com/office/drawing/2014/main" id="{F74AB835-9FFF-F6AB-A2F6-38AF84A78480}"/>
+                  </a:ext>
+                </a:extLst>
+              </p:cNvPr>
+              <p:cNvSpPr/>
+              <p:nvPr/>
+            </p:nvSpPr>
+            <p:spPr>
+              <a:xfrm>
+                <a:off x="8837350" y="3977750"/>
+                <a:ext cx="46653" cy="46653"/>
+              </a:xfrm>
+              <a:prstGeom prst="ellipse">
+                <a:avLst/>
+              </a:prstGeom>
+            </p:spPr>
+            <p:style>
+              <a:lnRef idx="2">
+                <a:schemeClr val="dk1">
+                  <a:shade val="50000"/>
+                </a:schemeClr>
+              </a:lnRef>
+              <a:fillRef idx="1">
+                <a:schemeClr val="dk1"/>
+              </a:fillRef>
+              <a:effectRef idx="0">
+                <a:schemeClr val="dk1"/>
+              </a:effectRef>
+              <a:fontRef idx="minor">
+                <a:schemeClr val="lt1"/>
+              </a:fontRef>
+            </p:style>
+            <p:txBody>
+              <a:bodyPr rtlCol="0" anchor="ctr"/>
+              <a:lstStyle/>
+              <a:p>
+                <a:pPr algn="ctr"/>
+                <a:endParaRPr lang="it-IT"/>
+              </a:p>
+            </p:txBody>
+          </p:sp>
+        </p:grpSp>
+      </p:grpSp>
+      <p:grpSp>
+        <p:nvGrpSpPr>
+          <p:cNvPr id="28" name="Gruppo 27">
+            <a:extLst>
+              <a:ext uri="{FF2B5EF4-FFF2-40B4-BE49-F238E27FC236}">
+                <a16:creationId xmlns:a16="http://schemas.microsoft.com/office/drawing/2014/main" id="{59EC0C16-AE5C-ED42-7B73-F7A037E9DA97}"/>
+              </a:ext>
+            </a:extLst>
+          </p:cNvPr>
+          <p:cNvGrpSpPr/>
+          <p:nvPr/>
+        </p:nvGrpSpPr>
+        <p:grpSpPr>
+          <a:xfrm>
+            <a:off x="2836505" y="4248758"/>
+            <a:ext cx="6354147" cy="528200"/>
+            <a:chOff x="2836506" y="3610947"/>
+            <a:chExt cx="6354147" cy="528200"/>
+          </a:xfrm>
+        </p:grpSpPr>
+        <p:sp>
+          <p:nvSpPr>
+            <p:cNvPr id="30" name="Rettangolo con angoli arrotondati 29">
+              <a:extLst>
+                <a:ext uri="{FF2B5EF4-FFF2-40B4-BE49-F238E27FC236}">
+                  <a16:creationId xmlns:a16="http://schemas.microsoft.com/office/drawing/2014/main" id="{CBA46B63-AFFC-FF35-6CA8-EF6F449C0BBE}"/>
+                </a:ext>
+              </a:extLst>
+            </p:cNvPr>
+            <p:cNvSpPr/>
+            <p:nvPr/>
+          </p:nvSpPr>
+          <p:spPr>
+            <a:xfrm>
+              <a:off x="2836506" y="3610947"/>
+              <a:ext cx="6354147" cy="528200"/>
+            </a:xfrm>
+            <a:prstGeom prst="roundRect">
+              <a:avLst/>
+            </a:prstGeom>
+          </p:spPr>
+          <p:style>
+            <a:lnRef idx="2">
+              <a:schemeClr val="accent1">
+                <a:shade val="50000"/>
+              </a:schemeClr>
+            </a:lnRef>
+            <a:fillRef idx="1">
+              <a:schemeClr val="accent1"/>
+            </a:fillRef>
+            <a:effectRef idx="0">
+              <a:schemeClr val="accent1"/>
+            </a:effectRef>
+            <a:fontRef idx="minor">
+              <a:schemeClr val="lt1"/>
+            </a:fontRef>
+          </p:style>
+          <p:txBody>
+            <a:bodyPr rtlCol="0" anchor="ctr"/>
+            <a:lstStyle/>
+            <a:p>
+              <a:pPr algn="ctr"/>
+              <a:endParaRPr lang="it-IT"/>
+            </a:p>
+          </p:txBody>
+        </p:sp>
+        <p:sp>
+          <p:nvSpPr>
+            <p:cNvPr id="31" name="CasellaDiTesto 30">
+              <a:extLst>
+                <a:ext uri="{FF2B5EF4-FFF2-40B4-BE49-F238E27FC236}">
+                  <a16:creationId xmlns:a16="http://schemas.microsoft.com/office/drawing/2014/main" id="{0D535C50-96B7-DDEB-6B3C-DFB092C7C996}"/>
+                </a:ext>
+              </a:extLst>
+            </p:cNvPr>
+            <p:cNvSpPr txBox="1"/>
+            <p:nvPr/>
+          </p:nvSpPr>
+          <p:spPr>
+            <a:xfrm>
+              <a:off x="3379220" y="3677154"/>
+              <a:ext cx="1614196" cy="369332"/>
+            </a:xfrm>
+            <a:prstGeom prst="rect">
+              <a:avLst/>
+            </a:prstGeom>
+            <a:noFill/>
+          </p:spPr>
+          <p:txBody>
+            <a:bodyPr wrap="square" rtlCol="0">
+              <a:spAutoFit/>
+            </a:bodyPr>
+            <a:lstStyle/>
+            <a:p>
+              <a:r>
+                <a:rPr lang="fr-CH" dirty="0"/>
+                <a:t>Lucia Verdi</a:t>
+              </a:r>
+              <a:endParaRPr lang="it-IT" dirty="0"/>
+            </a:p>
+          </p:txBody>
+        </p:sp>
+        <p:sp>
+          <p:nvSpPr>
+            <p:cNvPr id="33" name="CasellaDiTesto 32">
+              <a:extLst>
+                <a:ext uri="{FF2B5EF4-FFF2-40B4-BE49-F238E27FC236}">
+                  <a16:creationId xmlns:a16="http://schemas.microsoft.com/office/drawing/2014/main" id="{CC861987-F95F-348D-43B5-366EDE368B1A}"/>
+                </a:ext>
+              </a:extLst>
+            </p:cNvPr>
+            <p:cNvSpPr txBox="1"/>
+            <p:nvPr/>
+          </p:nvSpPr>
+          <p:spPr>
+            <a:xfrm>
+              <a:off x="5570373" y="3677154"/>
+              <a:ext cx="2537929" cy="369332"/>
+            </a:xfrm>
+            <a:prstGeom prst="rect">
+              <a:avLst/>
+            </a:prstGeom>
+            <a:noFill/>
+          </p:spPr>
+          <p:txBody>
+            <a:bodyPr wrap="square" rtlCol="0">
+              <a:spAutoFit/>
+            </a:bodyPr>
+            <a:lstStyle/>
+            <a:p>
+              <a:r>
+                <a:rPr lang="fr-CH" dirty="0"/>
+                <a:t>da Chiasso a Mendrisio</a:t>
+              </a:r>
+              <a:endParaRPr lang="it-IT" dirty="0"/>
+            </a:p>
+          </p:txBody>
+        </p:sp>
+        <p:grpSp>
+          <p:nvGrpSpPr>
+            <p:cNvPr id="34" name="Gruppo 33">
+              <a:extLst>
+                <a:ext uri="{FF2B5EF4-FFF2-40B4-BE49-F238E27FC236}">
+                  <a16:creationId xmlns:a16="http://schemas.microsoft.com/office/drawing/2014/main" id="{0A280272-B8D0-8FE2-45BE-E74667C7380F}"/>
+                </a:ext>
+              </a:extLst>
+            </p:cNvPr>
+            <p:cNvGrpSpPr/>
+            <p:nvPr/>
+          </p:nvGrpSpPr>
+          <p:grpSpPr>
+            <a:xfrm>
+              <a:off x="8642039" y="3655268"/>
+              <a:ext cx="437277" cy="413104"/>
+              <a:chOff x="8642039" y="3655268"/>
+              <a:chExt cx="437277" cy="413104"/>
+            </a:xfrm>
+          </p:grpSpPr>
+          <p:sp>
+            <p:nvSpPr>
+              <p:cNvPr id="35" name="Rettangolo con angoli arrotondati 34">
+                <a:extLst>
+                  <a:ext uri="{FF2B5EF4-FFF2-40B4-BE49-F238E27FC236}">
+                    <a16:creationId xmlns:a16="http://schemas.microsoft.com/office/drawing/2014/main" id="{68527D5C-29DC-FC9F-7796-0D8CC672E778}"/>
+                  </a:ext>
+                </a:extLst>
+              </p:cNvPr>
+              <p:cNvSpPr/>
+              <p:nvPr/>
+            </p:nvSpPr>
+            <p:spPr>
+              <a:xfrm>
+                <a:off x="8642039" y="3655268"/>
+                <a:ext cx="437277" cy="413104"/>
+              </a:xfrm>
+              <a:prstGeom prst="roundRect">
+                <a:avLst/>
+              </a:prstGeom>
+            </p:spPr>
+            <p:style>
+              <a:lnRef idx="2">
+                <a:schemeClr val="accent6"/>
+              </a:lnRef>
+              <a:fillRef idx="1">
+                <a:schemeClr val="lt1"/>
+              </a:fillRef>
+              <a:effectRef idx="0">
+                <a:schemeClr val="accent6"/>
+              </a:effectRef>
+              <a:fontRef idx="minor">
+                <a:schemeClr val="dk1"/>
+              </a:fontRef>
+            </p:style>
+            <p:txBody>
+              <a:bodyPr rtlCol="0" anchor="ctr"/>
+              <a:lstStyle/>
+              <a:p>
+                <a:pPr algn="ctr"/>
+                <a:endParaRPr lang="fr-CH" dirty="0"/>
+              </a:p>
+            </p:txBody>
+          </p:sp>
+          <p:sp>
+            <p:nvSpPr>
+              <p:cNvPr id="36" name="Ovale 35">
+                <a:extLst>
+                  <a:ext uri="{FF2B5EF4-FFF2-40B4-BE49-F238E27FC236}">
+                    <a16:creationId xmlns:a16="http://schemas.microsoft.com/office/drawing/2014/main" id="{7CB577B1-AC95-E44F-49F7-EF36111C6A02}"/>
+                  </a:ext>
+                </a:extLst>
+              </p:cNvPr>
+              <p:cNvSpPr/>
+              <p:nvPr/>
+            </p:nvSpPr>
+            <p:spPr>
+              <a:xfrm>
+                <a:off x="8837350" y="3724069"/>
+                <a:ext cx="46653" cy="46653"/>
+              </a:xfrm>
+              <a:prstGeom prst="ellipse">
+                <a:avLst/>
+              </a:prstGeom>
+            </p:spPr>
+            <p:style>
+              <a:lnRef idx="2">
+                <a:schemeClr val="dk1">
+                  <a:shade val="50000"/>
+                </a:schemeClr>
+              </a:lnRef>
+              <a:fillRef idx="1">
+                <a:schemeClr val="dk1"/>
+              </a:fillRef>
+              <a:effectRef idx="0">
+                <a:schemeClr val="dk1"/>
+              </a:effectRef>
+              <a:fontRef idx="minor">
+                <a:schemeClr val="lt1"/>
+              </a:fontRef>
+            </p:style>
+            <p:txBody>
+              <a:bodyPr rtlCol="0" anchor="ctr"/>
+              <a:lstStyle/>
+              <a:p>
+                <a:pPr algn="ctr"/>
+                <a:endParaRPr lang="it-IT"/>
+              </a:p>
+            </p:txBody>
+          </p:sp>
+          <p:sp>
+            <p:nvSpPr>
+              <p:cNvPr id="37" name="Ovale 36">
+                <a:extLst>
+                  <a:ext uri="{FF2B5EF4-FFF2-40B4-BE49-F238E27FC236}">
+                    <a16:creationId xmlns:a16="http://schemas.microsoft.com/office/drawing/2014/main" id="{D3D3EC01-4412-001A-2C81-0F8FF1874ECB}"/>
+                  </a:ext>
+                </a:extLst>
+              </p:cNvPr>
+              <p:cNvSpPr/>
+              <p:nvPr/>
+            </p:nvSpPr>
+            <p:spPr>
+              <a:xfrm>
+                <a:off x="8837350" y="3846434"/>
+                <a:ext cx="46653" cy="46653"/>
+              </a:xfrm>
+              <a:prstGeom prst="ellipse">
+                <a:avLst/>
+              </a:prstGeom>
+            </p:spPr>
+            <p:style>
+              <a:lnRef idx="2">
+                <a:schemeClr val="dk1">
+                  <a:shade val="50000"/>
+                </a:schemeClr>
+              </a:lnRef>
+              <a:fillRef idx="1">
+                <a:schemeClr val="dk1"/>
+              </a:fillRef>
+              <a:effectRef idx="0">
+                <a:schemeClr val="dk1"/>
+              </a:effectRef>
+              <a:fontRef idx="minor">
+                <a:schemeClr val="lt1"/>
+              </a:fontRef>
+            </p:style>
+            <p:txBody>
+              <a:bodyPr rtlCol="0" anchor="ctr"/>
+              <a:lstStyle/>
+              <a:p>
+                <a:pPr algn="ctr"/>
+                <a:endParaRPr lang="it-IT"/>
+              </a:p>
+            </p:txBody>
+          </p:sp>
+          <p:sp>
+            <p:nvSpPr>
+              <p:cNvPr id="38" name="Ovale 37">
+                <a:extLst>
+                  <a:ext uri="{FF2B5EF4-FFF2-40B4-BE49-F238E27FC236}">
+                    <a16:creationId xmlns:a16="http://schemas.microsoft.com/office/drawing/2014/main" id="{F0761F53-4383-FF05-C2B6-48D316D66F39}"/>
+                  </a:ext>
+                </a:extLst>
+              </p:cNvPr>
+              <p:cNvSpPr/>
+              <p:nvPr/>
+            </p:nvSpPr>
+            <p:spPr>
+              <a:xfrm>
+                <a:off x="8837350" y="3977750"/>
+                <a:ext cx="46653" cy="46653"/>
+              </a:xfrm>
+              <a:prstGeom prst="ellipse">
+                <a:avLst/>
+              </a:prstGeom>
+            </p:spPr>
+            <p:style>
+              <a:lnRef idx="2">
+                <a:schemeClr val="dk1">
+                  <a:shade val="50000"/>
+                </a:schemeClr>
+              </a:lnRef>
+              <a:fillRef idx="1">
+                <a:schemeClr val="dk1"/>
+              </a:fillRef>
+              <a:effectRef idx="0">
+                <a:schemeClr val="dk1"/>
+              </a:effectRef>
+              <a:fontRef idx="minor">
+                <a:schemeClr val="lt1"/>
+              </a:fontRef>
+            </p:style>
+            <p:txBody>
+              <a:bodyPr rtlCol="0" anchor="ctr"/>
+              <a:lstStyle/>
+              <a:p>
+                <a:pPr algn="ctr"/>
+                <a:endParaRPr lang="it-IT"/>
+              </a:p>
+            </p:txBody>
+          </p:sp>
+        </p:grpSp>
+      </p:grpSp>
+      <p:pic>
+        <p:nvPicPr>
+          <p:cNvPr id="40" name="Elemento grafico 39">
+            <a:extLst>
+              <a:ext uri="{FF2B5EF4-FFF2-40B4-BE49-F238E27FC236}">
+                <a16:creationId xmlns:a16="http://schemas.microsoft.com/office/drawing/2014/main" id="{A1E292ED-0BC8-25E8-C841-4FD0DA6B498F}"/>
+              </a:ext>
+            </a:extLst>
+          </p:cNvPr>
+          <p:cNvPicPr>
+            <a:picLocks noChangeAspect="1"/>
+          </p:cNvPicPr>
+          <p:nvPr/>
+        </p:nvPicPr>
+        <p:blipFill>
+          <a:blip r:embed="rId4">
+            <a:extLst>
+              <a:ext uri="{28A0092B-C50C-407E-A947-70E740481C1C}">
+                <a14:useLocalDpi xmlns:a14="http://schemas.microsoft.com/office/drawing/2010/main" val="0"/>
+              </a:ext>
+              <a:ext uri="{96DAC541-7B7A-43D3-8B79-37D633B846F1}">
+                <asvg:svgBlip xmlns:asvg="http://schemas.microsoft.com/office/drawing/2016/SVG/main" r:embed="rId5"/>
+              </a:ext>
+            </a:extLst>
+          </a:blip>
+          <a:stretch>
+            <a:fillRect/>
+          </a:stretch>
+        </p:blipFill>
+        <p:spPr>
+          <a:xfrm>
+            <a:off x="3026996" y="4306029"/>
+            <a:ext cx="251927" cy="403083"/>
+          </a:xfrm>
+          <a:prstGeom prst="rect">
+            <a:avLst/>
+          </a:prstGeom>
+        </p:spPr>
+      </p:pic>
+      <p:sp>
+        <p:nvSpPr>
+          <p:cNvPr id="41" name="CasellaDiTesto 40">
+            <a:extLst>
+              <a:ext uri="{FF2B5EF4-FFF2-40B4-BE49-F238E27FC236}">
+                <a16:creationId xmlns:a16="http://schemas.microsoft.com/office/drawing/2014/main" id="{08FB8FAF-C91C-EB80-1799-03596296D4E4}"/>
+              </a:ext>
+            </a:extLst>
+          </p:cNvPr>
+          <p:cNvSpPr txBox="1"/>
+          <p:nvPr/>
+        </p:nvSpPr>
+        <p:spPr>
+          <a:xfrm>
+            <a:off x="2746310" y="5723097"/>
+            <a:ext cx="6699380" cy="307777"/>
+          </a:xfrm>
+          <a:prstGeom prst="rect">
+            <a:avLst/>
+          </a:prstGeom>
+          <a:noFill/>
+        </p:spPr>
+        <p:txBody>
+          <a:bodyPr wrap="square" rtlCol="0">
+            <a:spAutoFit/>
+          </a:bodyPr>
+          <a:lstStyle/>
+          <a:p>
+            <a:r>
+              <a:rPr lang="fr-CH" sz="1400" dirty="0" err="1">
+                <a:solidFill>
+                  <a:schemeClr val="bg1">
+                    <a:lumMod val="75000"/>
+                  </a:schemeClr>
+                </a:solidFill>
+                <a:latin typeface="Amasis MT Pro Black" panose="020B0604020202020204" pitchFamily="18" charset="0"/>
+                <a:cs typeface="Aldhabi" panose="020B0604020202020204" pitchFamily="2" charset="-78"/>
+              </a:rPr>
+              <a:t>Ancora</a:t>
+            </a:r>
+            <a:r>
+              <a:rPr lang="fr-CH" sz="1400" dirty="0">
+                <a:solidFill>
+                  <a:schemeClr val="bg1">
+                    <a:lumMod val="75000"/>
+                  </a:schemeClr>
+                </a:solidFill>
+                <a:latin typeface="Amasis MT Pro Black" panose="020B0604020202020204" pitchFamily="18" charset="0"/>
+                <a:cs typeface="Aldhabi" panose="020B0604020202020204" pitchFamily="2" charset="-78"/>
+              </a:rPr>
+              <a:t> </a:t>
+            </a:r>
+            <a:r>
+              <a:rPr lang="fr-CH" sz="1400" dirty="0" err="1">
+                <a:solidFill>
+                  <a:schemeClr val="bg1">
+                    <a:lumMod val="75000"/>
+                  </a:schemeClr>
+                </a:solidFill>
+                <a:latin typeface="Amasis MT Pro Black" panose="020B0604020202020204" pitchFamily="18" charset="0"/>
+                <a:cs typeface="Aldhabi" panose="020B0604020202020204" pitchFamily="2" charset="-78"/>
+              </a:rPr>
+              <a:t>nessuna</a:t>
+            </a:r>
+            <a:r>
+              <a:rPr lang="fr-CH" sz="1400" dirty="0">
+                <a:solidFill>
+                  <a:schemeClr val="bg1">
+                    <a:lumMod val="75000"/>
+                  </a:schemeClr>
+                </a:solidFill>
+                <a:latin typeface="Amasis MT Pro Black" panose="020B0604020202020204" pitchFamily="18" charset="0"/>
+                <a:cs typeface="Aldhabi" panose="020B0604020202020204" pitchFamily="2" charset="-78"/>
+              </a:rPr>
+              <a:t> corsa </a:t>
+            </a:r>
+            <a:r>
+              <a:rPr lang="fr-CH" sz="1400" dirty="0" err="1">
+                <a:solidFill>
+                  <a:schemeClr val="bg1">
+                    <a:lumMod val="75000"/>
+                  </a:schemeClr>
+                </a:solidFill>
+                <a:latin typeface="Amasis MT Pro Black" panose="020B0604020202020204" pitchFamily="18" charset="0"/>
+                <a:cs typeface="Aldhabi" panose="020B0604020202020204" pitchFamily="2" charset="-78"/>
+              </a:rPr>
+              <a:t>eseguita</a:t>
+            </a:r>
+            <a:endParaRPr lang="it-IT" sz="1400" dirty="0">
+              <a:solidFill>
+                <a:schemeClr val="bg1">
+                  <a:lumMod val="75000"/>
+                </a:schemeClr>
+              </a:solidFill>
+              <a:latin typeface="Amasis MT Pro Black" panose="020B0604020202020204" pitchFamily="18" charset="0"/>
+              <a:cs typeface="Aldhabi" panose="020B0604020202020204" pitchFamily="2" charset="-78"/>
+            </a:endParaRPr>
+          </a:p>
+        </p:txBody>
+      </p:sp>
+    </p:spTree>
+    <p:extLst>
+      <p:ext uri="{BB962C8B-B14F-4D97-AF65-F5344CB8AC3E}">
+        <p14:creationId xmlns:p14="http://schemas.microsoft.com/office/powerpoint/2010/main" val="602514189"/>
+      </p:ext>
+    </p:extLst>
+  </p:cSld>
+  <p:clrMapOvr>
+    <a:masterClrMapping/>
+  </p:clrMapOvr>
+</p:sld>
+</file>
+
+<file path=ppt/slides/slide2.xml><?xml version="1.0" encoding="utf-8"?>
+<p:sld xmlns:a="http://schemas.openxmlformats.org/drawingml/2006/main" xmlns:r="http://schemas.openxmlformats.org/officeDocument/2006/relationships" xmlns:p="http://schemas.openxmlformats.org/presentationml/2006/main">
+  <p:cSld>
+    <p:spTree>
+      <p:nvGrpSpPr>
+        <p:cNvPr id="1" name=""/>
+        <p:cNvGrpSpPr/>
+        <p:nvPr/>
+      </p:nvGrpSpPr>
+      <p:grpSpPr>
+        <a:xfrm>
+          <a:off x="0" y="0"/>
+          <a:ext cx="0" cy="0"/>
+          <a:chOff x="0" y="0"/>
+          <a:chExt cx="0" cy="0"/>
+        </a:xfrm>
+      </p:grpSpPr>
+      <p:sp>
+        <p:nvSpPr>
+          <p:cNvPr id="4" name="Rettangolo con angoli arrotondati 3">
+            <a:extLst>
+              <a:ext uri="{FF2B5EF4-FFF2-40B4-BE49-F238E27FC236}">
+                <a16:creationId xmlns:a16="http://schemas.microsoft.com/office/drawing/2014/main" id="{D37719E3-B562-160F-3716-5534FE629479}"/>
+              </a:ext>
+            </a:extLst>
+          </p:cNvPr>
+          <p:cNvSpPr/>
+          <p:nvPr/>
+        </p:nvSpPr>
+        <p:spPr>
+          <a:xfrm>
+            <a:off x="11178073" y="251927"/>
+            <a:ext cx="690466" cy="522514"/>
           </a:xfrm>
           <a:prstGeom prst="roundRect">
             <a:avLst/>
@@ -4098,12 +4996,141 @@
           </a:p>
         </p:txBody>
       </p:sp>
-      <p:sp>
-        <p:nvSpPr>
-          <p:cNvPr id="27" name="CasellaDiTesto 26">
-            <a:extLst>
-              <a:ext uri="{FF2B5EF4-FFF2-40B4-BE49-F238E27FC236}">
-                <a16:creationId xmlns:a16="http://schemas.microsoft.com/office/drawing/2014/main" id="{E3309D63-D8D8-F42C-D435-0DFFDE1437CB}"/>
+      <p:cxnSp>
+        <p:nvCxnSpPr>
+          <p:cNvPr id="6" name="Connettore diritto 5">
+            <a:extLst>
+              <a:ext uri="{FF2B5EF4-FFF2-40B4-BE49-F238E27FC236}">
+                <a16:creationId xmlns:a16="http://schemas.microsoft.com/office/drawing/2014/main" id="{058D0EC7-CB25-9FFF-CF72-9CB3D7352578}"/>
+              </a:ext>
+            </a:extLst>
+          </p:cNvPr>
+          <p:cNvCxnSpPr>
+            <a:cxnSpLocks/>
+          </p:cNvCxnSpPr>
+          <p:nvPr/>
+        </p:nvCxnSpPr>
+        <p:spPr>
+          <a:xfrm>
+            <a:off x="11289846" y="381195"/>
+            <a:ext cx="473529" cy="0"/>
+          </a:xfrm>
+          <a:prstGeom prst="line">
+            <a:avLst/>
+          </a:prstGeom>
+          <a:ln w="76200">
+            <a:solidFill>
+              <a:schemeClr val="bg1"/>
+            </a:solidFill>
+          </a:ln>
+        </p:spPr>
+        <p:style>
+          <a:lnRef idx="1">
+            <a:schemeClr val="accent1"/>
+          </a:lnRef>
+          <a:fillRef idx="0">
+            <a:schemeClr val="accent1"/>
+          </a:fillRef>
+          <a:effectRef idx="0">
+            <a:schemeClr val="accent1"/>
+          </a:effectRef>
+          <a:fontRef idx="minor">
+            <a:schemeClr val="tx1"/>
+          </a:fontRef>
+        </p:style>
+      </p:cxnSp>
+      <p:cxnSp>
+        <p:nvCxnSpPr>
+          <p:cNvPr id="8" name="Connettore diritto 7">
+            <a:extLst>
+              <a:ext uri="{FF2B5EF4-FFF2-40B4-BE49-F238E27FC236}">
+                <a16:creationId xmlns:a16="http://schemas.microsoft.com/office/drawing/2014/main" id="{2CBA3224-B1F9-626D-2459-5B1E0F084AF0}"/>
+              </a:ext>
+            </a:extLst>
+          </p:cNvPr>
+          <p:cNvCxnSpPr>
+            <a:cxnSpLocks/>
+          </p:cNvCxnSpPr>
+          <p:nvPr/>
+        </p:nvCxnSpPr>
+        <p:spPr>
+          <a:xfrm>
+            <a:off x="11289846" y="533595"/>
+            <a:ext cx="473529" cy="0"/>
+          </a:xfrm>
+          <a:prstGeom prst="line">
+            <a:avLst/>
+          </a:prstGeom>
+          <a:ln w="76200">
+            <a:solidFill>
+              <a:schemeClr val="bg1"/>
+            </a:solidFill>
+          </a:ln>
+        </p:spPr>
+        <p:style>
+          <a:lnRef idx="1">
+            <a:schemeClr val="accent1"/>
+          </a:lnRef>
+          <a:fillRef idx="0">
+            <a:schemeClr val="accent1"/>
+          </a:fillRef>
+          <a:effectRef idx="0">
+            <a:schemeClr val="accent1"/>
+          </a:effectRef>
+          <a:fontRef idx="minor">
+            <a:schemeClr val="tx1"/>
+          </a:fontRef>
+        </p:style>
+      </p:cxnSp>
+      <p:cxnSp>
+        <p:nvCxnSpPr>
+          <p:cNvPr id="9" name="Connettore diritto 8">
+            <a:extLst>
+              <a:ext uri="{FF2B5EF4-FFF2-40B4-BE49-F238E27FC236}">
+                <a16:creationId xmlns:a16="http://schemas.microsoft.com/office/drawing/2014/main" id="{B48050FE-CD50-5A7E-E9B4-42CC59E333E4}"/>
+              </a:ext>
+            </a:extLst>
+          </p:cNvPr>
+          <p:cNvCxnSpPr>
+            <a:cxnSpLocks/>
+          </p:cNvCxnSpPr>
+          <p:nvPr/>
+        </p:nvCxnSpPr>
+        <p:spPr>
+          <a:xfrm>
+            <a:off x="11289846" y="676665"/>
+            <a:ext cx="473529" cy="0"/>
+          </a:xfrm>
+          <a:prstGeom prst="line">
+            <a:avLst/>
+          </a:prstGeom>
+          <a:ln w="76200">
+            <a:solidFill>
+              <a:schemeClr val="bg1"/>
+            </a:solidFill>
+          </a:ln>
+        </p:spPr>
+        <p:style>
+          <a:lnRef idx="1">
+            <a:schemeClr val="accent1"/>
+          </a:lnRef>
+          <a:fillRef idx="0">
+            <a:schemeClr val="accent1"/>
+          </a:fillRef>
+          <a:effectRef idx="0">
+            <a:schemeClr val="accent1"/>
+          </a:effectRef>
+          <a:fontRef idx="minor">
+            <a:schemeClr val="tx1"/>
+          </a:fontRef>
+        </p:style>
+      </p:cxnSp>
+      <p:sp>
+        <p:nvSpPr>
+          <p:cNvPr id="10" name="CasellaDiTesto 9">
+            <a:extLst>
+              <a:ext uri="{FF2B5EF4-FFF2-40B4-BE49-F238E27FC236}">
+                <a16:creationId xmlns:a16="http://schemas.microsoft.com/office/drawing/2014/main" id="{D1B4D6FE-2096-7131-4271-14204B90B092}"/>
               </a:ext>
             </a:extLst>
           </p:cNvPr>
@@ -4112,8 +5139,8 @@
         </p:nvSpPr>
         <p:spPr>
           <a:xfrm>
-            <a:off x="3379220" y="3677154"/>
-            <a:ext cx="1614196" cy="369332"/>
+            <a:off x="2746310" y="241207"/>
+            <a:ext cx="6699380" cy="584775"/>
           </a:xfrm>
           <a:prstGeom prst="rect">
             <a:avLst/>
@@ -4127,19 +5154,573 @@
           <a:lstStyle/>
           <a:p>
             <a:r>
-              <a:rPr lang="fr-CH" dirty="0"/>
-              <a:t>Marco Rossi</a:t>
-            </a:r>
-            <a:endParaRPr lang="it-IT" dirty="0"/>
-          </a:p>
-        </p:txBody>
-      </p:sp>
+              <a:rPr lang="fr-CH" sz="3200" dirty="0">
+                <a:latin typeface="Amasis MT Pro Black" panose="020B0604020202020204" pitchFamily="18" charset="0"/>
+                <a:cs typeface="Aldhabi" panose="020B0604020202020204" pitchFamily="2" charset="-78"/>
+              </a:rPr>
+              <a:t>$</a:t>
+            </a:r>
+            <a:r>
+              <a:rPr lang="fr-CH" sz="3200" dirty="0" err="1">
+                <a:latin typeface="Amasis MT Pro Black" panose="020B0604020202020204" pitchFamily="18" charset="0"/>
+                <a:cs typeface="Aldhabi" panose="020B0604020202020204" pitchFamily="2" charset="-78"/>
+              </a:rPr>
+              <a:t>Nome_Cognome</a:t>
+            </a:r>
+            <a:r>
+              <a:rPr lang="fr-CH" sz="3200" dirty="0">
+                <a:latin typeface="Amasis MT Pro Black" panose="020B0604020202020204" pitchFamily="18" charset="0"/>
+                <a:cs typeface="Aldhabi" panose="020B0604020202020204" pitchFamily="2" charset="-78"/>
+              </a:rPr>
+              <a:t> </a:t>
+            </a:r>
+            <a:r>
+              <a:rPr lang="fr-CH" sz="3200" dirty="0">
+                <a:latin typeface="Amasis MT Pro Black" panose="020B0604020202020204" pitchFamily="18" charset="0"/>
+                <a:cs typeface="Aldhabi" panose="020B0604020202020204" pitchFamily="2" charset="-78"/>
+                <a:sym typeface="Wingdings" panose="05000000000000000000" pitchFamily="2" charset="2"/>
+              </a:rPr>
+              <a:t> </a:t>
+            </a:r>
+            <a:r>
+              <a:rPr lang="fr-CH" sz="3200" dirty="0">
+                <a:solidFill>
+                  <a:srgbClr val="00B050"/>
+                </a:solidFill>
+                <a:latin typeface="Amasis MT Pro Black" panose="020B0604020202020204" pitchFamily="18" charset="0"/>
+                <a:cs typeface="Aldhabi" panose="020B0604020202020204" pitchFamily="2" charset="-78"/>
+                <a:sym typeface="Wingdings" panose="05000000000000000000" pitchFamily="2" charset="2"/>
+              </a:rPr>
+              <a:t>In </a:t>
+            </a:r>
+            <a:r>
+              <a:rPr lang="fr-CH" sz="3200" dirty="0" err="1">
+                <a:solidFill>
+                  <a:srgbClr val="00B050"/>
+                </a:solidFill>
+                <a:latin typeface="Amasis MT Pro Black" panose="020B0604020202020204" pitchFamily="18" charset="0"/>
+                <a:cs typeface="Aldhabi" panose="020B0604020202020204" pitchFamily="2" charset="-78"/>
+                <a:sym typeface="Wingdings" panose="05000000000000000000" pitchFamily="2" charset="2"/>
+              </a:rPr>
+              <a:t>servizio</a:t>
+            </a:r>
+            <a:endParaRPr lang="it-IT" sz="3200" dirty="0">
+              <a:solidFill>
+                <a:srgbClr val="00B050"/>
+              </a:solidFill>
+              <a:latin typeface="Amasis MT Pro Black" panose="020B0604020202020204" pitchFamily="18" charset="0"/>
+              <a:cs typeface="Aldhabi" panose="020B0604020202020204" pitchFamily="2" charset="-78"/>
+            </a:endParaRPr>
+          </a:p>
+        </p:txBody>
+      </p:sp>
+      <p:cxnSp>
+        <p:nvCxnSpPr>
+          <p:cNvPr id="12" name="Connettore diritto 11">
+            <a:extLst>
+              <a:ext uri="{FF2B5EF4-FFF2-40B4-BE49-F238E27FC236}">
+                <a16:creationId xmlns:a16="http://schemas.microsoft.com/office/drawing/2014/main" id="{AADECD21-D971-82F8-D2BC-4E80ADEAF6A8}"/>
+              </a:ext>
+            </a:extLst>
+          </p:cNvPr>
+          <p:cNvCxnSpPr/>
+          <p:nvPr/>
+        </p:nvCxnSpPr>
+        <p:spPr>
+          <a:xfrm>
+            <a:off x="2202024" y="51318"/>
+            <a:ext cx="0" cy="6755363"/>
+          </a:xfrm>
+          <a:prstGeom prst="line">
+            <a:avLst/>
+          </a:prstGeom>
+        </p:spPr>
+        <p:style>
+          <a:lnRef idx="1">
+            <a:schemeClr val="accent1"/>
+          </a:lnRef>
+          <a:fillRef idx="0">
+            <a:schemeClr val="accent1"/>
+          </a:fillRef>
+          <a:effectRef idx="0">
+            <a:schemeClr val="accent1"/>
+          </a:effectRef>
+          <a:fontRef idx="minor">
+            <a:schemeClr val="tx1"/>
+          </a:fontRef>
+        </p:style>
+      </p:cxnSp>
+      <p:cxnSp>
+        <p:nvCxnSpPr>
+          <p:cNvPr id="13" name="Connettore diritto 12">
+            <a:extLst>
+              <a:ext uri="{FF2B5EF4-FFF2-40B4-BE49-F238E27FC236}">
+                <a16:creationId xmlns:a16="http://schemas.microsoft.com/office/drawing/2014/main" id="{7C97929E-0D6F-A7B8-3AB4-69AC6316790D}"/>
+              </a:ext>
+            </a:extLst>
+          </p:cNvPr>
+          <p:cNvCxnSpPr/>
+          <p:nvPr/>
+        </p:nvCxnSpPr>
+        <p:spPr>
+          <a:xfrm>
+            <a:off x="9893559" y="51318"/>
+            <a:ext cx="0" cy="6755363"/>
+          </a:xfrm>
+          <a:prstGeom prst="line">
+            <a:avLst/>
+          </a:prstGeom>
+        </p:spPr>
+        <p:style>
+          <a:lnRef idx="1">
+            <a:schemeClr val="accent1"/>
+          </a:lnRef>
+          <a:fillRef idx="0">
+            <a:schemeClr val="accent1"/>
+          </a:fillRef>
+          <a:effectRef idx="0">
+            <a:schemeClr val="accent1"/>
+          </a:effectRef>
+          <a:fontRef idx="minor">
+            <a:schemeClr val="tx1"/>
+          </a:fontRef>
+        </p:style>
+      </p:cxnSp>
+      <p:sp>
+        <p:nvSpPr>
+          <p:cNvPr id="15" name="Rettangolo 14">
+            <a:extLst>
+              <a:ext uri="{FF2B5EF4-FFF2-40B4-BE49-F238E27FC236}">
+                <a16:creationId xmlns:a16="http://schemas.microsoft.com/office/drawing/2014/main" id="{EC07CA80-0F09-B67A-3823-464A95500A8F}"/>
+              </a:ext>
+            </a:extLst>
+          </p:cNvPr>
+          <p:cNvSpPr/>
+          <p:nvPr/>
+        </p:nvSpPr>
+        <p:spPr>
+          <a:xfrm>
+            <a:off x="2575249" y="998376"/>
+            <a:ext cx="6941974" cy="5808305"/>
+          </a:xfrm>
+          <a:prstGeom prst="rect">
+            <a:avLst/>
+          </a:prstGeom>
+        </p:spPr>
+        <p:style>
+          <a:lnRef idx="2">
+            <a:schemeClr val="accent1">
+              <a:shade val="50000"/>
+            </a:schemeClr>
+          </a:lnRef>
+          <a:fillRef idx="1">
+            <a:schemeClr val="accent1"/>
+          </a:fillRef>
+          <a:effectRef idx="0">
+            <a:schemeClr val="accent1"/>
+          </a:effectRef>
+          <a:fontRef idx="minor">
+            <a:schemeClr val="lt1"/>
+          </a:fontRef>
+        </p:style>
+        <p:txBody>
+          <a:bodyPr rtlCol="0" anchor="ctr"/>
+          <a:lstStyle/>
+          <a:p>
+            <a:pPr algn="ctr"/>
+            <a:endParaRPr lang="it-IT"/>
+          </a:p>
+        </p:txBody>
+      </p:sp>
+      <p:grpSp>
+        <p:nvGrpSpPr>
+          <p:cNvPr id="18" name="Gruppo 17">
+            <a:extLst>
+              <a:ext uri="{FF2B5EF4-FFF2-40B4-BE49-F238E27FC236}">
+                <a16:creationId xmlns:a16="http://schemas.microsoft.com/office/drawing/2014/main" id="{B67B8F5D-9BDC-A22F-32EF-28946BB76BA3}"/>
+              </a:ext>
+            </a:extLst>
+          </p:cNvPr>
+          <p:cNvGrpSpPr/>
+          <p:nvPr/>
+        </p:nvGrpSpPr>
+        <p:grpSpPr>
+          <a:xfrm>
+            <a:off x="2746310" y="1175657"/>
+            <a:ext cx="6699380" cy="1875453"/>
+            <a:chOff x="2746310" y="1175657"/>
+            <a:chExt cx="6699380" cy="1875453"/>
+          </a:xfrm>
+        </p:grpSpPr>
+        <p:sp>
+          <p:nvSpPr>
+            <p:cNvPr id="16" name="Rettangolo con angoli arrotondati 15">
+              <a:extLst>
+                <a:ext uri="{FF2B5EF4-FFF2-40B4-BE49-F238E27FC236}">
+                  <a16:creationId xmlns:a16="http://schemas.microsoft.com/office/drawing/2014/main" id="{0070254D-4585-306F-B3B3-49314871060C}"/>
+                </a:ext>
+              </a:extLst>
+            </p:cNvPr>
+            <p:cNvSpPr/>
+            <p:nvPr/>
+          </p:nvSpPr>
+          <p:spPr>
+            <a:xfrm>
+              <a:off x="2746310" y="1175657"/>
+              <a:ext cx="6556310" cy="1875453"/>
+            </a:xfrm>
+            <a:prstGeom prst="roundRect">
+              <a:avLst/>
+            </a:prstGeom>
+          </p:spPr>
+          <p:style>
+            <a:lnRef idx="2">
+              <a:schemeClr val="accent6"/>
+            </a:lnRef>
+            <a:fillRef idx="1">
+              <a:schemeClr val="lt1"/>
+            </a:fillRef>
+            <a:effectRef idx="0">
+              <a:schemeClr val="accent6"/>
+            </a:effectRef>
+            <a:fontRef idx="minor">
+              <a:schemeClr val="dk1"/>
+            </a:fontRef>
+          </p:style>
+          <p:txBody>
+            <a:bodyPr rtlCol="0" anchor="ctr"/>
+            <a:lstStyle/>
+            <a:p>
+              <a:pPr algn="ctr"/>
+              <a:endParaRPr lang="it-IT"/>
+            </a:p>
+          </p:txBody>
+        </p:sp>
+        <p:sp>
+          <p:nvSpPr>
+            <p:cNvPr id="17" name="CasellaDiTesto 16">
+              <a:extLst>
+                <a:ext uri="{FF2B5EF4-FFF2-40B4-BE49-F238E27FC236}">
+                  <a16:creationId xmlns:a16="http://schemas.microsoft.com/office/drawing/2014/main" id="{66CD254B-D12D-E312-E25D-D8491768A361}"/>
+                </a:ext>
+              </a:extLst>
+            </p:cNvPr>
+            <p:cNvSpPr txBox="1"/>
+            <p:nvPr/>
+          </p:nvSpPr>
+          <p:spPr>
+            <a:xfrm>
+              <a:off x="2746310" y="1194707"/>
+              <a:ext cx="6699380" cy="307777"/>
+            </a:xfrm>
+            <a:prstGeom prst="rect">
+              <a:avLst/>
+            </a:prstGeom>
+            <a:noFill/>
+          </p:spPr>
+          <p:txBody>
+            <a:bodyPr wrap="square" rtlCol="0">
+              <a:spAutoFit/>
+            </a:bodyPr>
+            <a:lstStyle/>
+            <a:p>
+              <a:r>
+                <a:rPr lang="fr-CH" sz="1400" dirty="0" err="1">
+                  <a:latin typeface="Amasis MT Pro Black" panose="020B0604020202020204" pitchFamily="18" charset="0"/>
+                  <a:cs typeface="Aldhabi" panose="020B0604020202020204" pitchFamily="2" charset="-78"/>
+                </a:rPr>
+                <a:t>Richieste</a:t>
+              </a:r>
+              <a:r>
+                <a:rPr lang="fr-CH" sz="1400" dirty="0">
+                  <a:latin typeface="Amasis MT Pro Black" panose="020B0604020202020204" pitchFamily="18" charset="0"/>
+                  <a:cs typeface="Aldhabi" panose="020B0604020202020204" pitchFamily="2" charset="-78"/>
+                </a:rPr>
+                <a:t> - </a:t>
+              </a:r>
+              <a:r>
+                <a:rPr lang="fr-CH" sz="1400" dirty="0">
+                  <a:solidFill>
+                    <a:srgbClr val="00B050"/>
+                  </a:solidFill>
+                  <a:latin typeface="Amasis MT Pro Black" panose="020B0604020202020204" pitchFamily="18" charset="0"/>
+                  <a:cs typeface="Aldhabi" panose="020B0604020202020204" pitchFamily="2" charset="-78"/>
+                </a:rPr>
+                <a:t>In Corso</a:t>
+              </a:r>
+              <a:endParaRPr lang="it-IT" sz="1400" dirty="0">
+                <a:solidFill>
+                  <a:srgbClr val="00B050"/>
+                </a:solidFill>
+                <a:latin typeface="Amasis MT Pro Black" panose="020B0604020202020204" pitchFamily="18" charset="0"/>
+                <a:cs typeface="Aldhabi" panose="020B0604020202020204" pitchFamily="2" charset="-78"/>
+              </a:endParaRPr>
+            </a:p>
+          </p:txBody>
+        </p:sp>
+      </p:grpSp>
+      <p:sp>
+        <p:nvSpPr>
+          <p:cNvPr id="21" name="Rettangolo con angoli arrotondati 20">
+            <a:extLst>
+              <a:ext uri="{FF2B5EF4-FFF2-40B4-BE49-F238E27FC236}">
+                <a16:creationId xmlns:a16="http://schemas.microsoft.com/office/drawing/2014/main" id="{295F3EE0-0DC8-6D62-C0FF-001A801E5A21}"/>
+              </a:ext>
+            </a:extLst>
+          </p:cNvPr>
+          <p:cNvSpPr/>
+          <p:nvPr/>
+        </p:nvSpPr>
+        <p:spPr>
+          <a:xfrm>
+            <a:off x="2743366" y="3159727"/>
+            <a:ext cx="6556310" cy="3608875"/>
+          </a:xfrm>
+          <a:prstGeom prst="roundRect">
+            <a:avLst/>
+          </a:prstGeom>
+        </p:spPr>
+        <p:style>
+          <a:lnRef idx="2">
+            <a:schemeClr val="accent6"/>
+          </a:lnRef>
+          <a:fillRef idx="1">
+            <a:schemeClr val="lt1"/>
+          </a:fillRef>
+          <a:effectRef idx="0">
+            <a:schemeClr val="accent6"/>
+          </a:effectRef>
+          <a:fontRef idx="minor">
+            <a:schemeClr val="dk1"/>
+          </a:fontRef>
+        </p:style>
+        <p:txBody>
+          <a:bodyPr rtlCol="0" anchor="ctr"/>
+          <a:lstStyle/>
+          <a:p>
+            <a:pPr algn="ctr"/>
+            <a:endParaRPr lang="it-IT"/>
+          </a:p>
+        </p:txBody>
+      </p:sp>
+      <p:grpSp>
+        <p:nvGrpSpPr>
+          <p:cNvPr id="32" name="Gruppo 31">
+            <a:extLst>
+              <a:ext uri="{FF2B5EF4-FFF2-40B4-BE49-F238E27FC236}">
+                <a16:creationId xmlns:a16="http://schemas.microsoft.com/office/drawing/2014/main" id="{CBB8D22A-4646-03B5-F61E-7A1ABA7F565F}"/>
+              </a:ext>
+            </a:extLst>
+          </p:cNvPr>
+          <p:cNvGrpSpPr/>
+          <p:nvPr/>
+        </p:nvGrpSpPr>
+        <p:grpSpPr>
+          <a:xfrm>
+            <a:off x="2847391" y="1552252"/>
+            <a:ext cx="6354147" cy="1368230"/>
+            <a:chOff x="2836506" y="3610947"/>
+            <a:chExt cx="6354147" cy="528200"/>
+          </a:xfrm>
+        </p:grpSpPr>
+        <p:sp>
+          <p:nvSpPr>
+            <p:cNvPr id="39" name="Rettangolo con angoli arrotondati 38">
+              <a:extLst>
+                <a:ext uri="{FF2B5EF4-FFF2-40B4-BE49-F238E27FC236}">
+                  <a16:creationId xmlns:a16="http://schemas.microsoft.com/office/drawing/2014/main" id="{167B4C80-32E8-7AD1-CEE6-FB8130D96620}"/>
+                </a:ext>
+              </a:extLst>
+            </p:cNvPr>
+            <p:cNvSpPr/>
+            <p:nvPr/>
+          </p:nvSpPr>
+          <p:spPr>
+            <a:xfrm>
+              <a:off x="2836506" y="3610947"/>
+              <a:ext cx="6354147" cy="528200"/>
+            </a:xfrm>
+            <a:prstGeom prst="roundRect">
+              <a:avLst/>
+            </a:prstGeom>
+          </p:spPr>
+          <p:style>
+            <a:lnRef idx="2">
+              <a:schemeClr val="accent1">
+                <a:shade val="50000"/>
+              </a:schemeClr>
+            </a:lnRef>
+            <a:fillRef idx="1">
+              <a:schemeClr val="accent1"/>
+            </a:fillRef>
+            <a:effectRef idx="0">
+              <a:schemeClr val="accent1"/>
+            </a:effectRef>
+            <a:fontRef idx="minor">
+              <a:schemeClr val="lt1"/>
+            </a:fontRef>
+          </p:style>
+          <p:txBody>
+            <a:bodyPr rtlCol="0" anchor="ctr"/>
+            <a:lstStyle/>
+            <a:p>
+              <a:pPr algn="ctr"/>
+              <a:endParaRPr lang="it-IT"/>
+            </a:p>
+          </p:txBody>
+        </p:sp>
+        <p:sp>
+          <p:nvSpPr>
+            <p:cNvPr id="42" name="CasellaDiTesto 41">
+              <a:extLst>
+                <a:ext uri="{FF2B5EF4-FFF2-40B4-BE49-F238E27FC236}">
+                  <a16:creationId xmlns:a16="http://schemas.microsoft.com/office/drawing/2014/main" id="{4C441A96-FDFB-ECF0-6F82-DA18CC7F986C}"/>
+                </a:ext>
+              </a:extLst>
+            </p:cNvPr>
+            <p:cNvSpPr txBox="1"/>
+            <p:nvPr/>
+          </p:nvSpPr>
+          <p:spPr>
+            <a:xfrm>
+              <a:off x="3790479" y="3667570"/>
+              <a:ext cx="1614196" cy="369332"/>
+            </a:xfrm>
+            <a:prstGeom prst="rect">
+              <a:avLst/>
+            </a:prstGeom>
+            <a:noFill/>
+          </p:spPr>
+          <p:txBody>
+            <a:bodyPr wrap="square" rtlCol="0">
+              <a:spAutoFit/>
+            </a:bodyPr>
+            <a:lstStyle/>
+            <a:p>
+              <a:r>
+                <a:rPr lang="fr-CH" dirty="0"/>
+                <a:t>Marco Rossi</a:t>
+              </a:r>
+              <a:endParaRPr lang="it-IT" dirty="0"/>
+            </a:p>
+          </p:txBody>
+        </p:sp>
+        <p:pic>
+          <p:nvPicPr>
+            <p:cNvPr id="43" name="Elemento grafico 42">
+              <a:extLst>
+                <a:ext uri="{FF2B5EF4-FFF2-40B4-BE49-F238E27FC236}">
+                  <a16:creationId xmlns:a16="http://schemas.microsoft.com/office/drawing/2014/main" id="{13F71DCD-48EA-12C9-5314-48D2637CB39D}"/>
+                </a:ext>
+              </a:extLst>
+            </p:cNvPr>
+            <p:cNvPicPr>
+              <a:picLocks noChangeAspect="1"/>
+            </p:cNvPicPr>
+            <p:nvPr/>
+          </p:nvPicPr>
+          <p:blipFill>
+            <a:blip r:embed="rId2">
+              <a:extLst>
+                <a:ext uri="{28A0092B-C50C-407E-A947-70E740481C1C}">
+                  <a14:useLocalDpi xmlns:a14="http://schemas.microsoft.com/office/drawing/2010/main" val="0"/>
+                </a:ext>
+                <a:ext uri="{96DAC541-7B7A-43D3-8B79-37D633B846F1}">
+                  <asvg:svgBlip xmlns:asvg="http://schemas.microsoft.com/office/drawing/2016/SVG/main" r:embed="rId3"/>
+                </a:ext>
+              </a:extLst>
+            </a:blip>
+            <a:stretch>
+              <a:fillRect/>
+            </a:stretch>
+          </p:blipFill>
+          <p:spPr>
+            <a:xfrm>
+              <a:off x="2910985" y="3652878"/>
+              <a:ext cx="713796" cy="435404"/>
+            </a:xfrm>
+            <a:prstGeom prst="rect">
+              <a:avLst/>
+            </a:prstGeom>
+          </p:spPr>
+        </p:pic>
+        <p:sp>
+          <p:nvSpPr>
+            <p:cNvPr id="44" name="CasellaDiTesto 43">
+              <a:extLst>
+                <a:ext uri="{FF2B5EF4-FFF2-40B4-BE49-F238E27FC236}">
+                  <a16:creationId xmlns:a16="http://schemas.microsoft.com/office/drawing/2014/main" id="{2DE2B389-7C1D-4160-DB0F-C79CB3A2A16D}"/>
+                </a:ext>
+              </a:extLst>
+            </p:cNvPr>
+            <p:cNvSpPr txBox="1"/>
+            <p:nvPr/>
+          </p:nvSpPr>
+          <p:spPr>
+            <a:xfrm>
+              <a:off x="5480874" y="3667527"/>
+              <a:ext cx="3497427" cy="356448"/>
+            </a:xfrm>
+            <a:prstGeom prst="rect">
+              <a:avLst/>
+            </a:prstGeom>
+            <a:noFill/>
+          </p:spPr>
+          <p:txBody>
+            <a:bodyPr wrap="square" rtlCol="0">
+              <a:spAutoFit/>
+            </a:bodyPr>
+            <a:lstStyle/>
+            <a:p>
+              <a:r>
+                <a:rPr lang="fr-CH" dirty="0"/>
+                <a:t>da Lugano a Ginevra</a:t>
+              </a:r>
+            </a:p>
+            <a:p>
+              <a:r>
+                <a:rPr lang="fr-CH" dirty="0"/>
+                <a:t>Via </a:t>
+              </a:r>
+              <a:r>
+                <a:rPr lang="fr-CH" dirty="0" err="1"/>
+                <a:t>Soldati</a:t>
+              </a:r>
+              <a:r>
+                <a:rPr lang="fr-CH"/>
+                <a:t> 1</a:t>
+              </a:r>
+            </a:p>
+            <a:p>
+              <a:r>
+                <a:rPr lang="fr-CH">
+                  <a:sym typeface="Wingdings" panose="05000000000000000000" pitchFamily="2" charset="2"/>
+                </a:rPr>
+                <a:t>La </a:t>
+              </a:r>
+              <a:r>
+                <a:rPr lang="fr-CH" dirty="0">
+                  <a:sym typeface="Wingdings" panose="05000000000000000000" pitchFamily="2" charset="2"/>
+                </a:rPr>
+                <a:t>Vie de Buon </a:t>
+              </a:r>
+              <a:r>
+                <a:rPr lang="fr-CH" dirty="0" err="1">
+                  <a:sym typeface="Wingdings" panose="05000000000000000000" pitchFamily="2" charset="2"/>
+                </a:rPr>
+                <a:t>Vojage</a:t>
+              </a:r>
+              <a:endParaRPr lang="it-IT" dirty="0"/>
+            </a:p>
+          </p:txBody>
+        </p:sp>
+      </p:grpSp>
       <p:pic>
         <p:nvPicPr>
-          <p:cNvPr id="29" name="Elemento grafico 28">
-            <a:extLst>
-              <a:ext uri="{FF2B5EF4-FFF2-40B4-BE49-F238E27FC236}">
-                <a16:creationId xmlns:a16="http://schemas.microsoft.com/office/drawing/2014/main" id="{0E625340-985B-D262-98AF-4887C3DCD2F6}"/>
+          <p:cNvPr id="53" name="Immagine 52">
+            <a:extLst>
+              <a:ext uri="{FF2B5EF4-FFF2-40B4-BE49-F238E27FC236}">
+                <a16:creationId xmlns:a16="http://schemas.microsoft.com/office/drawing/2014/main" id="{1123AED8-71A0-E290-4C8D-B76F6214AF2D}"/>
               </a:ext>
             </a:extLst>
           </p:cNvPr>
@@ -4149,24 +5730,15 @@
           <p:nvPr/>
         </p:nvPicPr>
         <p:blipFill>
-          <a:blip r:embed="rId2">
-            <a:extLst>
-              <a:ext uri="{28A0092B-C50C-407E-A947-70E740481C1C}">
-                <a14:useLocalDpi xmlns:a14="http://schemas.microsoft.com/office/drawing/2010/main" val="0"/>
-              </a:ext>
-              <a:ext uri="{96DAC541-7B7A-43D3-8B79-37D633B846F1}">
-                <asvg:svgBlip xmlns:asvg="http://schemas.microsoft.com/office/drawing/2016/SVG/main" r:embed="rId3"/>
-              </a:ext>
-            </a:extLst>
-          </a:blip>
+          <a:blip r:embed="rId4"/>
           <a:stretch>
             <a:fillRect/>
           </a:stretch>
         </p:blipFill>
         <p:spPr>
           <a:xfrm>
-            <a:off x="3016896" y="3667733"/>
-            <a:ext cx="272128" cy="435404"/>
+            <a:off x="3275045" y="3159726"/>
+            <a:ext cx="5477069" cy="3608875"/>
           </a:xfrm>
           <a:prstGeom prst="rect">
             <a:avLst/>
@@ -4176,7 +5748,7 @@
     </p:spTree>
     <p:extLst>
       <p:ext uri="{BB962C8B-B14F-4D97-AF65-F5344CB8AC3E}">
-        <p14:creationId xmlns:p14="http://schemas.microsoft.com/office/powerpoint/2010/main" val="602514189"/>
+        <p14:creationId xmlns:p14="http://schemas.microsoft.com/office/powerpoint/2010/main" val="443848539"/>
       </p:ext>
     </p:extLst>
   </p:cSld>

--- a/Mockup Taxi App.pptx
+++ b/Mockup Taxi App.pptx
@@ -6,7 +6,8 @@
   </p:sldMasterIdLst>
   <p:sldIdLst>
     <p:sldId id="256" r:id="rId2"/>
-    <p:sldId id="257" r:id="rId3"/>
+    <p:sldId id="258" r:id="rId3"/>
+    <p:sldId id="257" r:id="rId4"/>
   </p:sldIdLst>
   <p:sldSz cx="12192000" cy="6858000"/>
   <p:notesSz cx="6858000" cy="9144000"/>
@@ -314,7 +315,7 @@
           <a:p>
             <a:fld id="{032CCB61-53DC-447F-9D8D-B2937183EE2C}" type="slidenum">
               <a:rPr lang="it-IT" smtClean="0"/>
-              <a:t>‹N›</a:t>
+              <a:t>‹#›</a:t>
             </a:fld>
             <a:endParaRPr lang="it-IT"/>
           </a:p>
@@ -512,7 +513,7 @@
           <a:p>
             <a:fld id="{032CCB61-53DC-447F-9D8D-B2937183EE2C}" type="slidenum">
               <a:rPr lang="it-IT" smtClean="0"/>
-              <a:t>‹N›</a:t>
+              <a:t>‹#›</a:t>
             </a:fld>
             <a:endParaRPr lang="it-IT"/>
           </a:p>
@@ -720,7 +721,7 @@
           <a:p>
             <a:fld id="{032CCB61-53DC-447F-9D8D-B2937183EE2C}" type="slidenum">
               <a:rPr lang="it-IT" smtClean="0"/>
-              <a:t>‹N›</a:t>
+              <a:t>‹#›</a:t>
             </a:fld>
             <a:endParaRPr lang="it-IT"/>
           </a:p>
@@ -918,7 +919,7 @@
           <a:p>
             <a:fld id="{032CCB61-53DC-447F-9D8D-B2937183EE2C}" type="slidenum">
               <a:rPr lang="it-IT" smtClean="0"/>
-              <a:t>‹N›</a:t>
+              <a:t>‹#›</a:t>
             </a:fld>
             <a:endParaRPr lang="it-IT"/>
           </a:p>
@@ -1193,7 +1194,7 @@
           <a:p>
             <a:fld id="{032CCB61-53DC-447F-9D8D-B2937183EE2C}" type="slidenum">
               <a:rPr lang="it-IT" smtClean="0"/>
-              <a:t>‹N›</a:t>
+              <a:t>‹#›</a:t>
             </a:fld>
             <a:endParaRPr lang="it-IT"/>
           </a:p>
@@ -1458,7 +1459,7 @@
           <a:p>
             <a:fld id="{032CCB61-53DC-447F-9D8D-B2937183EE2C}" type="slidenum">
               <a:rPr lang="it-IT" smtClean="0"/>
-              <a:t>‹N›</a:t>
+              <a:t>‹#›</a:t>
             </a:fld>
             <a:endParaRPr lang="it-IT"/>
           </a:p>
@@ -1870,7 +1871,7 @@
           <a:p>
             <a:fld id="{032CCB61-53DC-447F-9D8D-B2937183EE2C}" type="slidenum">
               <a:rPr lang="it-IT" smtClean="0"/>
-              <a:t>‹N›</a:t>
+              <a:t>‹#›</a:t>
             </a:fld>
             <a:endParaRPr lang="it-IT"/>
           </a:p>
@@ -2011,7 +2012,7 @@
           <a:p>
             <a:fld id="{032CCB61-53DC-447F-9D8D-B2937183EE2C}" type="slidenum">
               <a:rPr lang="it-IT" smtClean="0"/>
-              <a:t>‹N›</a:t>
+              <a:t>‹#›</a:t>
             </a:fld>
             <a:endParaRPr lang="it-IT"/>
           </a:p>
@@ -2124,7 +2125,7 @@
           <a:p>
             <a:fld id="{032CCB61-53DC-447F-9D8D-B2937183EE2C}" type="slidenum">
               <a:rPr lang="it-IT" smtClean="0"/>
-              <a:t>‹N›</a:t>
+              <a:t>‹#›</a:t>
             </a:fld>
             <a:endParaRPr lang="it-IT"/>
           </a:p>
@@ -2435,7 +2436,7 @@
           <a:p>
             <a:fld id="{032CCB61-53DC-447F-9D8D-B2937183EE2C}" type="slidenum">
               <a:rPr lang="it-IT" smtClean="0"/>
-              <a:t>‹N›</a:t>
+              <a:t>‹#›</a:t>
             </a:fld>
             <a:endParaRPr lang="it-IT"/>
           </a:p>
@@ -2723,7 +2724,7 @@
           <a:p>
             <a:fld id="{032CCB61-53DC-447F-9D8D-B2937183EE2C}" type="slidenum">
               <a:rPr lang="it-IT" smtClean="0"/>
-              <a:t>‹N›</a:t>
+              <a:t>‹#›</a:t>
             </a:fld>
             <a:endParaRPr lang="it-IT"/>
           </a:p>
@@ -3000,7 +3001,7 @@
           <a:p>
             <a:fld id="{032CCB61-53DC-447F-9D8D-B2937183EE2C}" type="slidenum">
               <a:rPr lang="it-IT" smtClean="0"/>
-              <a:t>‹N›</a:t>
+              <a:t>‹#›</a:t>
             </a:fld>
             <a:endParaRPr lang="it-IT"/>
           </a:p>
@@ -3311,6 +3312,1666 @@
 </file>
 
 <file path=ppt/slides/slide1.xml><?xml version="1.0" encoding="utf-8"?>
+<p:sld xmlns:a="http://schemas.openxmlformats.org/drawingml/2006/main" xmlns:r="http://schemas.openxmlformats.org/officeDocument/2006/relationships" xmlns:p="http://schemas.openxmlformats.org/presentationml/2006/main">
+  <p:cSld>
+    <p:spTree>
+      <p:nvGrpSpPr>
+        <p:cNvPr id="1" name=""/>
+        <p:cNvGrpSpPr/>
+        <p:nvPr/>
+      </p:nvGrpSpPr>
+      <p:grpSpPr>
+        <a:xfrm>
+          <a:off x="0" y="0"/>
+          <a:ext cx="0" cy="0"/>
+          <a:chOff x="0" y="0"/>
+          <a:chExt cx="0" cy="0"/>
+        </a:xfrm>
+      </p:grpSpPr>
+      <p:sp>
+        <p:nvSpPr>
+          <p:cNvPr id="4" name="Rettangolo con angoli arrotondati 3">
+            <a:extLst>
+              <a:ext uri="{FF2B5EF4-FFF2-40B4-BE49-F238E27FC236}">
+                <a16:creationId xmlns:a16="http://schemas.microsoft.com/office/drawing/2014/main" id="{D37719E3-B562-160F-3716-5534FE629479}"/>
+              </a:ext>
+            </a:extLst>
+          </p:cNvPr>
+          <p:cNvSpPr/>
+          <p:nvPr/>
+        </p:nvSpPr>
+        <p:spPr>
+          <a:xfrm>
+            <a:off x="11178073" y="251927"/>
+            <a:ext cx="690466" cy="522514"/>
+          </a:xfrm>
+          <a:prstGeom prst="roundRect">
+            <a:avLst/>
+          </a:prstGeom>
+        </p:spPr>
+        <p:style>
+          <a:lnRef idx="2">
+            <a:schemeClr val="accent1">
+              <a:shade val="50000"/>
+            </a:schemeClr>
+          </a:lnRef>
+          <a:fillRef idx="1">
+            <a:schemeClr val="accent1"/>
+          </a:fillRef>
+          <a:effectRef idx="0">
+            <a:schemeClr val="accent1"/>
+          </a:effectRef>
+          <a:fontRef idx="minor">
+            <a:schemeClr val="lt1"/>
+          </a:fontRef>
+        </p:style>
+        <p:txBody>
+          <a:bodyPr rtlCol="0" anchor="ctr"/>
+          <a:lstStyle/>
+          <a:p>
+            <a:pPr algn="ctr"/>
+            <a:endParaRPr lang="it-IT"/>
+          </a:p>
+        </p:txBody>
+      </p:sp>
+      <p:cxnSp>
+        <p:nvCxnSpPr>
+          <p:cNvPr id="6" name="Connettore diritto 5">
+            <a:extLst>
+              <a:ext uri="{FF2B5EF4-FFF2-40B4-BE49-F238E27FC236}">
+                <a16:creationId xmlns:a16="http://schemas.microsoft.com/office/drawing/2014/main" id="{058D0EC7-CB25-9FFF-CF72-9CB3D7352578}"/>
+              </a:ext>
+            </a:extLst>
+          </p:cNvPr>
+          <p:cNvCxnSpPr>
+            <a:cxnSpLocks/>
+          </p:cNvCxnSpPr>
+          <p:nvPr/>
+        </p:nvCxnSpPr>
+        <p:spPr>
+          <a:xfrm>
+            <a:off x="11289846" y="381195"/>
+            <a:ext cx="473529" cy="0"/>
+          </a:xfrm>
+          <a:prstGeom prst="line">
+            <a:avLst/>
+          </a:prstGeom>
+          <a:ln w="76200">
+            <a:solidFill>
+              <a:schemeClr val="bg1"/>
+            </a:solidFill>
+          </a:ln>
+        </p:spPr>
+        <p:style>
+          <a:lnRef idx="1">
+            <a:schemeClr val="accent1"/>
+          </a:lnRef>
+          <a:fillRef idx="0">
+            <a:schemeClr val="accent1"/>
+          </a:fillRef>
+          <a:effectRef idx="0">
+            <a:schemeClr val="accent1"/>
+          </a:effectRef>
+          <a:fontRef idx="minor">
+            <a:schemeClr val="tx1"/>
+          </a:fontRef>
+        </p:style>
+      </p:cxnSp>
+      <p:cxnSp>
+        <p:nvCxnSpPr>
+          <p:cNvPr id="8" name="Connettore diritto 7">
+            <a:extLst>
+              <a:ext uri="{FF2B5EF4-FFF2-40B4-BE49-F238E27FC236}">
+                <a16:creationId xmlns:a16="http://schemas.microsoft.com/office/drawing/2014/main" id="{2CBA3224-B1F9-626D-2459-5B1E0F084AF0}"/>
+              </a:ext>
+            </a:extLst>
+          </p:cNvPr>
+          <p:cNvCxnSpPr>
+            <a:cxnSpLocks/>
+          </p:cNvCxnSpPr>
+          <p:nvPr/>
+        </p:nvCxnSpPr>
+        <p:spPr>
+          <a:xfrm>
+            <a:off x="11289846" y="533595"/>
+            <a:ext cx="473529" cy="0"/>
+          </a:xfrm>
+          <a:prstGeom prst="line">
+            <a:avLst/>
+          </a:prstGeom>
+          <a:ln w="76200">
+            <a:solidFill>
+              <a:schemeClr val="bg1"/>
+            </a:solidFill>
+          </a:ln>
+        </p:spPr>
+        <p:style>
+          <a:lnRef idx="1">
+            <a:schemeClr val="accent1"/>
+          </a:lnRef>
+          <a:fillRef idx="0">
+            <a:schemeClr val="accent1"/>
+          </a:fillRef>
+          <a:effectRef idx="0">
+            <a:schemeClr val="accent1"/>
+          </a:effectRef>
+          <a:fontRef idx="minor">
+            <a:schemeClr val="tx1"/>
+          </a:fontRef>
+        </p:style>
+      </p:cxnSp>
+      <p:cxnSp>
+        <p:nvCxnSpPr>
+          <p:cNvPr id="9" name="Connettore diritto 8">
+            <a:extLst>
+              <a:ext uri="{FF2B5EF4-FFF2-40B4-BE49-F238E27FC236}">
+                <a16:creationId xmlns:a16="http://schemas.microsoft.com/office/drawing/2014/main" id="{B48050FE-CD50-5A7E-E9B4-42CC59E333E4}"/>
+              </a:ext>
+            </a:extLst>
+          </p:cNvPr>
+          <p:cNvCxnSpPr>
+            <a:cxnSpLocks/>
+          </p:cNvCxnSpPr>
+          <p:nvPr/>
+        </p:nvCxnSpPr>
+        <p:spPr>
+          <a:xfrm>
+            <a:off x="11289846" y="676665"/>
+            <a:ext cx="473529" cy="0"/>
+          </a:xfrm>
+          <a:prstGeom prst="line">
+            <a:avLst/>
+          </a:prstGeom>
+          <a:ln w="76200">
+            <a:solidFill>
+              <a:schemeClr val="bg1"/>
+            </a:solidFill>
+          </a:ln>
+        </p:spPr>
+        <p:style>
+          <a:lnRef idx="1">
+            <a:schemeClr val="accent1"/>
+          </a:lnRef>
+          <a:fillRef idx="0">
+            <a:schemeClr val="accent1"/>
+          </a:fillRef>
+          <a:effectRef idx="0">
+            <a:schemeClr val="accent1"/>
+          </a:effectRef>
+          <a:fontRef idx="minor">
+            <a:schemeClr val="tx1"/>
+          </a:fontRef>
+        </p:style>
+      </p:cxnSp>
+      <p:sp>
+        <p:nvSpPr>
+          <p:cNvPr id="10" name="CasellaDiTesto 9">
+            <a:extLst>
+              <a:ext uri="{FF2B5EF4-FFF2-40B4-BE49-F238E27FC236}">
+                <a16:creationId xmlns:a16="http://schemas.microsoft.com/office/drawing/2014/main" id="{D1B4D6FE-2096-7131-4271-14204B90B092}"/>
+              </a:ext>
+            </a:extLst>
+          </p:cNvPr>
+          <p:cNvSpPr txBox="1"/>
+          <p:nvPr/>
+        </p:nvSpPr>
+        <p:spPr>
+          <a:xfrm>
+            <a:off x="2746310" y="241207"/>
+            <a:ext cx="6699380" cy="584775"/>
+          </a:xfrm>
+          <a:prstGeom prst="rect">
+            <a:avLst/>
+          </a:prstGeom>
+          <a:noFill/>
+        </p:spPr>
+        <p:txBody>
+          <a:bodyPr wrap="square" rtlCol="0">
+            <a:spAutoFit/>
+          </a:bodyPr>
+          <a:lstStyle/>
+          <a:p>
+            <a:r>
+              <a:rPr lang="fr-CH" sz="3200" dirty="0">
+                <a:latin typeface="Amasis MT Pro Black" panose="020B0604020202020204" pitchFamily="18" charset="0"/>
+                <a:cs typeface="Aldhabi" panose="020B0604020202020204" pitchFamily="2" charset="-78"/>
+              </a:rPr>
+              <a:t>$</a:t>
+            </a:r>
+            <a:r>
+              <a:rPr lang="fr-CH" sz="3200" dirty="0" err="1">
+                <a:latin typeface="Amasis MT Pro Black" panose="020B0604020202020204" pitchFamily="18" charset="0"/>
+                <a:cs typeface="Aldhabi" panose="020B0604020202020204" pitchFamily="2" charset="-78"/>
+              </a:rPr>
+              <a:t>Nome_Cognome</a:t>
+            </a:r>
+            <a:r>
+              <a:rPr lang="fr-CH" sz="3200" dirty="0">
+                <a:latin typeface="Amasis MT Pro Black" panose="020B0604020202020204" pitchFamily="18" charset="0"/>
+                <a:cs typeface="Aldhabi" panose="020B0604020202020204" pitchFamily="2" charset="-78"/>
+              </a:rPr>
+              <a:t> </a:t>
+            </a:r>
+            <a:r>
+              <a:rPr lang="fr-CH" sz="3200" dirty="0">
+                <a:latin typeface="Amasis MT Pro Black" panose="020B0604020202020204" pitchFamily="18" charset="0"/>
+                <a:cs typeface="Aldhabi" panose="020B0604020202020204" pitchFamily="2" charset="-78"/>
+                <a:sym typeface="Wingdings" panose="05000000000000000000" pitchFamily="2" charset="2"/>
+              </a:rPr>
+              <a:t> </a:t>
+            </a:r>
+            <a:r>
+              <a:rPr lang="fr-CH" sz="3200" dirty="0">
+                <a:solidFill>
+                  <a:srgbClr val="00B050"/>
+                </a:solidFill>
+                <a:latin typeface="Amasis MT Pro Black" panose="020B0604020202020204" pitchFamily="18" charset="0"/>
+                <a:cs typeface="Aldhabi" panose="020B0604020202020204" pitchFamily="2" charset="-78"/>
+                <a:sym typeface="Wingdings" panose="05000000000000000000" pitchFamily="2" charset="2"/>
+              </a:rPr>
+              <a:t>In </a:t>
+            </a:r>
+            <a:r>
+              <a:rPr lang="fr-CH" sz="3200" dirty="0" err="1">
+                <a:solidFill>
+                  <a:srgbClr val="00B050"/>
+                </a:solidFill>
+                <a:latin typeface="Amasis MT Pro Black" panose="020B0604020202020204" pitchFamily="18" charset="0"/>
+                <a:cs typeface="Aldhabi" panose="020B0604020202020204" pitchFamily="2" charset="-78"/>
+                <a:sym typeface="Wingdings" panose="05000000000000000000" pitchFamily="2" charset="2"/>
+              </a:rPr>
+              <a:t>servizio</a:t>
+            </a:r>
+            <a:endParaRPr lang="it-IT" sz="3200" dirty="0">
+              <a:solidFill>
+                <a:srgbClr val="00B050"/>
+              </a:solidFill>
+              <a:latin typeface="Amasis MT Pro Black" panose="020B0604020202020204" pitchFamily="18" charset="0"/>
+              <a:cs typeface="Aldhabi" panose="020B0604020202020204" pitchFamily="2" charset="-78"/>
+            </a:endParaRPr>
+          </a:p>
+        </p:txBody>
+      </p:sp>
+      <p:cxnSp>
+        <p:nvCxnSpPr>
+          <p:cNvPr id="12" name="Connettore diritto 11">
+            <a:extLst>
+              <a:ext uri="{FF2B5EF4-FFF2-40B4-BE49-F238E27FC236}">
+                <a16:creationId xmlns:a16="http://schemas.microsoft.com/office/drawing/2014/main" id="{AADECD21-D971-82F8-D2BC-4E80ADEAF6A8}"/>
+              </a:ext>
+            </a:extLst>
+          </p:cNvPr>
+          <p:cNvCxnSpPr/>
+          <p:nvPr/>
+        </p:nvCxnSpPr>
+        <p:spPr>
+          <a:xfrm>
+            <a:off x="2202024" y="51318"/>
+            <a:ext cx="0" cy="6755363"/>
+          </a:xfrm>
+          <a:prstGeom prst="line">
+            <a:avLst/>
+          </a:prstGeom>
+        </p:spPr>
+        <p:style>
+          <a:lnRef idx="1">
+            <a:schemeClr val="accent1"/>
+          </a:lnRef>
+          <a:fillRef idx="0">
+            <a:schemeClr val="accent1"/>
+          </a:fillRef>
+          <a:effectRef idx="0">
+            <a:schemeClr val="accent1"/>
+          </a:effectRef>
+          <a:fontRef idx="minor">
+            <a:schemeClr val="tx1"/>
+          </a:fontRef>
+        </p:style>
+      </p:cxnSp>
+      <p:cxnSp>
+        <p:nvCxnSpPr>
+          <p:cNvPr id="13" name="Connettore diritto 12">
+            <a:extLst>
+              <a:ext uri="{FF2B5EF4-FFF2-40B4-BE49-F238E27FC236}">
+                <a16:creationId xmlns:a16="http://schemas.microsoft.com/office/drawing/2014/main" id="{7C97929E-0D6F-A7B8-3AB4-69AC6316790D}"/>
+              </a:ext>
+            </a:extLst>
+          </p:cNvPr>
+          <p:cNvCxnSpPr/>
+          <p:nvPr/>
+        </p:nvCxnSpPr>
+        <p:spPr>
+          <a:xfrm>
+            <a:off x="9893559" y="51318"/>
+            <a:ext cx="0" cy="6755363"/>
+          </a:xfrm>
+          <a:prstGeom prst="line">
+            <a:avLst/>
+          </a:prstGeom>
+        </p:spPr>
+        <p:style>
+          <a:lnRef idx="1">
+            <a:schemeClr val="accent1"/>
+          </a:lnRef>
+          <a:fillRef idx="0">
+            <a:schemeClr val="accent1"/>
+          </a:fillRef>
+          <a:effectRef idx="0">
+            <a:schemeClr val="accent1"/>
+          </a:effectRef>
+          <a:fontRef idx="minor">
+            <a:schemeClr val="tx1"/>
+          </a:fontRef>
+        </p:style>
+      </p:cxnSp>
+      <p:sp>
+        <p:nvSpPr>
+          <p:cNvPr id="15" name="Rettangolo 14">
+            <a:extLst>
+              <a:ext uri="{FF2B5EF4-FFF2-40B4-BE49-F238E27FC236}">
+                <a16:creationId xmlns:a16="http://schemas.microsoft.com/office/drawing/2014/main" id="{EC07CA80-0F09-B67A-3823-464A95500A8F}"/>
+              </a:ext>
+            </a:extLst>
+          </p:cNvPr>
+          <p:cNvSpPr/>
+          <p:nvPr/>
+        </p:nvSpPr>
+        <p:spPr>
+          <a:xfrm>
+            <a:off x="2575249" y="1055526"/>
+            <a:ext cx="6941974" cy="5808305"/>
+          </a:xfrm>
+          <a:prstGeom prst="rect">
+            <a:avLst/>
+          </a:prstGeom>
+          <a:solidFill>
+            <a:schemeClr val="bg2">
+              <a:lumMod val="75000"/>
+            </a:schemeClr>
+          </a:solidFill>
+        </p:spPr>
+        <p:style>
+          <a:lnRef idx="2">
+            <a:schemeClr val="accent1">
+              <a:shade val="50000"/>
+            </a:schemeClr>
+          </a:lnRef>
+          <a:fillRef idx="1">
+            <a:schemeClr val="accent1"/>
+          </a:fillRef>
+          <a:effectRef idx="0">
+            <a:schemeClr val="accent1"/>
+          </a:effectRef>
+          <a:fontRef idx="minor">
+            <a:schemeClr val="lt1"/>
+          </a:fontRef>
+        </p:style>
+        <p:txBody>
+          <a:bodyPr rtlCol="0" anchor="ctr"/>
+          <a:lstStyle/>
+          <a:p>
+            <a:pPr algn="ctr"/>
+            <a:endParaRPr lang="it-IT"/>
+          </a:p>
+        </p:txBody>
+      </p:sp>
+      <p:grpSp>
+        <p:nvGrpSpPr>
+          <p:cNvPr id="18" name="Gruppo 17">
+            <a:extLst>
+              <a:ext uri="{FF2B5EF4-FFF2-40B4-BE49-F238E27FC236}">
+                <a16:creationId xmlns:a16="http://schemas.microsoft.com/office/drawing/2014/main" id="{B67B8F5D-9BDC-A22F-32EF-28946BB76BA3}"/>
+              </a:ext>
+            </a:extLst>
+          </p:cNvPr>
+          <p:cNvGrpSpPr/>
+          <p:nvPr/>
+        </p:nvGrpSpPr>
+        <p:grpSpPr>
+          <a:xfrm>
+            <a:off x="2746310" y="1175657"/>
+            <a:ext cx="6699380" cy="1875453"/>
+            <a:chOff x="2746310" y="1175657"/>
+            <a:chExt cx="6699380" cy="1875453"/>
+          </a:xfrm>
+        </p:grpSpPr>
+        <p:sp>
+          <p:nvSpPr>
+            <p:cNvPr id="16" name="Rettangolo con angoli arrotondati 15">
+              <a:extLst>
+                <a:ext uri="{FF2B5EF4-FFF2-40B4-BE49-F238E27FC236}">
+                  <a16:creationId xmlns:a16="http://schemas.microsoft.com/office/drawing/2014/main" id="{0070254D-4585-306F-B3B3-49314871060C}"/>
+                </a:ext>
+              </a:extLst>
+            </p:cNvPr>
+            <p:cNvSpPr/>
+            <p:nvPr/>
+          </p:nvSpPr>
+          <p:spPr>
+            <a:xfrm>
+              <a:off x="2746310" y="1175657"/>
+              <a:ext cx="6556310" cy="1875453"/>
+            </a:xfrm>
+            <a:prstGeom prst="roundRect">
+              <a:avLst/>
+            </a:prstGeom>
+          </p:spPr>
+          <p:style>
+            <a:lnRef idx="2">
+              <a:schemeClr val="accent6"/>
+            </a:lnRef>
+            <a:fillRef idx="1">
+              <a:schemeClr val="lt1"/>
+            </a:fillRef>
+            <a:effectRef idx="0">
+              <a:schemeClr val="accent6"/>
+            </a:effectRef>
+            <a:fontRef idx="minor">
+              <a:schemeClr val="dk1"/>
+            </a:fontRef>
+          </p:style>
+          <p:txBody>
+            <a:bodyPr rtlCol="0" anchor="ctr"/>
+            <a:lstStyle/>
+            <a:p>
+              <a:pPr algn="ctr"/>
+              <a:endParaRPr lang="it-IT"/>
+            </a:p>
+          </p:txBody>
+        </p:sp>
+        <p:sp>
+          <p:nvSpPr>
+            <p:cNvPr id="17" name="CasellaDiTesto 16">
+              <a:extLst>
+                <a:ext uri="{FF2B5EF4-FFF2-40B4-BE49-F238E27FC236}">
+                  <a16:creationId xmlns:a16="http://schemas.microsoft.com/office/drawing/2014/main" id="{66CD254B-D12D-E312-E25D-D8491768A361}"/>
+                </a:ext>
+              </a:extLst>
+            </p:cNvPr>
+            <p:cNvSpPr txBox="1"/>
+            <p:nvPr/>
+          </p:nvSpPr>
+          <p:spPr>
+            <a:xfrm>
+              <a:off x="2746310" y="1194707"/>
+              <a:ext cx="6699380" cy="307777"/>
+            </a:xfrm>
+            <a:prstGeom prst="rect">
+              <a:avLst/>
+            </a:prstGeom>
+            <a:noFill/>
+          </p:spPr>
+          <p:txBody>
+            <a:bodyPr wrap="square" rtlCol="0">
+              <a:spAutoFit/>
+            </a:bodyPr>
+            <a:lstStyle/>
+            <a:p>
+              <a:r>
+                <a:rPr lang="fr-CH" sz="1400" dirty="0" err="1">
+                  <a:latin typeface="Amasis MT Pro Black" panose="020B0604020202020204" pitchFamily="18" charset="0"/>
+                  <a:cs typeface="Aldhabi" panose="020B0604020202020204" pitchFamily="2" charset="-78"/>
+                </a:rPr>
+                <a:t>Richieste</a:t>
+              </a:r>
+              <a:r>
+                <a:rPr lang="fr-CH" sz="1400" dirty="0">
+                  <a:latin typeface="Amasis MT Pro Black" panose="020B0604020202020204" pitchFamily="18" charset="0"/>
+                  <a:cs typeface="Aldhabi" panose="020B0604020202020204" pitchFamily="2" charset="-78"/>
+                </a:rPr>
+                <a:t> - In Corso</a:t>
+              </a:r>
+              <a:endParaRPr lang="it-IT" sz="1400" dirty="0">
+                <a:latin typeface="Amasis MT Pro Black" panose="020B0604020202020204" pitchFamily="18" charset="0"/>
+                <a:cs typeface="Aldhabi" panose="020B0604020202020204" pitchFamily="2" charset="-78"/>
+              </a:endParaRPr>
+            </a:p>
+          </p:txBody>
+        </p:sp>
+      </p:grpSp>
+      <p:grpSp>
+        <p:nvGrpSpPr>
+          <p:cNvPr id="20" name="Gruppo 19">
+            <a:extLst>
+              <a:ext uri="{FF2B5EF4-FFF2-40B4-BE49-F238E27FC236}">
+                <a16:creationId xmlns:a16="http://schemas.microsoft.com/office/drawing/2014/main" id="{FF71963F-346E-03E8-C72D-9E575A959BCC}"/>
+              </a:ext>
+            </a:extLst>
+          </p:cNvPr>
+          <p:cNvGrpSpPr/>
+          <p:nvPr/>
+        </p:nvGrpSpPr>
+        <p:grpSpPr>
+          <a:xfrm>
+            <a:off x="2746310" y="3216856"/>
+            <a:ext cx="6699380" cy="1875453"/>
+            <a:chOff x="2746310" y="1175657"/>
+            <a:chExt cx="6699380" cy="1875453"/>
+          </a:xfrm>
+        </p:grpSpPr>
+        <p:sp>
+          <p:nvSpPr>
+            <p:cNvPr id="21" name="Rettangolo con angoli arrotondati 20">
+              <a:extLst>
+                <a:ext uri="{FF2B5EF4-FFF2-40B4-BE49-F238E27FC236}">
+                  <a16:creationId xmlns:a16="http://schemas.microsoft.com/office/drawing/2014/main" id="{295F3EE0-0DC8-6D62-C0FF-001A801E5A21}"/>
+                </a:ext>
+              </a:extLst>
+            </p:cNvPr>
+            <p:cNvSpPr/>
+            <p:nvPr/>
+          </p:nvSpPr>
+          <p:spPr>
+            <a:xfrm>
+              <a:off x="2746310" y="1175657"/>
+              <a:ext cx="6556310" cy="1875453"/>
+            </a:xfrm>
+            <a:prstGeom prst="roundRect">
+              <a:avLst/>
+            </a:prstGeom>
+          </p:spPr>
+          <p:style>
+            <a:lnRef idx="2">
+              <a:schemeClr val="accent6"/>
+            </a:lnRef>
+            <a:fillRef idx="1">
+              <a:schemeClr val="lt1"/>
+            </a:fillRef>
+            <a:effectRef idx="0">
+              <a:schemeClr val="accent6"/>
+            </a:effectRef>
+            <a:fontRef idx="minor">
+              <a:schemeClr val="dk1"/>
+            </a:fontRef>
+          </p:style>
+          <p:txBody>
+            <a:bodyPr rtlCol="0" anchor="ctr"/>
+            <a:lstStyle/>
+            <a:p>
+              <a:pPr algn="ctr"/>
+              <a:endParaRPr lang="it-IT"/>
+            </a:p>
+          </p:txBody>
+        </p:sp>
+        <p:sp>
+          <p:nvSpPr>
+            <p:cNvPr id="22" name="CasellaDiTesto 21">
+              <a:extLst>
+                <a:ext uri="{FF2B5EF4-FFF2-40B4-BE49-F238E27FC236}">
+                  <a16:creationId xmlns:a16="http://schemas.microsoft.com/office/drawing/2014/main" id="{55B15BDC-BEAC-8306-D601-A589644B44EC}"/>
+                </a:ext>
+              </a:extLst>
+            </p:cNvPr>
+            <p:cNvSpPr txBox="1"/>
+            <p:nvPr/>
+          </p:nvSpPr>
+          <p:spPr>
+            <a:xfrm>
+              <a:off x="2746310" y="1194707"/>
+              <a:ext cx="6699380" cy="307777"/>
+            </a:xfrm>
+            <a:prstGeom prst="rect">
+              <a:avLst/>
+            </a:prstGeom>
+            <a:noFill/>
+          </p:spPr>
+          <p:txBody>
+            <a:bodyPr wrap="square" rtlCol="0">
+              <a:spAutoFit/>
+            </a:bodyPr>
+            <a:lstStyle/>
+            <a:p>
+              <a:r>
+                <a:rPr lang="fr-CH" sz="1400" u="sng" dirty="0" err="1">
+                  <a:latin typeface="Amasis MT Pro Black" panose="020B0604020202020204" pitchFamily="18" charset="0"/>
+                  <a:cs typeface="Aldhabi" panose="020B0604020202020204" pitchFamily="2" charset="-78"/>
+                </a:rPr>
+                <a:t>Richieste</a:t>
+              </a:r>
+              <a:r>
+                <a:rPr lang="fr-CH" sz="1400" u="sng" dirty="0">
+                  <a:latin typeface="Amasis MT Pro Black" panose="020B0604020202020204" pitchFamily="18" charset="0"/>
+                  <a:cs typeface="Aldhabi" panose="020B0604020202020204" pitchFamily="2" charset="-78"/>
+                </a:rPr>
+                <a:t> – In </a:t>
+              </a:r>
+              <a:r>
+                <a:rPr lang="fr-CH" sz="1400" u="sng" dirty="0" err="1">
+                  <a:latin typeface="Amasis MT Pro Black" panose="020B0604020202020204" pitchFamily="18" charset="0"/>
+                  <a:cs typeface="Aldhabi" panose="020B0604020202020204" pitchFamily="2" charset="-78"/>
+                </a:rPr>
+                <a:t>Sospeso</a:t>
+              </a:r>
+              <a:endParaRPr lang="it-IT" sz="1400" u="sng" dirty="0">
+                <a:latin typeface="Amasis MT Pro Black" panose="020B0604020202020204" pitchFamily="18" charset="0"/>
+                <a:cs typeface="Aldhabi" panose="020B0604020202020204" pitchFamily="2" charset="-78"/>
+              </a:endParaRPr>
+            </a:p>
+          </p:txBody>
+        </p:sp>
+      </p:grpSp>
+      <p:grpSp>
+        <p:nvGrpSpPr>
+          <p:cNvPr id="23" name="Gruppo 22">
+            <a:extLst>
+              <a:ext uri="{FF2B5EF4-FFF2-40B4-BE49-F238E27FC236}">
+                <a16:creationId xmlns:a16="http://schemas.microsoft.com/office/drawing/2014/main" id="{46F1909B-41CA-7824-8D1D-1727E83F1375}"/>
+              </a:ext>
+            </a:extLst>
+          </p:cNvPr>
+          <p:cNvGrpSpPr/>
+          <p:nvPr/>
+        </p:nvGrpSpPr>
+        <p:grpSpPr>
+          <a:xfrm>
+            <a:off x="2746310" y="5258055"/>
+            <a:ext cx="6699380" cy="1441325"/>
+            <a:chOff x="2746310" y="1175657"/>
+            <a:chExt cx="6699380" cy="1875453"/>
+          </a:xfrm>
+        </p:grpSpPr>
+        <p:sp>
+          <p:nvSpPr>
+            <p:cNvPr id="24" name="Rettangolo con angoli arrotondati 23">
+              <a:extLst>
+                <a:ext uri="{FF2B5EF4-FFF2-40B4-BE49-F238E27FC236}">
+                  <a16:creationId xmlns:a16="http://schemas.microsoft.com/office/drawing/2014/main" id="{A6390034-2B4F-AE78-D1A5-F8D29C17CB06}"/>
+                </a:ext>
+              </a:extLst>
+            </p:cNvPr>
+            <p:cNvSpPr/>
+            <p:nvPr/>
+          </p:nvSpPr>
+          <p:spPr>
+            <a:xfrm>
+              <a:off x="2746310" y="1175657"/>
+              <a:ext cx="6556310" cy="1875453"/>
+            </a:xfrm>
+            <a:prstGeom prst="roundRect">
+              <a:avLst/>
+            </a:prstGeom>
+          </p:spPr>
+          <p:style>
+            <a:lnRef idx="2">
+              <a:schemeClr val="accent6"/>
+            </a:lnRef>
+            <a:fillRef idx="1">
+              <a:schemeClr val="lt1"/>
+            </a:fillRef>
+            <a:effectRef idx="0">
+              <a:schemeClr val="accent6"/>
+            </a:effectRef>
+            <a:fontRef idx="minor">
+              <a:schemeClr val="dk1"/>
+            </a:fontRef>
+          </p:style>
+          <p:txBody>
+            <a:bodyPr rtlCol="0" anchor="ctr"/>
+            <a:lstStyle/>
+            <a:p>
+              <a:pPr algn="ctr"/>
+              <a:endParaRPr lang="it-IT"/>
+            </a:p>
+          </p:txBody>
+        </p:sp>
+        <p:sp>
+          <p:nvSpPr>
+            <p:cNvPr id="25" name="CasellaDiTesto 24">
+              <a:extLst>
+                <a:ext uri="{FF2B5EF4-FFF2-40B4-BE49-F238E27FC236}">
+                  <a16:creationId xmlns:a16="http://schemas.microsoft.com/office/drawing/2014/main" id="{A456C2EB-044C-0BF7-51CC-D06E2F236B72}"/>
+                </a:ext>
+              </a:extLst>
+            </p:cNvPr>
+            <p:cNvSpPr txBox="1"/>
+            <p:nvPr/>
+          </p:nvSpPr>
+          <p:spPr>
+            <a:xfrm>
+              <a:off x="2746310" y="1194707"/>
+              <a:ext cx="6699380" cy="400480"/>
+            </a:xfrm>
+            <a:prstGeom prst="rect">
+              <a:avLst/>
+            </a:prstGeom>
+            <a:noFill/>
+          </p:spPr>
+          <p:txBody>
+            <a:bodyPr wrap="square" rtlCol="0">
+              <a:spAutoFit/>
+            </a:bodyPr>
+            <a:lstStyle/>
+            <a:p>
+              <a:r>
+                <a:rPr lang="fr-CH" sz="1400" dirty="0" err="1">
+                  <a:latin typeface="Amasis MT Pro Black" panose="020B0604020202020204" pitchFamily="18" charset="0"/>
+                  <a:cs typeface="Aldhabi" panose="020B0604020202020204" pitchFamily="2" charset="-78"/>
+                </a:rPr>
+                <a:t>Cronologia</a:t>
+              </a:r>
+              <a:r>
+                <a:rPr lang="fr-CH" sz="1400" dirty="0">
+                  <a:latin typeface="Amasis MT Pro Black" panose="020B0604020202020204" pitchFamily="18" charset="0"/>
+                  <a:cs typeface="Aldhabi" panose="020B0604020202020204" pitchFamily="2" charset="-78"/>
+                </a:rPr>
+                <a:t> Corse</a:t>
+              </a:r>
+              <a:endParaRPr lang="it-IT" sz="1400" dirty="0">
+                <a:latin typeface="Amasis MT Pro Black" panose="020B0604020202020204" pitchFamily="18" charset="0"/>
+                <a:cs typeface="Aldhabi" panose="020B0604020202020204" pitchFamily="2" charset="-78"/>
+              </a:endParaRPr>
+            </a:p>
+          </p:txBody>
+        </p:sp>
+      </p:grpSp>
+      <p:grpSp>
+        <p:nvGrpSpPr>
+          <p:cNvPr id="19" name="Gruppo 18">
+            <a:extLst>
+              <a:ext uri="{FF2B5EF4-FFF2-40B4-BE49-F238E27FC236}">
+                <a16:creationId xmlns:a16="http://schemas.microsoft.com/office/drawing/2014/main" id="{24B79F1B-FE0D-045E-A233-D526386292C9}"/>
+              </a:ext>
+            </a:extLst>
+          </p:cNvPr>
+          <p:cNvGrpSpPr/>
+          <p:nvPr/>
+        </p:nvGrpSpPr>
+        <p:grpSpPr>
+          <a:xfrm>
+            <a:off x="2836505" y="3580252"/>
+            <a:ext cx="6354147" cy="528200"/>
+            <a:chOff x="2836506" y="3610947"/>
+            <a:chExt cx="6354147" cy="528200"/>
+          </a:xfrm>
+          <a:solidFill>
+            <a:schemeClr val="accent6">
+              <a:lumMod val="60000"/>
+              <a:lumOff val="40000"/>
+            </a:schemeClr>
+          </a:solidFill>
+        </p:grpSpPr>
+        <p:sp>
+          <p:nvSpPr>
+            <p:cNvPr id="26" name="Rettangolo con angoli arrotondati 25">
+              <a:extLst>
+                <a:ext uri="{FF2B5EF4-FFF2-40B4-BE49-F238E27FC236}">
+                  <a16:creationId xmlns:a16="http://schemas.microsoft.com/office/drawing/2014/main" id="{42739149-8DE4-19E5-703D-E6B459538C07}"/>
+                </a:ext>
+              </a:extLst>
+            </p:cNvPr>
+            <p:cNvSpPr/>
+            <p:nvPr/>
+          </p:nvSpPr>
+          <p:spPr>
+            <a:xfrm>
+              <a:off x="2836506" y="3610947"/>
+              <a:ext cx="6354147" cy="528200"/>
+            </a:xfrm>
+            <a:prstGeom prst="roundRect">
+              <a:avLst/>
+            </a:prstGeom>
+            <a:grpFill/>
+          </p:spPr>
+          <p:style>
+            <a:lnRef idx="2">
+              <a:schemeClr val="accent1">
+                <a:shade val="50000"/>
+              </a:schemeClr>
+            </a:lnRef>
+            <a:fillRef idx="1">
+              <a:schemeClr val="accent1"/>
+            </a:fillRef>
+            <a:effectRef idx="0">
+              <a:schemeClr val="accent1"/>
+            </a:effectRef>
+            <a:fontRef idx="minor">
+              <a:schemeClr val="lt1"/>
+            </a:fontRef>
+          </p:style>
+          <p:txBody>
+            <a:bodyPr rtlCol="0" anchor="ctr"/>
+            <a:lstStyle/>
+            <a:p>
+              <a:pPr algn="ctr"/>
+              <a:endParaRPr lang="it-IT"/>
+            </a:p>
+          </p:txBody>
+        </p:sp>
+        <p:sp>
+          <p:nvSpPr>
+            <p:cNvPr id="27" name="CasellaDiTesto 26">
+              <a:extLst>
+                <a:ext uri="{FF2B5EF4-FFF2-40B4-BE49-F238E27FC236}">
+                  <a16:creationId xmlns:a16="http://schemas.microsoft.com/office/drawing/2014/main" id="{E3309D63-D8D8-F42C-D435-0DFFDE1437CB}"/>
+                </a:ext>
+              </a:extLst>
+            </p:cNvPr>
+            <p:cNvSpPr txBox="1"/>
+            <p:nvPr/>
+          </p:nvSpPr>
+          <p:spPr>
+            <a:xfrm>
+              <a:off x="3379220" y="3677154"/>
+              <a:ext cx="1614196" cy="369332"/>
+            </a:xfrm>
+            <a:prstGeom prst="rect">
+              <a:avLst/>
+            </a:prstGeom>
+            <a:grpFill/>
+          </p:spPr>
+          <p:txBody>
+            <a:bodyPr wrap="square" rtlCol="0">
+              <a:spAutoFit/>
+            </a:bodyPr>
+            <a:lstStyle/>
+            <a:p>
+              <a:r>
+                <a:rPr lang="fr-CH" dirty="0"/>
+                <a:t>Marco Rossi</a:t>
+              </a:r>
+              <a:endParaRPr lang="it-IT" dirty="0"/>
+            </a:p>
+          </p:txBody>
+        </p:sp>
+        <p:pic>
+          <p:nvPicPr>
+            <p:cNvPr id="29" name="Elemento grafico 28">
+              <a:extLst>
+                <a:ext uri="{FF2B5EF4-FFF2-40B4-BE49-F238E27FC236}">
+                  <a16:creationId xmlns:a16="http://schemas.microsoft.com/office/drawing/2014/main" id="{0E625340-985B-D262-98AF-4887C3DCD2F6}"/>
+                </a:ext>
+              </a:extLst>
+            </p:cNvPr>
+            <p:cNvPicPr>
+              <a:picLocks noChangeAspect="1"/>
+            </p:cNvPicPr>
+            <p:nvPr/>
+          </p:nvPicPr>
+          <p:blipFill>
+            <a:blip r:embed="rId2">
+              <a:extLst>
+                <a:ext uri="{28A0092B-C50C-407E-A947-70E740481C1C}">
+                  <a14:useLocalDpi xmlns:a14="http://schemas.microsoft.com/office/drawing/2010/main" val="0"/>
+                </a:ext>
+                <a:ext uri="{96DAC541-7B7A-43D3-8B79-37D633B846F1}">
+                  <asvg:svgBlip xmlns:asvg="http://schemas.microsoft.com/office/drawing/2016/SVG/main" r:embed="rId3"/>
+                </a:ext>
+              </a:extLst>
+            </a:blip>
+            <a:stretch>
+              <a:fillRect/>
+            </a:stretch>
+          </p:blipFill>
+          <p:spPr>
+            <a:xfrm>
+              <a:off x="3016896" y="3667733"/>
+              <a:ext cx="272128" cy="435404"/>
+            </a:xfrm>
+            <a:prstGeom prst="rect">
+              <a:avLst/>
+            </a:prstGeom>
+          </p:spPr>
+        </p:pic>
+        <p:sp>
+          <p:nvSpPr>
+            <p:cNvPr id="2" name="CasellaDiTesto 1">
+              <a:extLst>
+                <a:ext uri="{FF2B5EF4-FFF2-40B4-BE49-F238E27FC236}">
+                  <a16:creationId xmlns:a16="http://schemas.microsoft.com/office/drawing/2014/main" id="{FED4422A-BD6A-F8F5-6F7E-345AF277EB42}"/>
+                </a:ext>
+              </a:extLst>
+            </p:cNvPr>
+            <p:cNvSpPr txBox="1"/>
+            <p:nvPr/>
+          </p:nvSpPr>
+          <p:spPr>
+            <a:xfrm>
+              <a:off x="5570374" y="3677154"/>
+              <a:ext cx="2321784" cy="369332"/>
+            </a:xfrm>
+            <a:prstGeom prst="rect">
+              <a:avLst/>
+            </a:prstGeom>
+            <a:grpFill/>
+          </p:spPr>
+          <p:txBody>
+            <a:bodyPr wrap="square" rtlCol="0">
+              <a:spAutoFit/>
+            </a:bodyPr>
+            <a:lstStyle/>
+            <a:p>
+              <a:r>
+                <a:rPr lang="fr-CH" dirty="0"/>
+                <a:t>da Lugano a Ginevra</a:t>
+              </a:r>
+              <a:endParaRPr lang="it-IT" dirty="0"/>
+            </a:p>
+          </p:txBody>
+        </p:sp>
+        <p:grpSp>
+          <p:nvGrpSpPr>
+            <p:cNvPr id="14" name="Gruppo 13">
+              <a:extLst>
+                <a:ext uri="{FF2B5EF4-FFF2-40B4-BE49-F238E27FC236}">
+                  <a16:creationId xmlns:a16="http://schemas.microsoft.com/office/drawing/2014/main" id="{01442744-0A19-17AF-FE1F-56D0C57E1FEE}"/>
+                </a:ext>
+              </a:extLst>
+            </p:cNvPr>
+            <p:cNvGrpSpPr/>
+            <p:nvPr/>
+          </p:nvGrpSpPr>
+          <p:grpSpPr>
+            <a:xfrm>
+              <a:off x="8642039" y="3655268"/>
+              <a:ext cx="437277" cy="413104"/>
+              <a:chOff x="8642039" y="3655268"/>
+              <a:chExt cx="437277" cy="413104"/>
+            </a:xfrm>
+            <a:grpFill/>
+          </p:grpSpPr>
+          <p:sp>
+            <p:nvSpPr>
+              <p:cNvPr id="3" name="Rettangolo con angoli arrotondati 2">
+                <a:extLst>
+                  <a:ext uri="{FF2B5EF4-FFF2-40B4-BE49-F238E27FC236}">
+                    <a16:creationId xmlns:a16="http://schemas.microsoft.com/office/drawing/2014/main" id="{6977FA7A-4A56-02D5-9892-5FFA11B5C27C}"/>
+                  </a:ext>
+                </a:extLst>
+              </p:cNvPr>
+              <p:cNvSpPr/>
+              <p:nvPr/>
+            </p:nvSpPr>
+            <p:spPr>
+              <a:xfrm>
+                <a:off x="8642039" y="3655268"/>
+                <a:ext cx="437277" cy="413104"/>
+              </a:xfrm>
+              <a:prstGeom prst="roundRect">
+                <a:avLst/>
+              </a:prstGeom>
+              <a:solidFill>
+                <a:schemeClr val="bg2">
+                  <a:lumMod val="75000"/>
+                </a:schemeClr>
+              </a:solidFill>
+            </p:spPr>
+            <p:style>
+              <a:lnRef idx="2">
+                <a:schemeClr val="accent6"/>
+              </a:lnRef>
+              <a:fillRef idx="1">
+                <a:schemeClr val="lt1"/>
+              </a:fillRef>
+              <a:effectRef idx="0">
+                <a:schemeClr val="accent6"/>
+              </a:effectRef>
+              <a:fontRef idx="minor">
+                <a:schemeClr val="dk1"/>
+              </a:fontRef>
+            </p:style>
+            <p:txBody>
+              <a:bodyPr rtlCol="0" anchor="ctr"/>
+              <a:lstStyle/>
+              <a:p>
+                <a:pPr algn="ctr"/>
+                <a:endParaRPr lang="fr-CH" dirty="0"/>
+              </a:p>
+            </p:txBody>
+          </p:sp>
+          <p:sp>
+            <p:nvSpPr>
+              <p:cNvPr id="5" name="Ovale 4">
+                <a:extLst>
+                  <a:ext uri="{FF2B5EF4-FFF2-40B4-BE49-F238E27FC236}">
+                    <a16:creationId xmlns:a16="http://schemas.microsoft.com/office/drawing/2014/main" id="{E864428F-4613-2A71-60CC-455AF6AA1C2C}"/>
+                  </a:ext>
+                </a:extLst>
+              </p:cNvPr>
+              <p:cNvSpPr/>
+              <p:nvPr/>
+            </p:nvSpPr>
+            <p:spPr>
+              <a:xfrm>
+                <a:off x="8837350" y="3724069"/>
+                <a:ext cx="46653" cy="46653"/>
+              </a:xfrm>
+              <a:prstGeom prst="ellipse">
+                <a:avLst/>
+              </a:prstGeom>
+              <a:grpFill/>
+            </p:spPr>
+            <p:style>
+              <a:lnRef idx="2">
+                <a:schemeClr val="dk1">
+                  <a:shade val="50000"/>
+                </a:schemeClr>
+              </a:lnRef>
+              <a:fillRef idx="1">
+                <a:schemeClr val="dk1"/>
+              </a:fillRef>
+              <a:effectRef idx="0">
+                <a:schemeClr val="dk1"/>
+              </a:effectRef>
+              <a:fontRef idx="minor">
+                <a:schemeClr val="lt1"/>
+              </a:fontRef>
+            </p:style>
+            <p:txBody>
+              <a:bodyPr rtlCol="0" anchor="ctr"/>
+              <a:lstStyle/>
+              <a:p>
+                <a:pPr algn="ctr"/>
+                <a:endParaRPr lang="it-IT"/>
+              </a:p>
+            </p:txBody>
+          </p:sp>
+          <p:sp>
+            <p:nvSpPr>
+              <p:cNvPr id="7" name="Ovale 6">
+                <a:extLst>
+                  <a:ext uri="{FF2B5EF4-FFF2-40B4-BE49-F238E27FC236}">
+                    <a16:creationId xmlns:a16="http://schemas.microsoft.com/office/drawing/2014/main" id="{94639521-AB36-D173-CA2C-6BF958A4DDA9}"/>
+                  </a:ext>
+                </a:extLst>
+              </p:cNvPr>
+              <p:cNvSpPr/>
+              <p:nvPr/>
+            </p:nvSpPr>
+            <p:spPr>
+              <a:xfrm>
+                <a:off x="8837350" y="3846434"/>
+                <a:ext cx="46653" cy="46653"/>
+              </a:xfrm>
+              <a:prstGeom prst="ellipse">
+                <a:avLst/>
+              </a:prstGeom>
+              <a:grpFill/>
+            </p:spPr>
+            <p:style>
+              <a:lnRef idx="2">
+                <a:schemeClr val="dk1">
+                  <a:shade val="50000"/>
+                </a:schemeClr>
+              </a:lnRef>
+              <a:fillRef idx="1">
+                <a:schemeClr val="dk1"/>
+              </a:fillRef>
+              <a:effectRef idx="0">
+                <a:schemeClr val="dk1"/>
+              </a:effectRef>
+              <a:fontRef idx="minor">
+                <a:schemeClr val="lt1"/>
+              </a:fontRef>
+            </p:style>
+            <p:txBody>
+              <a:bodyPr rtlCol="0" anchor="ctr"/>
+              <a:lstStyle/>
+              <a:p>
+                <a:pPr algn="ctr"/>
+                <a:endParaRPr lang="it-IT"/>
+              </a:p>
+            </p:txBody>
+          </p:sp>
+          <p:sp>
+            <p:nvSpPr>
+              <p:cNvPr id="11" name="Ovale 10">
+                <a:extLst>
+                  <a:ext uri="{FF2B5EF4-FFF2-40B4-BE49-F238E27FC236}">
+                    <a16:creationId xmlns:a16="http://schemas.microsoft.com/office/drawing/2014/main" id="{F74AB835-9FFF-F6AB-A2F6-38AF84A78480}"/>
+                  </a:ext>
+                </a:extLst>
+              </p:cNvPr>
+              <p:cNvSpPr/>
+              <p:nvPr/>
+            </p:nvSpPr>
+            <p:spPr>
+              <a:xfrm>
+                <a:off x="8837350" y="3977750"/>
+                <a:ext cx="46653" cy="46653"/>
+              </a:xfrm>
+              <a:prstGeom prst="ellipse">
+                <a:avLst/>
+              </a:prstGeom>
+              <a:grpFill/>
+            </p:spPr>
+            <p:style>
+              <a:lnRef idx="2">
+                <a:schemeClr val="dk1">
+                  <a:shade val="50000"/>
+                </a:schemeClr>
+              </a:lnRef>
+              <a:fillRef idx="1">
+                <a:schemeClr val="dk1"/>
+              </a:fillRef>
+              <a:effectRef idx="0">
+                <a:schemeClr val="dk1"/>
+              </a:effectRef>
+              <a:fontRef idx="minor">
+                <a:schemeClr val="lt1"/>
+              </a:fontRef>
+            </p:style>
+            <p:txBody>
+              <a:bodyPr rtlCol="0" anchor="ctr"/>
+              <a:lstStyle/>
+              <a:p>
+                <a:pPr algn="ctr"/>
+                <a:endParaRPr lang="it-IT"/>
+              </a:p>
+            </p:txBody>
+          </p:sp>
+        </p:grpSp>
+      </p:grpSp>
+      <p:grpSp>
+        <p:nvGrpSpPr>
+          <p:cNvPr id="28" name="Gruppo 27">
+            <a:extLst>
+              <a:ext uri="{FF2B5EF4-FFF2-40B4-BE49-F238E27FC236}">
+                <a16:creationId xmlns:a16="http://schemas.microsoft.com/office/drawing/2014/main" id="{59EC0C16-AE5C-ED42-7B73-F7A037E9DA97}"/>
+              </a:ext>
+            </a:extLst>
+          </p:cNvPr>
+          <p:cNvGrpSpPr/>
+          <p:nvPr/>
+        </p:nvGrpSpPr>
+        <p:grpSpPr>
+          <a:xfrm>
+            <a:off x="2836505" y="4248758"/>
+            <a:ext cx="6354147" cy="528200"/>
+            <a:chOff x="2836506" y="3610947"/>
+            <a:chExt cx="6354147" cy="528200"/>
+          </a:xfrm>
+          <a:solidFill>
+            <a:schemeClr val="accent6">
+              <a:lumMod val="60000"/>
+              <a:lumOff val="40000"/>
+            </a:schemeClr>
+          </a:solidFill>
+        </p:grpSpPr>
+        <p:sp>
+          <p:nvSpPr>
+            <p:cNvPr id="30" name="Rettangolo con angoli arrotondati 29">
+              <a:extLst>
+                <a:ext uri="{FF2B5EF4-FFF2-40B4-BE49-F238E27FC236}">
+                  <a16:creationId xmlns:a16="http://schemas.microsoft.com/office/drawing/2014/main" id="{CBA46B63-AFFC-FF35-6CA8-EF6F449C0BBE}"/>
+                </a:ext>
+              </a:extLst>
+            </p:cNvPr>
+            <p:cNvSpPr/>
+            <p:nvPr/>
+          </p:nvSpPr>
+          <p:spPr>
+            <a:xfrm>
+              <a:off x="2836506" y="3610947"/>
+              <a:ext cx="6354147" cy="528200"/>
+            </a:xfrm>
+            <a:prstGeom prst="roundRect">
+              <a:avLst/>
+            </a:prstGeom>
+            <a:grpFill/>
+          </p:spPr>
+          <p:style>
+            <a:lnRef idx="2">
+              <a:schemeClr val="accent1">
+                <a:shade val="50000"/>
+              </a:schemeClr>
+            </a:lnRef>
+            <a:fillRef idx="1">
+              <a:schemeClr val="accent1"/>
+            </a:fillRef>
+            <a:effectRef idx="0">
+              <a:schemeClr val="accent1"/>
+            </a:effectRef>
+            <a:fontRef idx="minor">
+              <a:schemeClr val="lt1"/>
+            </a:fontRef>
+          </p:style>
+          <p:txBody>
+            <a:bodyPr rtlCol="0" anchor="ctr"/>
+            <a:lstStyle/>
+            <a:p>
+              <a:pPr algn="ctr"/>
+              <a:endParaRPr lang="it-IT"/>
+            </a:p>
+          </p:txBody>
+        </p:sp>
+        <p:sp>
+          <p:nvSpPr>
+            <p:cNvPr id="31" name="CasellaDiTesto 30">
+              <a:extLst>
+                <a:ext uri="{FF2B5EF4-FFF2-40B4-BE49-F238E27FC236}">
+                  <a16:creationId xmlns:a16="http://schemas.microsoft.com/office/drawing/2014/main" id="{0D535C50-96B7-DDEB-6B3C-DFB092C7C996}"/>
+                </a:ext>
+              </a:extLst>
+            </p:cNvPr>
+            <p:cNvSpPr txBox="1"/>
+            <p:nvPr/>
+          </p:nvSpPr>
+          <p:spPr>
+            <a:xfrm>
+              <a:off x="3379220" y="3677154"/>
+              <a:ext cx="1614196" cy="369332"/>
+            </a:xfrm>
+            <a:prstGeom prst="rect">
+              <a:avLst/>
+            </a:prstGeom>
+            <a:grpFill/>
+          </p:spPr>
+          <p:txBody>
+            <a:bodyPr wrap="square" rtlCol="0">
+              <a:spAutoFit/>
+            </a:bodyPr>
+            <a:lstStyle/>
+            <a:p>
+              <a:r>
+                <a:rPr lang="fr-CH" dirty="0"/>
+                <a:t>Lucia Verdi</a:t>
+              </a:r>
+              <a:endParaRPr lang="it-IT" dirty="0"/>
+            </a:p>
+          </p:txBody>
+        </p:sp>
+        <p:sp>
+          <p:nvSpPr>
+            <p:cNvPr id="33" name="CasellaDiTesto 32">
+              <a:extLst>
+                <a:ext uri="{FF2B5EF4-FFF2-40B4-BE49-F238E27FC236}">
+                  <a16:creationId xmlns:a16="http://schemas.microsoft.com/office/drawing/2014/main" id="{CC861987-F95F-348D-43B5-366EDE368B1A}"/>
+                </a:ext>
+              </a:extLst>
+            </p:cNvPr>
+            <p:cNvSpPr txBox="1"/>
+            <p:nvPr/>
+          </p:nvSpPr>
+          <p:spPr>
+            <a:xfrm>
+              <a:off x="5570373" y="3677154"/>
+              <a:ext cx="2537929" cy="369332"/>
+            </a:xfrm>
+            <a:prstGeom prst="rect">
+              <a:avLst/>
+            </a:prstGeom>
+            <a:grpFill/>
+          </p:spPr>
+          <p:txBody>
+            <a:bodyPr wrap="square" rtlCol="0">
+              <a:spAutoFit/>
+            </a:bodyPr>
+            <a:lstStyle/>
+            <a:p>
+              <a:r>
+                <a:rPr lang="fr-CH" dirty="0"/>
+                <a:t>da Chiasso a Mendrisio</a:t>
+              </a:r>
+              <a:endParaRPr lang="it-IT" dirty="0"/>
+            </a:p>
+          </p:txBody>
+        </p:sp>
+        <p:grpSp>
+          <p:nvGrpSpPr>
+            <p:cNvPr id="34" name="Gruppo 33">
+              <a:extLst>
+                <a:ext uri="{FF2B5EF4-FFF2-40B4-BE49-F238E27FC236}">
+                  <a16:creationId xmlns:a16="http://schemas.microsoft.com/office/drawing/2014/main" id="{0A280272-B8D0-8FE2-45BE-E74667C7380F}"/>
+                </a:ext>
+              </a:extLst>
+            </p:cNvPr>
+            <p:cNvGrpSpPr/>
+            <p:nvPr/>
+          </p:nvGrpSpPr>
+          <p:grpSpPr>
+            <a:xfrm>
+              <a:off x="8642039" y="3655268"/>
+              <a:ext cx="437277" cy="413104"/>
+              <a:chOff x="8642039" y="3655268"/>
+              <a:chExt cx="437277" cy="413104"/>
+            </a:xfrm>
+            <a:grpFill/>
+          </p:grpSpPr>
+          <p:sp>
+            <p:nvSpPr>
+              <p:cNvPr id="35" name="Rettangolo con angoli arrotondati 34">
+                <a:extLst>
+                  <a:ext uri="{FF2B5EF4-FFF2-40B4-BE49-F238E27FC236}">
+                    <a16:creationId xmlns:a16="http://schemas.microsoft.com/office/drawing/2014/main" id="{68527D5C-29DC-FC9F-7796-0D8CC672E778}"/>
+                  </a:ext>
+                </a:extLst>
+              </p:cNvPr>
+              <p:cNvSpPr/>
+              <p:nvPr/>
+            </p:nvSpPr>
+            <p:spPr>
+              <a:xfrm>
+                <a:off x="8642039" y="3655268"/>
+                <a:ext cx="437277" cy="413104"/>
+              </a:xfrm>
+              <a:prstGeom prst="roundRect">
+                <a:avLst/>
+              </a:prstGeom>
+              <a:solidFill>
+                <a:schemeClr val="bg2">
+                  <a:lumMod val="75000"/>
+                </a:schemeClr>
+              </a:solidFill>
+            </p:spPr>
+            <p:style>
+              <a:lnRef idx="2">
+                <a:schemeClr val="accent6"/>
+              </a:lnRef>
+              <a:fillRef idx="1">
+                <a:schemeClr val="lt1"/>
+              </a:fillRef>
+              <a:effectRef idx="0">
+                <a:schemeClr val="accent6"/>
+              </a:effectRef>
+              <a:fontRef idx="minor">
+                <a:schemeClr val="dk1"/>
+              </a:fontRef>
+            </p:style>
+            <p:txBody>
+              <a:bodyPr rtlCol="0" anchor="ctr"/>
+              <a:lstStyle/>
+              <a:p>
+                <a:pPr algn="ctr"/>
+                <a:endParaRPr lang="fr-CH" dirty="0"/>
+              </a:p>
+            </p:txBody>
+          </p:sp>
+          <p:sp>
+            <p:nvSpPr>
+              <p:cNvPr id="36" name="Ovale 35">
+                <a:extLst>
+                  <a:ext uri="{FF2B5EF4-FFF2-40B4-BE49-F238E27FC236}">
+                    <a16:creationId xmlns:a16="http://schemas.microsoft.com/office/drawing/2014/main" id="{7CB577B1-AC95-E44F-49F7-EF36111C6A02}"/>
+                  </a:ext>
+                </a:extLst>
+              </p:cNvPr>
+              <p:cNvSpPr/>
+              <p:nvPr/>
+            </p:nvSpPr>
+            <p:spPr>
+              <a:xfrm>
+                <a:off x="8837350" y="3724069"/>
+                <a:ext cx="46653" cy="46653"/>
+              </a:xfrm>
+              <a:prstGeom prst="ellipse">
+                <a:avLst/>
+              </a:prstGeom>
+              <a:grpFill/>
+            </p:spPr>
+            <p:style>
+              <a:lnRef idx="2">
+                <a:schemeClr val="dk1">
+                  <a:shade val="50000"/>
+                </a:schemeClr>
+              </a:lnRef>
+              <a:fillRef idx="1">
+                <a:schemeClr val="dk1"/>
+              </a:fillRef>
+              <a:effectRef idx="0">
+                <a:schemeClr val="dk1"/>
+              </a:effectRef>
+              <a:fontRef idx="minor">
+                <a:schemeClr val="lt1"/>
+              </a:fontRef>
+            </p:style>
+            <p:txBody>
+              <a:bodyPr rtlCol="0" anchor="ctr"/>
+              <a:lstStyle/>
+              <a:p>
+                <a:pPr algn="ctr"/>
+                <a:endParaRPr lang="it-IT"/>
+              </a:p>
+            </p:txBody>
+          </p:sp>
+          <p:sp>
+            <p:nvSpPr>
+              <p:cNvPr id="37" name="Ovale 36">
+                <a:extLst>
+                  <a:ext uri="{FF2B5EF4-FFF2-40B4-BE49-F238E27FC236}">
+                    <a16:creationId xmlns:a16="http://schemas.microsoft.com/office/drawing/2014/main" id="{D3D3EC01-4412-001A-2C81-0F8FF1874ECB}"/>
+                  </a:ext>
+                </a:extLst>
+              </p:cNvPr>
+              <p:cNvSpPr/>
+              <p:nvPr/>
+            </p:nvSpPr>
+            <p:spPr>
+              <a:xfrm>
+                <a:off x="8837350" y="3846434"/>
+                <a:ext cx="46653" cy="46653"/>
+              </a:xfrm>
+              <a:prstGeom prst="ellipse">
+                <a:avLst/>
+              </a:prstGeom>
+              <a:grpFill/>
+            </p:spPr>
+            <p:style>
+              <a:lnRef idx="2">
+                <a:schemeClr val="dk1">
+                  <a:shade val="50000"/>
+                </a:schemeClr>
+              </a:lnRef>
+              <a:fillRef idx="1">
+                <a:schemeClr val="dk1"/>
+              </a:fillRef>
+              <a:effectRef idx="0">
+                <a:schemeClr val="dk1"/>
+              </a:effectRef>
+              <a:fontRef idx="minor">
+                <a:schemeClr val="lt1"/>
+              </a:fontRef>
+            </p:style>
+            <p:txBody>
+              <a:bodyPr rtlCol="0" anchor="ctr"/>
+              <a:lstStyle/>
+              <a:p>
+                <a:pPr algn="ctr"/>
+                <a:endParaRPr lang="it-IT"/>
+              </a:p>
+            </p:txBody>
+          </p:sp>
+          <p:sp>
+            <p:nvSpPr>
+              <p:cNvPr id="38" name="Ovale 37">
+                <a:extLst>
+                  <a:ext uri="{FF2B5EF4-FFF2-40B4-BE49-F238E27FC236}">
+                    <a16:creationId xmlns:a16="http://schemas.microsoft.com/office/drawing/2014/main" id="{F0761F53-4383-FF05-C2B6-48D316D66F39}"/>
+                  </a:ext>
+                </a:extLst>
+              </p:cNvPr>
+              <p:cNvSpPr/>
+              <p:nvPr/>
+            </p:nvSpPr>
+            <p:spPr>
+              <a:xfrm>
+                <a:off x="8837350" y="3977750"/>
+                <a:ext cx="46653" cy="46653"/>
+              </a:xfrm>
+              <a:prstGeom prst="ellipse">
+                <a:avLst/>
+              </a:prstGeom>
+              <a:grpFill/>
+            </p:spPr>
+            <p:style>
+              <a:lnRef idx="2">
+                <a:schemeClr val="dk1">
+                  <a:shade val="50000"/>
+                </a:schemeClr>
+              </a:lnRef>
+              <a:fillRef idx="1">
+                <a:schemeClr val="dk1"/>
+              </a:fillRef>
+              <a:effectRef idx="0">
+                <a:schemeClr val="dk1"/>
+              </a:effectRef>
+              <a:fontRef idx="minor">
+                <a:schemeClr val="lt1"/>
+              </a:fontRef>
+            </p:style>
+            <p:txBody>
+              <a:bodyPr rtlCol="0" anchor="ctr"/>
+              <a:lstStyle/>
+              <a:p>
+                <a:pPr algn="ctr"/>
+                <a:endParaRPr lang="it-IT"/>
+              </a:p>
+            </p:txBody>
+          </p:sp>
+        </p:grpSp>
+      </p:grpSp>
+      <p:pic>
+        <p:nvPicPr>
+          <p:cNvPr id="40" name="Elemento grafico 39">
+            <a:extLst>
+              <a:ext uri="{FF2B5EF4-FFF2-40B4-BE49-F238E27FC236}">
+                <a16:creationId xmlns:a16="http://schemas.microsoft.com/office/drawing/2014/main" id="{A1E292ED-0BC8-25E8-C841-4FD0DA6B498F}"/>
+              </a:ext>
+            </a:extLst>
+          </p:cNvPr>
+          <p:cNvPicPr>
+            <a:picLocks noChangeAspect="1"/>
+          </p:cNvPicPr>
+          <p:nvPr/>
+        </p:nvPicPr>
+        <p:blipFill>
+          <a:blip r:embed="rId4">
+            <a:extLst>
+              <a:ext uri="{28A0092B-C50C-407E-A947-70E740481C1C}">
+                <a14:useLocalDpi xmlns:a14="http://schemas.microsoft.com/office/drawing/2010/main" val="0"/>
+              </a:ext>
+              <a:ext uri="{96DAC541-7B7A-43D3-8B79-37D633B846F1}">
+                <asvg:svgBlip xmlns:asvg="http://schemas.microsoft.com/office/drawing/2016/SVG/main" r:embed="rId5"/>
+              </a:ext>
+            </a:extLst>
+          </a:blip>
+          <a:stretch>
+            <a:fillRect/>
+          </a:stretch>
+        </p:blipFill>
+        <p:spPr>
+          <a:xfrm>
+            <a:off x="3026996" y="4306029"/>
+            <a:ext cx="251927" cy="403083"/>
+          </a:xfrm>
+          <a:prstGeom prst="rect">
+            <a:avLst/>
+          </a:prstGeom>
+        </p:spPr>
+      </p:pic>
+      <p:sp>
+        <p:nvSpPr>
+          <p:cNvPr id="41" name="CasellaDiTesto 40">
+            <a:extLst>
+              <a:ext uri="{FF2B5EF4-FFF2-40B4-BE49-F238E27FC236}">
+                <a16:creationId xmlns:a16="http://schemas.microsoft.com/office/drawing/2014/main" id="{08FB8FAF-C91C-EB80-1799-03596296D4E4}"/>
+              </a:ext>
+            </a:extLst>
+          </p:cNvPr>
+          <p:cNvSpPr txBox="1"/>
+          <p:nvPr/>
+        </p:nvSpPr>
+        <p:spPr>
+          <a:xfrm>
+            <a:off x="2746310" y="5723097"/>
+            <a:ext cx="6699380" cy="307777"/>
+          </a:xfrm>
+          <a:prstGeom prst="rect">
+            <a:avLst/>
+          </a:prstGeom>
+          <a:noFill/>
+        </p:spPr>
+        <p:txBody>
+          <a:bodyPr wrap="square" rtlCol="0">
+            <a:spAutoFit/>
+          </a:bodyPr>
+          <a:lstStyle/>
+          <a:p>
+            <a:r>
+              <a:rPr lang="fr-CH" sz="1400" dirty="0" err="1">
+                <a:solidFill>
+                  <a:schemeClr val="bg1">
+                    <a:lumMod val="75000"/>
+                  </a:schemeClr>
+                </a:solidFill>
+                <a:latin typeface="Amasis MT Pro Black" panose="020B0604020202020204" pitchFamily="18" charset="0"/>
+                <a:cs typeface="Aldhabi" panose="020B0604020202020204" pitchFamily="2" charset="-78"/>
+              </a:rPr>
+              <a:t>Ancora</a:t>
+            </a:r>
+            <a:r>
+              <a:rPr lang="fr-CH" sz="1400" dirty="0">
+                <a:solidFill>
+                  <a:schemeClr val="bg1">
+                    <a:lumMod val="75000"/>
+                  </a:schemeClr>
+                </a:solidFill>
+                <a:latin typeface="Amasis MT Pro Black" panose="020B0604020202020204" pitchFamily="18" charset="0"/>
+                <a:cs typeface="Aldhabi" panose="020B0604020202020204" pitchFamily="2" charset="-78"/>
+              </a:rPr>
+              <a:t> </a:t>
+            </a:r>
+            <a:r>
+              <a:rPr lang="fr-CH" sz="1400" dirty="0" err="1">
+                <a:solidFill>
+                  <a:schemeClr val="bg1">
+                    <a:lumMod val="75000"/>
+                  </a:schemeClr>
+                </a:solidFill>
+                <a:latin typeface="Amasis MT Pro Black" panose="020B0604020202020204" pitchFamily="18" charset="0"/>
+                <a:cs typeface="Aldhabi" panose="020B0604020202020204" pitchFamily="2" charset="-78"/>
+              </a:rPr>
+              <a:t>nessuna</a:t>
+            </a:r>
+            <a:r>
+              <a:rPr lang="fr-CH" sz="1400" dirty="0">
+                <a:solidFill>
+                  <a:schemeClr val="bg1">
+                    <a:lumMod val="75000"/>
+                  </a:schemeClr>
+                </a:solidFill>
+                <a:latin typeface="Amasis MT Pro Black" panose="020B0604020202020204" pitchFamily="18" charset="0"/>
+                <a:cs typeface="Aldhabi" panose="020B0604020202020204" pitchFamily="2" charset="-78"/>
+              </a:rPr>
+              <a:t> corsa </a:t>
+            </a:r>
+            <a:r>
+              <a:rPr lang="fr-CH" sz="1400" dirty="0" err="1">
+                <a:solidFill>
+                  <a:schemeClr val="bg1">
+                    <a:lumMod val="75000"/>
+                  </a:schemeClr>
+                </a:solidFill>
+                <a:latin typeface="Amasis MT Pro Black" panose="020B0604020202020204" pitchFamily="18" charset="0"/>
+                <a:cs typeface="Aldhabi" panose="020B0604020202020204" pitchFamily="2" charset="-78"/>
+              </a:rPr>
+              <a:t>eseguita</a:t>
+            </a:r>
+            <a:endParaRPr lang="it-IT" sz="1400" dirty="0">
+              <a:solidFill>
+                <a:schemeClr val="bg1">
+                  <a:lumMod val="75000"/>
+                </a:schemeClr>
+              </a:solidFill>
+              <a:latin typeface="Amasis MT Pro Black" panose="020B0604020202020204" pitchFamily="18" charset="0"/>
+              <a:cs typeface="Aldhabi" panose="020B0604020202020204" pitchFamily="2" charset="-78"/>
+            </a:endParaRPr>
+          </a:p>
+        </p:txBody>
+      </p:sp>
+    </p:spTree>
+    <p:extLst>
+      <p:ext uri="{BB962C8B-B14F-4D97-AF65-F5344CB8AC3E}">
+        <p14:creationId xmlns:p14="http://schemas.microsoft.com/office/powerpoint/2010/main" val="602514189"/>
+      </p:ext>
+    </p:extLst>
+  </p:cSld>
+  <p:clrMapOvr>
+    <a:masterClrMapping/>
+  </p:clrMapOvr>
+</p:sld>
+</file>
+
+<file path=ppt/slides/slide2.xml><?xml version="1.0" encoding="utf-8"?>
 <p:sld xmlns:a="http://schemas.openxmlformats.org/drawingml/2006/main" xmlns:r="http://schemas.openxmlformats.org/officeDocument/2006/relationships" xmlns:p="http://schemas.openxmlformats.org/presentationml/2006/main">
   <p:cSld>
     <p:spTree>
@@ -4920,10 +6581,401 @@
           </a:p>
         </p:txBody>
       </p:sp>
+      <p:cxnSp>
+        <p:nvCxnSpPr>
+          <p:cNvPr id="39" name="Straight Arrow Connector 38">
+            <a:extLst>
+              <a:ext uri="{FF2B5EF4-FFF2-40B4-BE49-F238E27FC236}">
+                <a16:creationId xmlns:a16="http://schemas.microsoft.com/office/drawing/2014/main" id="{078BF79B-61E1-9CFB-4157-9D30D8A3838F}"/>
+              </a:ext>
+            </a:extLst>
+          </p:cNvPr>
+          <p:cNvCxnSpPr>
+            <a:cxnSpLocks/>
+          </p:cNvCxnSpPr>
+          <p:nvPr/>
+        </p:nvCxnSpPr>
+        <p:spPr>
+          <a:xfrm>
+            <a:off x="8108300" y="2942441"/>
+            <a:ext cx="704461" cy="581100"/>
+          </a:xfrm>
+          <a:prstGeom prst="straightConnector1">
+            <a:avLst/>
+          </a:prstGeom>
+          <a:ln w="76200">
+            <a:solidFill>
+              <a:srgbClr val="00B050"/>
+            </a:solidFill>
+            <a:tailEnd type="triangle"/>
+          </a:ln>
+        </p:spPr>
+        <p:style>
+          <a:lnRef idx="1">
+            <a:schemeClr val="accent2"/>
+          </a:lnRef>
+          <a:fillRef idx="0">
+            <a:schemeClr val="accent2"/>
+          </a:fillRef>
+          <a:effectRef idx="0">
+            <a:schemeClr val="accent2"/>
+          </a:effectRef>
+          <a:fontRef idx="minor">
+            <a:schemeClr val="tx1"/>
+          </a:fontRef>
+        </p:style>
+      </p:cxnSp>
+      <p:sp>
+        <p:nvSpPr>
+          <p:cNvPr id="43" name="Rectangle: Rounded Corners 42">
+            <a:extLst>
+              <a:ext uri="{FF2B5EF4-FFF2-40B4-BE49-F238E27FC236}">
+                <a16:creationId xmlns:a16="http://schemas.microsoft.com/office/drawing/2014/main" id="{F078BED9-92A6-326D-C811-3FFB8AA4389D}"/>
+              </a:ext>
+            </a:extLst>
+          </p:cNvPr>
+          <p:cNvSpPr/>
+          <p:nvPr/>
+        </p:nvSpPr>
+        <p:spPr>
+          <a:xfrm>
+            <a:off x="2427510" y="624508"/>
+            <a:ext cx="5533051" cy="5354209"/>
+          </a:xfrm>
+          <a:prstGeom prst="roundRect">
+            <a:avLst/>
+          </a:prstGeom>
+        </p:spPr>
+        <p:style>
+          <a:lnRef idx="2">
+            <a:schemeClr val="accent1">
+              <a:shade val="50000"/>
+            </a:schemeClr>
+          </a:lnRef>
+          <a:fillRef idx="1">
+            <a:schemeClr val="accent1"/>
+          </a:fillRef>
+          <a:effectRef idx="0">
+            <a:schemeClr val="accent1"/>
+          </a:effectRef>
+          <a:fontRef idx="minor">
+            <a:schemeClr val="lt1"/>
+          </a:fontRef>
+        </p:style>
+        <p:txBody>
+          <a:bodyPr rtlCol="0" anchor="ctr"/>
+          <a:lstStyle/>
+          <a:p>
+            <a:pPr algn="ctr"/>
+            <a:endParaRPr lang="it-CH" dirty="0"/>
+          </a:p>
+        </p:txBody>
+      </p:sp>
+      <p:sp>
+        <p:nvSpPr>
+          <p:cNvPr id="58" name="Rettangolo con angoli arrotondati 15">
+            <a:extLst>
+              <a:ext uri="{FF2B5EF4-FFF2-40B4-BE49-F238E27FC236}">
+                <a16:creationId xmlns:a16="http://schemas.microsoft.com/office/drawing/2014/main" id="{0F92C5FA-BFD8-8320-8CE5-FD2D19515DA0}"/>
+              </a:ext>
+            </a:extLst>
+          </p:cNvPr>
+          <p:cNvSpPr/>
+          <p:nvPr/>
+        </p:nvSpPr>
+        <p:spPr>
+          <a:xfrm>
+            <a:off x="2670694" y="879283"/>
+            <a:ext cx="5023371" cy="4907764"/>
+          </a:xfrm>
+          <a:prstGeom prst="roundRect">
+            <a:avLst/>
+          </a:prstGeom>
+        </p:spPr>
+        <p:style>
+          <a:lnRef idx="2">
+            <a:schemeClr val="accent6"/>
+          </a:lnRef>
+          <a:fillRef idx="1">
+            <a:schemeClr val="lt1"/>
+          </a:fillRef>
+          <a:effectRef idx="0">
+            <a:schemeClr val="accent6"/>
+          </a:effectRef>
+          <a:fontRef idx="minor">
+            <a:schemeClr val="dk1"/>
+          </a:fontRef>
+        </p:style>
+        <p:txBody>
+          <a:bodyPr rtlCol="0" anchor="ctr"/>
+          <a:lstStyle/>
+          <a:p>
+            <a:pPr algn="ctr"/>
+            <a:endParaRPr lang="it-IT"/>
+          </a:p>
+        </p:txBody>
+      </p:sp>
+      <p:grpSp>
+        <p:nvGrpSpPr>
+          <p:cNvPr id="59" name="Group 58">
+            <a:extLst>
+              <a:ext uri="{FF2B5EF4-FFF2-40B4-BE49-F238E27FC236}">
+                <a16:creationId xmlns:a16="http://schemas.microsoft.com/office/drawing/2014/main" id="{1243CB2A-B66C-0D1C-09D4-D70C61F1778C}"/>
+              </a:ext>
+            </a:extLst>
+          </p:cNvPr>
+          <p:cNvGrpSpPr/>
+          <p:nvPr/>
+        </p:nvGrpSpPr>
+        <p:grpSpPr>
+          <a:xfrm>
+            <a:off x="2780329" y="991728"/>
+            <a:ext cx="5000624" cy="3223712"/>
+            <a:chOff x="2780329" y="991728"/>
+            <a:chExt cx="5000624" cy="3223712"/>
+          </a:xfrm>
+        </p:grpSpPr>
+        <p:sp>
+          <p:nvSpPr>
+            <p:cNvPr id="51" name="TextBox 50">
+              <a:extLst>
+                <a:ext uri="{FF2B5EF4-FFF2-40B4-BE49-F238E27FC236}">
+                  <a16:creationId xmlns:a16="http://schemas.microsoft.com/office/drawing/2014/main" id="{4F1A616D-27CF-B5E1-3413-B8C7EE582203}"/>
+                </a:ext>
+              </a:extLst>
+            </p:cNvPr>
+            <p:cNvSpPr txBox="1"/>
+            <p:nvPr/>
+          </p:nvSpPr>
+          <p:spPr>
+            <a:xfrm>
+              <a:off x="4695045" y="991728"/>
+              <a:ext cx="2553476" cy="615553"/>
+            </a:xfrm>
+            <a:prstGeom prst="rect">
+              <a:avLst/>
+            </a:prstGeom>
+            <a:noFill/>
+          </p:spPr>
+          <p:txBody>
+            <a:bodyPr wrap="square" rtlCol="0">
+              <a:spAutoFit/>
+            </a:bodyPr>
+            <a:lstStyle/>
+            <a:p>
+              <a:r>
+                <a:rPr lang="it-CH" sz="3400" dirty="0"/>
+                <a:t>Marco Rossi</a:t>
+              </a:r>
+            </a:p>
+          </p:txBody>
+        </p:sp>
+        <p:pic>
+          <p:nvPicPr>
+            <p:cNvPr id="53" name="Graphic 52">
+              <a:extLst>
+                <a:ext uri="{FF2B5EF4-FFF2-40B4-BE49-F238E27FC236}">
+                  <a16:creationId xmlns:a16="http://schemas.microsoft.com/office/drawing/2014/main" id="{5359B5FD-075E-0336-A043-71CAFFE3477B}"/>
+                </a:ext>
+              </a:extLst>
+            </p:cNvPr>
+            <p:cNvPicPr>
+              <a:picLocks noChangeAspect="1"/>
+            </p:cNvPicPr>
+            <p:nvPr/>
+          </p:nvPicPr>
+          <p:blipFill>
+            <a:blip r:embed="rId6">
+              <a:extLst>
+                <a:ext uri="{28A0092B-C50C-407E-A947-70E740481C1C}">
+                  <a14:useLocalDpi xmlns:a14="http://schemas.microsoft.com/office/drawing/2010/main" val="0"/>
+                </a:ext>
+                <a:ext uri="{96DAC541-7B7A-43D3-8B79-37D633B846F1}">
+                  <asvg:svgBlip xmlns:asvg="http://schemas.microsoft.com/office/drawing/2016/SVG/main" r:embed="rId7"/>
+                </a:ext>
+              </a:extLst>
+            </a:blip>
+            <a:stretch>
+              <a:fillRect/>
+            </a:stretch>
+          </p:blipFill>
+          <p:spPr>
+            <a:xfrm>
+              <a:off x="3016896" y="991728"/>
+              <a:ext cx="1304925" cy="1491343"/>
+            </a:xfrm>
+            <a:prstGeom prst="rect">
+              <a:avLst/>
+            </a:prstGeom>
+          </p:spPr>
+        </p:pic>
+        <p:sp>
+          <p:nvSpPr>
+            <p:cNvPr id="54" name="TextBox 53">
+              <a:extLst>
+                <a:ext uri="{FF2B5EF4-FFF2-40B4-BE49-F238E27FC236}">
+                  <a16:creationId xmlns:a16="http://schemas.microsoft.com/office/drawing/2014/main" id="{983446C5-A46D-944E-C214-CA235CC83ECE}"/>
+                </a:ext>
+              </a:extLst>
+            </p:cNvPr>
+            <p:cNvSpPr txBox="1"/>
+            <p:nvPr/>
+          </p:nvSpPr>
+          <p:spPr>
+            <a:xfrm>
+              <a:off x="4695045" y="1719220"/>
+              <a:ext cx="2553476" cy="707886"/>
+            </a:xfrm>
+            <a:prstGeom prst="rect">
+              <a:avLst/>
+            </a:prstGeom>
+            <a:noFill/>
+          </p:spPr>
+          <p:txBody>
+            <a:bodyPr wrap="square" rtlCol="0">
+              <a:spAutoFit/>
+            </a:bodyPr>
+            <a:lstStyle/>
+            <a:p>
+              <a:r>
+                <a:rPr lang="it-CH" sz="2000" dirty="0"/>
+                <a:t>Tel: 079 222 22 22</a:t>
+              </a:r>
+              <a:br>
+                <a:rPr lang="it-CH" sz="2000" dirty="0"/>
+              </a:br>
+              <a:r>
+                <a:rPr lang="it-CH" sz="2000" dirty="0"/>
+                <a:t>@: blabla@gmail.com</a:t>
+              </a:r>
+            </a:p>
+          </p:txBody>
+        </p:sp>
+        <p:sp>
+          <p:nvSpPr>
+            <p:cNvPr id="55" name="TextBox 54">
+              <a:extLst>
+                <a:ext uri="{FF2B5EF4-FFF2-40B4-BE49-F238E27FC236}">
+                  <a16:creationId xmlns:a16="http://schemas.microsoft.com/office/drawing/2014/main" id="{797FDFEE-E257-2F3C-7A6A-66CA39C4961C}"/>
+                </a:ext>
+              </a:extLst>
+            </p:cNvPr>
+            <p:cNvSpPr txBox="1"/>
+            <p:nvPr/>
+          </p:nvSpPr>
+          <p:spPr>
+            <a:xfrm>
+              <a:off x="2780329" y="2892001"/>
+              <a:ext cx="2553476" cy="1323439"/>
+            </a:xfrm>
+            <a:prstGeom prst="rect">
+              <a:avLst/>
+            </a:prstGeom>
+            <a:noFill/>
+          </p:spPr>
+          <p:txBody>
+            <a:bodyPr wrap="square" rtlCol="0">
+              <a:spAutoFit/>
+            </a:bodyPr>
+            <a:lstStyle/>
+            <a:p>
+              <a:r>
+                <a:rPr lang="it-CH" sz="2000" b="1" dirty="0"/>
+                <a:t>Partenza</a:t>
+              </a:r>
+            </a:p>
+            <a:p>
+              <a:endParaRPr lang="it-CH" sz="2000" dirty="0"/>
+            </a:p>
+            <a:p>
+              <a:r>
+                <a:rPr lang="it-CH" sz="2000" dirty="0"/>
+                <a:t>Via gola di lago 2</a:t>
+              </a:r>
+            </a:p>
+            <a:p>
+              <a:r>
+                <a:rPr lang="it-CH" sz="2000" dirty="0"/>
+                <a:t>6900 Lugano</a:t>
+              </a:r>
+            </a:p>
+          </p:txBody>
+        </p:sp>
+        <p:sp>
+          <p:nvSpPr>
+            <p:cNvPr id="57" name="TextBox 56">
+              <a:extLst>
+                <a:ext uri="{FF2B5EF4-FFF2-40B4-BE49-F238E27FC236}">
+                  <a16:creationId xmlns:a16="http://schemas.microsoft.com/office/drawing/2014/main" id="{E32DFB29-AEF4-1084-B984-E064A90DE7BD}"/>
+                </a:ext>
+              </a:extLst>
+            </p:cNvPr>
+            <p:cNvSpPr txBox="1"/>
+            <p:nvPr/>
+          </p:nvSpPr>
+          <p:spPr>
+            <a:xfrm>
+              <a:off x="5227477" y="2878645"/>
+              <a:ext cx="2553476" cy="1323439"/>
+            </a:xfrm>
+            <a:prstGeom prst="rect">
+              <a:avLst/>
+            </a:prstGeom>
+            <a:noFill/>
+          </p:spPr>
+          <p:txBody>
+            <a:bodyPr wrap="square" rtlCol="0">
+              <a:spAutoFit/>
+            </a:bodyPr>
+            <a:lstStyle/>
+            <a:p>
+              <a:r>
+                <a:rPr lang="it-CH" sz="2000" b="1" dirty="0"/>
+                <a:t>Arrivo</a:t>
+              </a:r>
+              <a:r>
+                <a:rPr lang="it-CH" sz="2000" dirty="0"/>
+                <a:t>:</a:t>
+              </a:r>
+            </a:p>
+            <a:p>
+              <a:endParaRPr lang="it-CH" sz="2000" dirty="0"/>
+            </a:p>
+            <a:p>
+              <a:r>
+                <a:rPr lang="it-CH" sz="2000" dirty="0"/>
+                <a:t>Rue </a:t>
+              </a:r>
+              <a:r>
+                <a:rPr lang="it-CH" sz="2000" dirty="0" err="1"/>
+                <a:t>du</a:t>
+              </a:r>
+              <a:r>
+                <a:rPr lang="it-CH" sz="2000" dirty="0"/>
+                <a:t> </a:t>
+              </a:r>
+              <a:r>
+                <a:rPr lang="it-CH" sz="2000" dirty="0" err="1"/>
+                <a:t>lac</a:t>
+              </a:r>
+              <a:r>
+                <a:rPr lang="it-CH" sz="2000" dirty="0"/>
+                <a:t> </a:t>
+              </a:r>
+            </a:p>
+            <a:p>
+              <a:r>
+                <a:rPr lang="it-CH" sz="2000" dirty="0"/>
+                <a:t>2000 Ginevra</a:t>
+              </a:r>
+            </a:p>
+          </p:txBody>
+        </p:sp>
+      </p:grpSp>
     </p:spTree>
     <p:extLst>
       <p:ext uri="{BB962C8B-B14F-4D97-AF65-F5344CB8AC3E}">
-        <p14:creationId xmlns:p14="http://schemas.microsoft.com/office/powerpoint/2010/main" val="602514189"/>
+        <p14:creationId xmlns:p14="http://schemas.microsoft.com/office/powerpoint/2010/main" val="1875455272"/>
       </p:ext>
     </p:extLst>
   </p:cSld>
@@ -4933,7 +6985,7 @@
 </p:sld>
 </file>
 
-<file path=ppt/slides/slide2.xml><?xml version="1.0" encoding="utf-8"?>
+<file path=ppt/slides/slide3.xml><?xml version="1.0" encoding="utf-8"?>
 <p:sld xmlns:a="http://schemas.openxmlformats.org/drawingml/2006/main" xmlns:r="http://schemas.openxmlformats.org/officeDocument/2006/relationships" xmlns:p="http://schemas.openxmlformats.org/presentationml/2006/main">
   <p:cSld>
     <p:spTree>
@@ -5300,12 +7352,17 @@
         </p:nvSpPr>
         <p:spPr>
           <a:xfrm>
-            <a:off x="2575249" y="998376"/>
+            <a:off x="2576805" y="998376"/>
             <a:ext cx="6941974" cy="5808305"/>
           </a:xfrm>
           <a:prstGeom prst="rect">
             <a:avLst/>
           </a:prstGeom>
+          <a:solidFill>
+            <a:schemeClr val="bg2">
+              <a:lumMod val="75000"/>
+            </a:schemeClr>
+          </a:solidFill>
         </p:spPr>
         <p:style>
           <a:lnRef idx="2">
@@ -5347,9 +7404,9 @@
         <p:grpSpPr>
           <a:xfrm>
             <a:off x="2746310" y="1175657"/>
-            <a:ext cx="6699380" cy="1875453"/>
+            <a:ext cx="6842450" cy="2079654"/>
             <a:chOff x="2746310" y="1175657"/>
-            <a:chExt cx="6699380" cy="1875453"/>
+            <a:chExt cx="6842450" cy="1875453"/>
           </a:xfrm>
         </p:grpSpPr>
         <p:sp>
@@ -5410,7 +7467,7 @@
           </p:nvSpPr>
           <p:spPr>
             <a:xfrm>
-              <a:off x="2746310" y="1194707"/>
+              <a:off x="2889380" y="1210066"/>
               <a:ext cx="6699380" cy="307777"/>
             </a:xfrm>
             <a:prstGeom prst="rect">
@@ -5473,8 +7530,8 @@
         </p:nvSpPr>
         <p:spPr>
           <a:xfrm>
-            <a:off x="2743366" y="3159727"/>
-            <a:ext cx="6556310" cy="3608875"/>
+            <a:off x="2743366" y="3443651"/>
+            <a:ext cx="6556310" cy="3324951"/>
           </a:xfrm>
           <a:prstGeom prst="roundRect">
             <a:avLst/>
@@ -5518,10 +7575,16 @@
         <p:grpSpPr>
           <a:xfrm>
             <a:off x="2847391" y="1552252"/>
-            <a:ext cx="6354147" cy="1368230"/>
+            <a:ext cx="6354147" cy="1629098"/>
             <a:chOff x="2836506" y="3610947"/>
             <a:chExt cx="6354147" cy="528200"/>
           </a:xfrm>
+          <a:solidFill>
+            <a:schemeClr val="accent6">
+              <a:lumMod val="40000"/>
+              <a:lumOff val="60000"/>
+            </a:schemeClr>
+          </a:solidFill>
         </p:grpSpPr>
         <p:sp>
           <p:nvSpPr>
@@ -5543,6 +7606,7 @@
             <a:prstGeom prst="roundRect">
               <a:avLst/>
             </a:prstGeom>
+            <a:grpFill/>
           </p:spPr>
           <p:style>
             <a:lnRef idx="2">
@@ -5583,13 +7647,13 @@
           </p:nvSpPr>
           <p:spPr>
             <a:xfrm>
-              <a:off x="3790479" y="3667570"/>
-              <a:ext cx="1614196" cy="369332"/>
+              <a:off x="3082316" y="3875047"/>
+              <a:ext cx="1875227" cy="249514"/>
             </a:xfrm>
             <a:prstGeom prst="rect">
               <a:avLst/>
             </a:prstGeom>
-            <a:noFill/>
+            <a:grpFill/>
           </p:spPr>
           <p:txBody>
             <a:bodyPr wrap="square" rtlCol="0">
@@ -5601,114 +7665,11 @@
                 <a:rPr lang="fr-CH" dirty="0"/>
                 <a:t>Marco Rossi</a:t>
               </a:r>
-              <a:endParaRPr lang="it-IT" dirty="0"/>
-            </a:p>
-          </p:txBody>
-        </p:sp>
-        <p:pic>
-          <p:nvPicPr>
-            <p:cNvPr id="43" name="Elemento grafico 42">
-              <a:extLst>
-                <a:ext uri="{FF2B5EF4-FFF2-40B4-BE49-F238E27FC236}">
-                  <a16:creationId xmlns:a16="http://schemas.microsoft.com/office/drawing/2014/main" id="{13F71DCD-48EA-12C9-5314-48D2637CB39D}"/>
-                </a:ext>
-              </a:extLst>
-            </p:cNvPr>
-            <p:cNvPicPr>
-              <a:picLocks noChangeAspect="1"/>
-            </p:cNvPicPr>
-            <p:nvPr/>
-          </p:nvPicPr>
-          <p:blipFill>
-            <a:blip r:embed="rId2">
-              <a:extLst>
-                <a:ext uri="{28A0092B-C50C-407E-A947-70E740481C1C}">
-                  <a14:useLocalDpi xmlns:a14="http://schemas.microsoft.com/office/drawing/2010/main" val="0"/>
-                </a:ext>
-                <a:ext uri="{96DAC541-7B7A-43D3-8B79-37D633B846F1}">
-                  <asvg:svgBlip xmlns:asvg="http://schemas.microsoft.com/office/drawing/2016/SVG/main" r:embed="rId3"/>
-                </a:ext>
-              </a:extLst>
-            </a:blip>
-            <a:stretch>
-              <a:fillRect/>
-            </a:stretch>
-          </p:blipFill>
-          <p:spPr>
-            <a:xfrm>
-              <a:off x="2910985" y="3652878"/>
-              <a:ext cx="713796" cy="435404"/>
-            </a:xfrm>
-            <a:prstGeom prst="rect">
-              <a:avLst/>
-            </a:prstGeom>
-          </p:spPr>
-        </p:pic>
-        <p:sp>
-          <p:nvSpPr>
-            <p:cNvPr id="44" name="CasellaDiTesto 43">
-              <a:extLst>
-                <a:ext uri="{FF2B5EF4-FFF2-40B4-BE49-F238E27FC236}">
-                  <a16:creationId xmlns:a16="http://schemas.microsoft.com/office/drawing/2014/main" id="{2DE2B389-7C1D-4160-DB0F-C79CB3A2A16D}"/>
-                </a:ext>
-              </a:extLst>
-            </p:cNvPr>
-            <p:cNvSpPr txBox="1"/>
-            <p:nvPr/>
-          </p:nvSpPr>
-          <p:spPr>
-            <a:xfrm>
-              <a:off x="5480874" y="3667527"/>
-              <a:ext cx="3497427" cy="356448"/>
-            </a:xfrm>
-            <a:prstGeom prst="rect">
-              <a:avLst/>
-            </a:prstGeom>
-            <a:noFill/>
-          </p:spPr>
-          <p:txBody>
-            <a:bodyPr wrap="square" rtlCol="0">
-              <a:spAutoFit/>
-            </a:bodyPr>
-            <a:lstStyle/>
-            <a:p>
-              <a:r>
-                <a:rPr lang="fr-CH" dirty="0"/>
-                <a:t>da Lugano a Ginevra</a:t>
-              </a:r>
             </a:p>
             <a:p>
               <a:r>
                 <a:rPr lang="fr-CH" dirty="0"/>
-                <a:t>Via </a:t>
-              </a:r>
-              <a:r>
-                <a:rPr lang="fr-CH" dirty="0" err="1"/>
-                <a:t>Soldati</a:t>
-              </a:r>
-              <a:r>
-                <a:rPr lang="fr-CH"/>
-                <a:t> 1</a:t>
-              </a:r>
-            </a:p>
-            <a:p>
-              <a:r>
-                <a:rPr lang="fr-CH">
-                  <a:sym typeface="Wingdings" panose="05000000000000000000" pitchFamily="2" charset="2"/>
-                </a:rPr>
-                <a:t>La </a:t>
-              </a:r>
-              <a:r>
-                <a:rPr lang="fr-CH" dirty="0">
-                  <a:sym typeface="Wingdings" panose="05000000000000000000" pitchFamily="2" charset="2"/>
-                </a:rPr>
-                <a:t>Vie de Buon </a:t>
-              </a:r>
-              <a:r>
-                <a:rPr lang="fr-CH" dirty="0" err="1">
-                  <a:sym typeface="Wingdings" panose="05000000000000000000" pitchFamily="2" charset="2"/>
-                </a:rPr>
-                <a:t>Vojage</a:t>
+                <a:t>N° 079 122 22 22</a:t>
               </a:r>
               <a:endParaRPr lang="it-IT" dirty="0"/>
             </a:p>
@@ -5730,21 +7691,149 @@
           <p:nvPr/>
         </p:nvPicPr>
         <p:blipFill>
-          <a:blip r:embed="rId4"/>
+          <a:blip r:embed="rId2"/>
           <a:stretch>
             <a:fillRect/>
           </a:stretch>
         </p:blipFill>
         <p:spPr>
           <a:xfrm>
-            <a:off x="3275045" y="3159726"/>
-            <a:ext cx="5477069" cy="3608875"/>
+            <a:off x="2743366" y="3427705"/>
+            <a:ext cx="6581025" cy="3327422"/>
+          </a:xfrm>
+          <a:prstGeom prst="roundRect">
+            <a:avLst>
+              <a:gd name="adj" fmla="val 8594"/>
+            </a:avLst>
+          </a:prstGeom>
+          <a:solidFill>
+            <a:srgbClr val="FFFFFF">
+              <a:shade val="85000"/>
+            </a:srgbClr>
+          </a:solidFill>
+          <a:ln>
+            <a:noFill/>
+          </a:ln>
+          <a:effectLst>
+            <a:reflection blurRad="12700" stA="38000" endPos="28000" dist="5000" dir="5400000" sy="-100000" algn="bl" rotWithShape="0"/>
+          </a:effectLst>
+        </p:spPr>
+      </p:pic>
+      <p:sp>
+        <p:nvSpPr>
+          <p:cNvPr id="2" name="TextBox 1">
+            <a:extLst>
+              <a:ext uri="{FF2B5EF4-FFF2-40B4-BE49-F238E27FC236}">
+                <a16:creationId xmlns:a16="http://schemas.microsoft.com/office/drawing/2014/main" id="{C4FBE5A3-C92C-B571-4AFC-11EFA532CF49}"/>
+              </a:ext>
+            </a:extLst>
+          </p:cNvPr>
+          <p:cNvSpPr txBox="1"/>
+          <p:nvPr/>
+        </p:nvSpPr>
+        <p:spPr>
+          <a:xfrm>
+            <a:off x="4983980" y="1766636"/>
+            <a:ext cx="1906248" cy="1200329"/>
           </a:xfrm>
           <a:prstGeom prst="rect">
             <a:avLst/>
           </a:prstGeom>
+          <a:noFill/>
         </p:spPr>
-      </p:pic>
+        <p:txBody>
+          <a:bodyPr wrap="square" rtlCol="0">
+            <a:spAutoFit/>
+          </a:bodyPr>
+          <a:lstStyle/>
+          <a:p>
+            <a:r>
+              <a:rPr lang="it-CH" dirty="0"/>
+              <a:t>Partenza:</a:t>
+            </a:r>
+          </a:p>
+          <a:p>
+            <a:br>
+              <a:rPr lang="it-CH" dirty="0"/>
+            </a:br>
+            <a:r>
+              <a:rPr lang="it-CH" dirty="0"/>
+              <a:t>Via gola di Lago 2</a:t>
+            </a:r>
+            <a:br>
+              <a:rPr lang="it-CH" dirty="0"/>
+            </a:br>
+            <a:r>
+              <a:rPr lang="it-CH" dirty="0"/>
+              <a:t>6900 Lugano</a:t>
+            </a:r>
+          </a:p>
+        </p:txBody>
+      </p:sp>
+      <p:sp>
+        <p:nvSpPr>
+          <p:cNvPr id="3" name="TextBox 2">
+            <a:extLst>
+              <a:ext uri="{FF2B5EF4-FFF2-40B4-BE49-F238E27FC236}">
+                <a16:creationId xmlns:a16="http://schemas.microsoft.com/office/drawing/2014/main" id="{8D3EAC3D-E8FF-F7A1-4672-80A98B4EC647}"/>
+              </a:ext>
+            </a:extLst>
+          </p:cNvPr>
+          <p:cNvSpPr txBox="1"/>
+          <p:nvPr/>
+        </p:nvSpPr>
+        <p:spPr>
+          <a:xfrm>
+            <a:off x="6975758" y="1669907"/>
+            <a:ext cx="1947266" cy="1200329"/>
+          </a:xfrm>
+          <a:prstGeom prst="rect">
+            <a:avLst/>
+          </a:prstGeom>
+          <a:noFill/>
+        </p:spPr>
+        <p:txBody>
+          <a:bodyPr wrap="square" rtlCol="0">
+            <a:spAutoFit/>
+          </a:bodyPr>
+          <a:lstStyle/>
+          <a:p>
+            <a:r>
+              <a:rPr lang="it-CH" dirty="0"/>
+              <a:t>Destinazione:</a:t>
+            </a:r>
+            <a:br>
+              <a:rPr lang="it-CH" dirty="0"/>
+            </a:br>
+            <a:br>
+              <a:rPr lang="it-CH" dirty="0"/>
+            </a:br>
+            <a:r>
+              <a:rPr lang="it-CH" dirty="0"/>
+              <a:t>Rue </a:t>
+            </a:r>
+            <a:r>
+              <a:rPr lang="it-CH" dirty="0" err="1"/>
+              <a:t>du</a:t>
+            </a:r>
+            <a:r>
+              <a:rPr lang="it-CH" dirty="0"/>
+              <a:t> </a:t>
+            </a:r>
+            <a:r>
+              <a:rPr lang="it-CH" dirty="0" err="1"/>
+              <a:t>Lac</a:t>
+            </a:r>
+            <a:br>
+              <a:rPr lang="it-CH" dirty="0"/>
+            </a:br>
+            <a:r>
+              <a:rPr lang="it-CH" dirty="0"/>
+              <a:t>2000 Ginevra</a:t>
+            </a:r>
+          </a:p>
+        </p:txBody>
+      </p:sp>
     </p:spTree>
     <p:extLst>
       <p:ext uri="{BB962C8B-B14F-4D97-AF65-F5344CB8AC3E}">

--- a/Mockup Taxi App.pptx
+++ b/Mockup Taxi App.pptx
@@ -8,6 +8,8 @@
     <p:sldId id="256" r:id="rId2"/>
     <p:sldId id="258" r:id="rId3"/>
     <p:sldId id="257" r:id="rId4"/>
+    <p:sldId id="259" r:id="rId5"/>
+    <p:sldId id="260" r:id="rId6"/>
   </p:sldIdLst>
   <p:sldSz cx="12192000" cy="6858000"/>
   <p:notesSz cx="6858000" cy="9144000"/>
@@ -261,7 +263,7 @@
           <a:p>
             <a:fld id="{7D15163F-9026-4C56-92CB-638049DB4569}" type="datetimeFigureOut">
               <a:rPr lang="it-IT" smtClean="0"/>
-              <a:t>31/01/2023</a:t>
+              <a:t>01/02/2023</a:t>
             </a:fld>
             <a:endParaRPr lang="it-IT"/>
           </a:p>
@@ -315,7 +317,7 @@
           <a:p>
             <a:fld id="{032CCB61-53DC-447F-9D8D-B2937183EE2C}" type="slidenum">
               <a:rPr lang="it-IT" smtClean="0"/>
-              <a:t>‹#›</a:t>
+              <a:t>‹N›</a:t>
             </a:fld>
             <a:endParaRPr lang="it-IT"/>
           </a:p>
@@ -459,7 +461,7 @@
           <a:p>
             <a:fld id="{7D15163F-9026-4C56-92CB-638049DB4569}" type="datetimeFigureOut">
               <a:rPr lang="it-IT" smtClean="0"/>
-              <a:t>31/01/2023</a:t>
+              <a:t>01/02/2023</a:t>
             </a:fld>
             <a:endParaRPr lang="it-IT"/>
           </a:p>
@@ -513,7 +515,7 @@
           <a:p>
             <a:fld id="{032CCB61-53DC-447F-9D8D-B2937183EE2C}" type="slidenum">
               <a:rPr lang="it-IT" smtClean="0"/>
-              <a:t>‹#›</a:t>
+              <a:t>‹N›</a:t>
             </a:fld>
             <a:endParaRPr lang="it-IT"/>
           </a:p>
@@ -667,7 +669,7 @@
           <a:p>
             <a:fld id="{7D15163F-9026-4C56-92CB-638049DB4569}" type="datetimeFigureOut">
               <a:rPr lang="it-IT" smtClean="0"/>
-              <a:t>31/01/2023</a:t>
+              <a:t>01/02/2023</a:t>
             </a:fld>
             <a:endParaRPr lang="it-IT"/>
           </a:p>
@@ -721,7 +723,7 @@
           <a:p>
             <a:fld id="{032CCB61-53DC-447F-9D8D-B2937183EE2C}" type="slidenum">
               <a:rPr lang="it-IT" smtClean="0"/>
-              <a:t>‹#›</a:t>
+              <a:t>‹N›</a:t>
             </a:fld>
             <a:endParaRPr lang="it-IT"/>
           </a:p>
@@ -865,7 +867,7 @@
           <a:p>
             <a:fld id="{7D15163F-9026-4C56-92CB-638049DB4569}" type="datetimeFigureOut">
               <a:rPr lang="it-IT" smtClean="0"/>
-              <a:t>31/01/2023</a:t>
+              <a:t>01/02/2023</a:t>
             </a:fld>
             <a:endParaRPr lang="it-IT"/>
           </a:p>
@@ -919,7 +921,7 @@
           <a:p>
             <a:fld id="{032CCB61-53DC-447F-9D8D-B2937183EE2C}" type="slidenum">
               <a:rPr lang="it-IT" smtClean="0"/>
-              <a:t>‹#›</a:t>
+              <a:t>‹N›</a:t>
             </a:fld>
             <a:endParaRPr lang="it-IT"/>
           </a:p>
@@ -1140,7 +1142,7 @@
           <a:p>
             <a:fld id="{7D15163F-9026-4C56-92CB-638049DB4569}" type="datetimeFigureOut">
               <a:rPr lang="it-IT" smtClean="0"/>
-              <a:t>31/01/2023</a:t>
+              <a:t>01/02/2023</a:t>
             </a:fld>
             <a:endParaRPr lang="it-IT"/>
           </a:p>
@@ -1194,7 +1196,7 @@
           <a:p>
             <a:fld id="{032CCB61-53DC-447F-9D8D-B2937183EE2C}" type="slidenum">
               <a:rPr lang="it-IT" smtClean="0"/>
-              <a:t>‹#›</a:t>
+              <a:t>‹N›</a:t>
             </a:fld>
             <a:endParaRPr lang="it-IT"/>
           </a:p>
@@ -1405,7 +1407,7 @@
           <a:p>
             <a:fld id="{7D15163F-9026-4C56-92CB-638049DB4569}" type="datetimeFigureOut">
               <a:rPr lang="it-IT" smtClean="0"/>
-              <a:t>31/01/2023</a:t>
+              <a:t>01/02/2023</a:t>
             </a:fld>
             <a:endParaRPr lang="it-IT"/>
           </a:p>
@@ -1459,7 +1461,7 @@
           <a:p>
             <a:fld id="{032CCB61-53DC-447F-9D8D-B2937183EE2C}" type="slidenum">
               <a:rPr lang="it-IT" smtClean="0"/>
-              <a:t>‹#›</a:t>
+              <a:t>‹N›</a:t>
             </a:fld>
             <a:endParaRPr lang="it-IT"/>
           </a:p>
@@ -1817,7 +1819,7 @@
           <a:p>
             <a:fld id="{7D15163F-9026-4C56-92CB-638049DB4569}" type="datetimeFigureOut">
               <a:rPr lang="it-IT" smtClean="0"/>
-              <a:t>31/01/2023</a:t>
+              <a:t>01/02/2023</a:t>
             </a:fld>
             <a:endParaRPr lang="it-IT"/>
           </a:p>
@@ -1871,7 +1873,7 @@
           <a:p>
             <a:fld id="{032CCB61-53DC-447F-9D8D-B2937183EE2C}" type="slidenum">
               <a:rPr lang="it-IT" smtClean="0"/>
-              <a:t>‹#›</a:t>
+              <a:t>‹N›</a:t>
             </a:fld>
             <a:endParaRPr lang="it-IT"/>
           </a:p>
@@ -1958,7 +1960,7 @@
           <a:p>
             <a:fld id="{7D15163F-9026-4C56-92CB-638049DB4569}" type="datetimeFigureOut">
               <a:rPr lang="it-IT" smtClean="0"/>
-              <a:t>31/01/2023</a:t>
+              <a:t>01/02/2023</a:t>
             </a:fld>
             <a:endParaRPr lang="it-IT"/>
           </a:p>
@@ -2012,7 +2014,7 @@
           <a:p>
             <a:fld id="{032CCB61-53DC-447F-9D8D-B2937183EE2C}" type="slidenum">
               <a:rPr lang="it-IT" smtClean="0"/>
-              <a:t>‹#›</a:t>
+              <a:t>‹N›</a:t>
             </a:fld>
             <a:endParaRPr lang="it-IT"/>
           </a:p>
@@ -2071,7 +2073,7 @@
           <a:p>
             <a:fld id="{7D15163F-9026-4C56-92CB-638049DB4569}" type="datetimeFigureOut">
               <a:rPr lang="it-IT" smtClean="0"/>
-              <a:t>31/01/2023</a:t>
+              <a:t>01/02/2023</a:t>
             </a:fld>
             <a:endParaRPr lang="it-IT"/>
           </a:p>
@@ -2125,7 +2127,7 @@
           <a:p>
             <a:fld id="{032CCB61-53DC-447F-9D8D-B2937183EE2C}" type="slidenum">
               <a:rPr lang="it-IT" smtClean="0"/>
-              <a:t>‹#›</a:t>
+              <a:t>‹N›</a:t>
             </a:fld>
             <a:endParaRPr lang="it-IT"/>
           </a:p>
@@ -2382,7 +2384,7 @@
           <a:p>
             <a:fld id="{7D15163F-9026-4C56-92CB-638049DB4569}" type="datetimeFigureOut">
               <a:rPr lang="it-IT" smtClean="0"/>
-              <a:t>31/01/2023</a:t>
+              <a:t>01/02/2023</a:t>
             </a:fld>
             <a:endParaRPr lang="it-IT"/>
           </a:p>
@@ -2436,7 +2438,7 @@
           <a:p>
             <a:fld id="{032CCB61-53DC-447F-9D8D-B2937183EE2C}" type="slidenum">
               <a:rPr lang="it-IT" smtClean="0"/>
-              <a:t>‹#›</a:t>
+              <a:t>‹N›</a:t>
             </a:fld>
             <a:endParaRPr lang="it-IT"/>
           </a:p>
@@ -2670,7 +2672,7 @@
           <a:p>
             <a:fld id="{7D15163F-9026-4C56-92CB-638049DB4569}" type="datetimeFigureOut">
               <a:rPr lang="it-IT" smtClean="0"/>
-              <a:t>31/01/2023</a:t>
+              <a:t>01/02/2023</a:t>
             </a:fld>
             <a:endParaRPr lang="it-IT"/>
           </a:p>
@@ -2724,7 +2726,7 @@
           <a:p>
             <a:fld id="{032CCB61-53DC-447F-9D8D-B2937183EE2C}" type="slidenum">
               <a:rPr lang="it-IT" smtClean="0"/>
-              <a:t>‹#›</a:t>
+              <a:t>‹N›</a:t>
             </a:fld>
             <a:endParaRPr lang="it-IT"/>
           </a:p>
@@ -2911,7 +2913,7 @@
           <a:p>
             <a:fld id="{7D15163F-9026-4C56-92CB-638049DB4569}" type="datetimeFigureOut">
               <a:rPr lang="it-IT" smtClean="0"/>
-              <a:t>31/01/2023</a:t>
+              <a:t>01/02/2023</a:t>
             </a:fld>
             <a:endParaRPr lang="it-IT"/>
           </a:p>
@@ -3001,7 +3003,7 @@
           <a:p>
             <a:fld id="{032CCB61-53DC-447F-9D8D-B2937183EE2C}" type="slidenum">
               <a:rPr lang="it-IT" smtClean="0"/>
-              <a:t>‹#›</a:t>
+              <a:t>‹N›</a:t>
             </a:fld>
             <a:endParaRPr lang="it-IT"/>
           </a:p>
@@ -7847,6 +7849,1189 @@
 </p:sld>
 </file>
 
+<file path=ppt/slides/slide4.xml><?xml version="1.0" encoding="utf-8"?>
+<p:sld xmlns:a="http://schemas.openxmlformats.org/drawingml/2006/main" xmlns:r="http://schemas.openxmlformats.org/officeDocument/2006/relationships" xmlns:p="http://schemas.openxmlformats.org/presentationml/2006/main">
+  <p:cSld>
+    <p:spTree>
+      <p:nvGrpSpPr>
+        <p:cNvPr id="1" name=""/>
+        <p:cNvGrpSpPr/>
+        <p:nvPr/>
+      </p:nvGrpSpPr>
+      <p:grpSpPr>
+        <a:xfrm>
+          <a:off x="0" y="0"/>
+          <a:ext cx="0" cy="0"/>
+          <a:chOff x="0" y="0"/>
+          <a:chExt cx="0" cy="0"/>
+        </a:xfrm>
+      </p:grpSpPr>
+      <p:sp>
+        <p:nvSpPr>
+          <p:cNvPr id="4" name="Rettangolo con angoli arrotondati 3">
+            <a:extLst>
+              <a:ext uri="{FF2B5EF4-FFF2-40B4-BE49-F238E27FC236}">
+                <a16:creationId xmlns:a16="http://schemas.microsoft.com/office/drawing/2014/main" id="{EB549CAA-1512-4B11-3F16-47D364093B2B}"/>
+              </a:ext>
+            </a:extLst>
+          </p:cNvPr>
+          <p:cNvSpPr/>
+          <p:nvPr/>
+        </p:nvSpPr>
+        <p:spPr>
+          <a:xfrm>
+            <a:off x="2957804" y="1063690"/>
+            <a:ext cx="6363478" cy="4385388"/>
+          </a:xfrm>
+          <a:prstGeom prst="roundRect">
+            <a:avLst/>
+          </a:prstGeom>
+        </p:spPr>
+        <p:style>
+          <a:lnRef idx="2">
+            <a:schemeClr val="accent1">
+              <a:shade val="50000"/>
+            </a:schemeClr>
+          </a:lnRef>
+          <a:fillRef idx="1">
+            <a:schemeClr val="accent1"/>
+          </a:fillRef>
+          <a:effectRef idx="0">
+            <a:schemeClr val="accent1"/>
+          </a:effectRef>
+          <a:fontRef idx="minor">
+            <a:schemeClr val="lt1"/>
+          </a:fontRef>
+        </p:style>
+        <p:txBody>
+          <a:bodyPr rtlCol="0" anchor="ctr"/>
+          <a:lstStyle/>
+          <a:p>
+            <a:pPr algn="ctr"/>
+            <a:endParaRPr lang="it-IT" dirty="0"/>
+          </a:p>
+        </p:txBody>
+      </p:sp>
+      <p:sp>
+        <p:nvSpPr>
+          <p:cNvPr id="5" name="CasellaDiTesto 4">
+            <a:extLst>
+              <a:ext uri="{FF2B5EF4-FFF2-40B4-BE49-F238E27FC236}">
+                <a16:creationId xmlns:a16="http://schemas.microsoft.com/office/drawing/2014/main" id="{DD42ECDA-0788-5DDD-6E1D-B3EE46ACC99D}"/>
+              </a:ext>
+            </a:extLst>
+          </p:cNvPr>
+          <p:cNvSpPr txBox="1"/>
+          <p:nvPr/>
+        </p:nvSpPr>
+        <p:spPr>
+          <a:xfrm>
+            <a:off x="3452327" y="1063690"/>
+            <a:ext cx="2258008" cy="646331"/>
+          </a:xfrm>
+          <a:prstGeom prst="rect">
+            <a:avLst/>
+          </a:prstGeom>
+          <a:noFill/>
+        </p:spPr>
+        <p:txBody>
+          <a:bodyPr wrap="square" rtlCol="0">
+            <a:spAutoFit/>
+          </a:bodyPr>
+          <a:lstStyle/>
+          <a:p>
+            <a:r>
+              <a:rPr lang="it-IT" sz="3600" dirty="0">
+                <a:solidFill>
+                  <a:schemeClr val="bg1"/>
+                </a:solidFill>
+              </a:rPr>
+              <a:t>Login</a:t>
+            </a:r>
+            <a:endParaRPr lang="it-IT" dirty="0">
+              <a:solidFill>
+                <a:schemeClr val="bg1"/>
+              </a:solidFill>
+            </a:endParaRPr>
+          </a:p>
+        </p:txBody>
+      </p:sp>
+      <p:sp>
+        <p:nvSpPr>
+          <p:cNvPr id="6" name="CasellaDiTesto 5">
+            <a:extLst>
+              <a:ext uri="{FF2B5EF4-FFF2-40B4-BE49-F238E27FC236}">
+                <a16:creationId xmlns:a16="http://schemas.microsoft.com/office/drawing/2014/main" id="{CA43B96A-478C-4AF7-9A6A-31ED4A875D58}"/>
+              </a:ext>
+            </a:extLst>
+          </p:cNvPr>
+          <p:cNvSpPr txBox="1"/>
+          <p:nvPr/>
+        </p:nvSpPr>
+        <p:spPr>
+          <a:xfrm>
+            <a:off x="3452327" y="2429070"/>
+            <a:ext cx="2258008" cy="400110"/>
+          </a:xfrm>
+          <a:prstGeom prst="rect">
+            <a:avLst/>
+          </a:prstGeom>
+          <a:noFill/>
+        </p:spPr>
+        <p:txBody>
+          <a:bodyPr wrap="square" rtlCol="0">
+            <a:spAutoFit/>
+          </a:bodyPr>
+          <a:lstStyle/>
+          <a:p>
+            <a:r>
+              <a:rPr lang="it-IT" sz="2000" dirty="0">
+                <a:solidFill>
+                  <a:schemeClr val="bg1"/>
+                </a:solidFill>
+              </a:rPr>
+              <a:t>Username</a:t>
+            </a:r>
+            <a:endParaRPr lang="it-IT" sz="1100" dirty="0">
+              <a:solidFill>
+                <a:schemeClr val="bg1"/>
+              </a:solidFill>
+            </a:endParaRPr>
+          </a:p>
+        </p:txBody>
+      </p:sp>
+      <p:sp>
+        <p:nvSpPr>
+          <p:cNvPr id="7" name="Rettangolo con angoli arrotondati 6">
+            <a:extLst>
+              <a:ext uri="{FF2B5EF4-FFF2-40B4-BE49-F238E27FC236}">
+                <a16:creationId xmlns:a16="http://schemas.microsoft.com/office/drawing/2014/main" id="{0DE5787E-1613-B9BE-C1AF-AA3392EEF6E5}"/>
+              </a:ext>
+            </a:extLst>
+          </p:cNvPr>
+          <p:cNvSpPr/>
+          <p:nvPr/>
+        </p:nvSpPr>
+        <p:spPr>
+          <a:xfrm>
+            <a:off x="5001208" y="2429070"/>
+            <a:ext cx="2883159" cy="400110"/>
+          </a:xfrm>
+          <a:prstGeom prst="roundRect">
+            <a:avLst/>
+          </a:prstGeom>
+        </p:spPr>
+        <p:style>
+          <a:lnRef idx="2">
+            <a:schemeClr val="accent6"/>
+          </a:lnRef>
+          <a:fillRef idx="1">
+            <a:schemeClr val="lt1"/>
+          </a:fillRef>
+          <a:effectRef idx="0">
+            <a:schemeClr val="accent6"/>
+          </a:effectRef>
+          <a:fontRef idx="minor">
+            <a:schemeClr val="dk1"/>
+          </a:fontRef>
+        </p:style>
+        <p:txBody>
+          <a:bodyPr rtlCol="0" anchor="ctr"/>
+          <a:lstStyle/>
+          <a:p>
+            <a:pPr algn="ctr"/>
+            <a:r>
+              <a:rPr lang="it-IT" dirty="0"/>
+              <a:t>…………………………………….</a:t>
+            </a:r>
+          </a:p>
+        </p:txBody>
+      </p:sp>
+      <p:sp>
+        <p:nvSpPr>
+          <p:cNvPr id="8" name="CasellaDiTesto 7">
+            <a:extLst>
+              <a:ext uri="{FF2B5EF4-FFF2-40B4-BE49-F238E27FC236}">
+                <a16:creationId xmlns:a16="http://schemas.microsoft.com/office/drawing/2014/main" id="{335D4DB4-3D82-BB7B-E62C-0F4394AE7C3E}"/>
+              </a:ext>
+            </a:extLst>
+          </p:cNvPr>
+          <p:cNvSpPr txBox="1"/>
+          <p:nvPr/>
+        </p:nvSpPr>
+        <p:spPr>
+          <a:xfrm>
+            <a:off x="3452327" y="3234022"/>
+            <a:ext cx="2258008" cy="400110"/>
+          </a:xfrm>
+          <a:prstGeom prst="rect">
+            <a:avLst/>
+          </a:prstGeom>
+          <a:noFill/>
+        </p:spPr>
+        <p:txBody>
+          <a:bodyPr wrap="square" rtlCol="0">
+            <a:spAutoFit/>
+          </a:bodyPr>
+          <a:lstStyle/>
+          <a:p>
+            <a:r>
+              <a:rPr lang="it-IT" sz="2000" dirty="0">
+                <a:solidFill>
+                  <a:schemeClr val="bg1"/>
+                </a:solidFill>
+              </a:rPr>
+              <a:t>Password</a:t>
+            </a:r>
+            <a:endParaRPr lang="it-IT" sz="1100" dirty="0">
+              <a:solidFill>
+                <a:schemeClr val="bg1"/>
+              </a:solidFill>
+            </a:endParaRPr>
+          </a:p>
+        </p:txBody>
+      </p:sp>
+      <p:sp>
+        <p:nvSpPr>
+          <p:cNvPr id="9" name="Rettangolo con angoli arrotondati 8">
+            <a:extLst>
+              <a:ext uri="{FF2B5EF4-FFF2-40B4-BE49-F238E27FC236}">
+                <a16:creationId xmlns:a16="http://schemas.microsoft.com/office/drawing/2014/main" id="{18B00888-176E-BC73-9A38-99D198D267AF}"/>
+              </a:ext>
+            </a:extLst>
+          </p:cNvPr>
+          <p:cNvSpPr/>
+          <p:nvPr/>
+        </p:nvSpPr>
+        <p:spPr>
+          <a:xfrm>
+            <a:off x="5001208" y="3234022"/>
+            <a:ext cx="2883159" cy="400110"/>
+          </a:xfrm>
+          <a:prstGeom prst="roundRect">
+            <a:avLst/>
+          </a:prstGeom>
+        </p:spPr>
+        <p:style>
+          <a:lnRef idx="2">
+            <a:schemeClr val="accent6"/>
+          </a:lnRef>
+          <a:fillRef idx="1">
+            <a:schemeClr val="lt1"/>
+          </a:fillRef>
+          <a:effectRef idx="0">
+            <a:schemeClr val="accent6"/>
+          </a:effectRef>
+          <a:fontRef idx="minor">
+            <a:schemeClr val="dk1"/>
+          </a:fontRef>
+        </p:style>
+        <p:txBody>
+          <a:bodyPr rtlCol="0" anchor="ctr"/>
+          <a:lstStyle/>
+          <a:p>
+            <a:pPr algn="ctr"/>
+            <a:r>
+              <a:rPr lang="it-IT" dirty="0"/>
+              <a:t>…………………………………….</a:t>
+            </a:r>
+          </a:p>
+        </p:txBody>
+      </p:sp>
+      <p:sp>
+        <p:nvSpPr>
+          <p:cNvPr id="10" name="CasellaDiTesto 9">
+            <a:extLst>
+              <a:ext uri="{FF2B5EF4-FFF2-40B4-BE49-F238E27FC236}">
+                <a16:creationId xmlns:a16="http://schemas.microsoft.com/office/drawing/2014/main" id="{31DF95A3-FF60-468B-DC7E-3CE4E6DF3D44}"/>
+              </a:ext>
+            </a:extLst>
+          </p:cNvPr>
+          <p:cNvSpPr txBox="1"/>
+          <p:nvPr/>
+        </p:nvSpPr>
+        <p:spPr>
+          <a:xfrm>
+            <a:off x="4128795" y="4046301"/>
+            <a:ext cx="4627984" cy="369332"/>
+          </a:xfrm>
+          <a:prstGeom prst="rect">
+            <a:avLst/>
+          </a:prstGeom>
+          <a:noFill/>
+        </p:spPr>
+        <p:txBody>
+          <a:bodyPr wrap="square" rtlCol="0">
+            <a:spAutoFit/>
+          </a:bodyPr>
+          <a:lstStyle/>
+          <a:p>
+            <a:r>
+              <a:rPr lang="it-IT" dirty="0">
+                <a:solidFill>
+                  <a:schemeClr val="bg1"/>
+                </a:solidFill>
+              </a:rPr>
+              <a:t>Non hai ancora un account? </a:t>
+            </a:r>
+            <a:r>
+              <a:rPr lang="it-IT" u="sng" dirty="0">
+                <a:solidFill>
+                  <a:schemeClr val="bg1"/>
+                </a:solidFill>
+              </a:rPr>
+              <a:t>Registrati</a:t>
+            </a:r>
+          </a:p>
+        </p:txBody>
+      </p:sp>
+      <p:sp>
+        <p:nvSpPr>
+          <p:cNvPr id="11" name="CasellaDiTesto 10">
+            <a:extLst>
+              <a:ext uri="{FF2B5EF4-FFF2-40B4-BE49-F238E27FC236}">
+                <a16:creationId xmlns:a16="http://schemas.microsoft.com/office/drawing/2014/main" id="{CA4DC749-C137-F07C-FAD7-30DE55605887}"/>
+              </a:ext>
+            </a:extLst>
+          </p:cNvPr>
+          <p:cNvSpPr txBox="1"/>
+          <p:nvPr/>
+        </p:nvSpPr>
+        <p:spPr>
+          <a:xfrm>
+            <a:off x="102637" y="93306"/>
+            <a:ext cx="3247053" cy="369332"/>
+          </a:xfrm>
+          <a:prstGeom prst="rect">
+            <a:avLst/>
+          </a:prstGeom>
+          <a:noFill/>
+        </p:spPr>
+        <p:txBody>
+          <a:bodyPr wrap="square" rtlCol="0">
+            <a:spAutoFit/>
+          </a:bodyPr>
+          <a:lstStyle/>
+          <a:p>
+            <a:r>
+              <a:rPr lang="it-IT" dirty="0"/>
+              <a:t>www.blabla/login</a:t>
+            </a:r>
+          </a:p>
+        </p:txBody>
+      </p:sp>
+      <p:sp>
+        <p:nvSpPr>
+          <p:cNvPr id="12" name="Rettangolo con angoli arrotondati 11">
+            <a:extLst>
+              <a:ext uri="{FF2B5EF4-FFF2-40B4-BE49-F238E27FC236}">
+                <a16:creationId xmlns:a16="http://schemas.microsoft.com/office/drawing/2014/main" id="{77562FCA-EEAB-D94F-8BB1-8CF4E52DA69B}"/>
+              </a:ext>
+            </a:extLst>
+          </p:cNvPr>
+          <p:cNvSpPr/>
+          <p:nvPr/>
+        </p:nvSpPr>
+        <p:spPr>
+          <a:xfrm>
+            <a:off x="7100596" y="4851253"/>
+            <a:ext cx="1567542" cy="400110"/>
+          </a:xfrm>
+          <a:prstGeom prst="roundRect">
+            <a:avLst/>
+          </a:prstGeom>
+        </p:spPr>
+        <p:style>
+          <a:lnRef idx="2">
+            <a:schemeClr val="accent6">
+              <a:shade val="50000"/>
+            </a:schemeClr>
+          </a:lnRef>
+          <a:fillRef idx="1">
+            <a:schemeClr val="accent6"/>
+          </a:fillRef>
+          <a:effectRef idx="0">
+            <a:schemeClr val="accent6"/>
+          </a:effectRef>
+          <a:fontRef idx="minor">
+            <a:schemeClr val="lt1"/>
+          </a:fontRef>
+        </p:style>
+        <p:txBody>
+          <a:bodyPr rtlCol="0" anchor="ctr"/>
+          <a:lstStyle/>
+          <a:p>
+            <a:pPr algn="ctr"/>
+            <a:r>
+              <a:rPr lang="it-IT" dirty="0"/>
+              <a:t>Accedi</a:t>
+            </a:r>
+          </a:p>
+        </p:txBody>
+      </p:sp>
+    </p:spTree>
+    <p:extLst>
+      <p:ext uri="{BB962C8B-B14F-4D97-AF65-F5344CB8AC3E}">
+        <p14:creationId xmlns:p14="http://schemas.microsoft.com/office/powerpoint/2010/main" val="3150596502"/>
+      </p:ext>
+    </p:extLst>
+  </p:cSld>
+  <p:clrMapOvr>
+    <a:masterClrMapping/>
+  </p:clrMapOvr>
+</p:sld>
+</file>
+
+<file path=ppt/slides/slide5.xml><?xml version="1.0" encoding="utf-8"?>
+<p:sld xmlns:a="http://schemas.openxmlformats.org/drawingml/2006/main" xmlns:r="http://schemas.openxmlformats.org/officeDocument/2006/relationships" xmlns:p="http://schemas.openxmlformats.org/presentationml/2006/main">
+  <p:cSld>
+    <p:spTree>
+      <p:nvGrpSpPr>
+        <p:cNvPr id="1" name=""/>
+        <p:cNvGrpSpPr/>
+        <p:nvPr/>
+      </p:nvGrpSpPr>
+      <p:grpSpPr>
+        <a:xfrm>
+          <a:off x="0" y="0"/>
+          <a:ext cx="0" cy="0"/>
+          <a:chOff x="0" y="0"/>
+          <a:chExt cx="0" cy="0"/>
+        </a:xfrm>
+      </p:grpSpPr>
+      <p:sp>
+        <p:nvSpPr>
+          <p:cNvPr id="4" name="Rettangolo con angoli arrotondati 3">
+            <a:extLst>
+              <a:ext uri="{FF2B5EF4-FFF2-40B4-BE49-F238E27FC236}">
+                <a16:creationId xmlns:a16="http://schemas.microsoft.com/office/drawing/2014/main" id="{EB549CAA-1512-4B11-3F16-47D364093B2B}"/>
+              </a:ext>
+            </a:extLst>
+          </p:cNvPr>
+          <p:cNvSpPr/>
+          <p:nvPr/>
+        </p:nvSpPr>
+        <p:spPr>
+          <a:xfrm>
+            <a:off x="2957804" y="1063690"/>
+            <a:ext cx="6363478" cy="5159828"/>
+          </a:xfrm>
+          <a:prstGeom prst="roundRect">
+            <a:avLst/>
+          </a:prstGeom>
+        </p:spPr>
+        <p:style>
+          <a:lnRef idx="2">
+            <a:schemeClr val="accent1">
+              <a:shade val="50000"/>
+            </a:schemeClr>
+          </a:lnRef>
+          <a:fillRef idx="1">
+            <a:schemeClr val="accent1"/>
+          </a:fillRef>
+          <a:effectRef idx="0">
+            <a:schemeClr val="accent1"/>
+          </a:effectRef>
+          <a:fontRef idx="minor">
+            <a:schemeClr val="lt1"/>
+          </a:fontRef>
+        </p:style>
+        <p:txBody>
+          <a:bodyPr rtlCol="0" anchor="ctr"/>
+          <a:lstStyle/>
+          <a:p>
+            <a:pPr algn="ctr"/>
+            <a:endParaRPr lang="it-IT" dirty="0"/>
+          </a:p>
+        </p:txBody>
+      </p:sp>
+      <p:sp>
+        <p:nvSpPr>
+          <p:cNvPr id="5" name="CasellaDiTesto 4">
+            <a:extLst>
+              <a:ext uri="{FF2B5EF4-FFF2-40B4-BE49-F238E27FC236}">
+                <a16:creationId xmlns:a16="http://schemas.microsoft.com/office/drawing/2014/main" id="{DD42ECDA-0788-5DDD-6E1D-B3EE46ACC99D}"/>
+              </a:ext>
+            </a:extLst>
+          </p:cNvPr>
+          <p:cNvSpPr txBox="1"/>
+          <p:nvPr/>
+        </p:nvSpPr>
+        <p:spPr>
+          <a:xfrm>
+            <a:off x="3452327" y="1063690"/>
+            <a:ext cx="2258008" cy="646331"/>
+          </a:xfrm>
+          <a:prstGeom prst="rect">
+            <a:avLst/>
+          </a:prstGeom>
+          <a:noFill/>
+        </p:spPr>
+        <p:txBody>
+          <a:bodyPr wrap="square" rtlCol="0">
+            <a:spAutoFit/>
+          </a:bodyPr>
+          <a:lstStyle/>
+          <a:p>
+            <a:r>
+              <a:rPr lang="it-IT" sz="3600" dirty="0" err="1">
+                <a:solidFill>
+                  <a:schemeClr val="bg1"/>
+                </a:solidFill>
+              </a:rPr>
+              <a:t>Register</a:t>
+            </a:r>
+            <a:endParaRPr lang="it-IT" dirty="0">
+              <a:solidFill>
+                <a:schemeClr val="bg1"/>
+              </a:solidFill>
+            </a:endParaRPr>
+          </a:p>
+        </p:txBody>
+      </p:sp>
+      <p:sp>
+        <p:nvSpPr>
+          <p:cNvPr id="6" name="CasellaDiTesto 5">
+            <a:extLst>
+              <a:ext uri="{FF2B5EF4-FFF2-40B4-BE49-F238E27FC236}">
+                <a16:creationId xmlns:a16="http://schemas.microsoft.com/office/drawing/2014/main" id="{CA43B96A-478C-4AF7-9A6A-31ED4A875D58}"/>
+              </a:ext>
+            </a:extLst>
+          </p:cNvPr>
+          <p:cNvSpPr txBox="1"/>
+          <p:nvPr/>
+        </p:nvSpPr>
+        <p:spPr>
+          <a:xfrm>
+            <a:off x="3452327" y="2429070"/>
+            <a:ext cx="2258008" cy="400110"/>
+          </a:xfrm>
+          <a:prstGeom prst="rect">
+            <a:avLst/>
+          </a:prstGeom>
+          <a:noFill/>
+        </p:spPr>
+        <p:txBody>
+          <a:bodyPr wrap="square" rtlCol="0">
+            <a:spAutoFit/>
+          </a:bodyPr>
+          <a:lstStyle/>
+          <a:p>
+            <a:r>
+              <a:rPr lang="it-IT" sz="2000" dirty="0">
+                <a:solidFill>
+                  <a:schemeClr val="bg1"/>
+                </a:solidFill>
+              </a:rPr>
+              <a:t>Email</a:t>
+            </a:r>
+            <a:endParaRPr lang="it-IT" sz="1100" dirty="0">
+              <a:solidFill>
+                <a:schemeClr val="bg1"/>
+              </a:solidFill>
+            </a:endParaRPr>
+          </a:p>
+        </p:txBody>
+      </p:sp>
+      <p:sp>
+        <p:nvSpPr>
+          <p:cNvPr id="7" name="Rettangolo con angoli arrotondati 6">
+            <a:extLst>
+              <a:ext uri="{FF2B5EF4-FFF2-40B4-BE49-F238E27FC236}">
+                <a16:creationId xmlns:a16="http://schemas.microsoft.com/office/drawing/2014/main" id="{0DE5787E-1613-B9BE-C1AF-AA3392EEF6E5}"/>
+              </a:ext>
+            </a:extLst>
+          </p:cNvPr>
+          <p:cNvSpPr/>
+          <p:nvPr/>
+        </p:nvSpPr>
+        <p:spPr>
+          <a:xfrm>
+            <a:off x="5579705" y="2429070"/>
+            <a:ext cx="2883159" cy="400110"/>
+          </a:xfrm>
+          <a:prstGeom prst="roundRect">
+            <a:avLst/>
+          </a:prstGeom>
+        </p:spPr>
+        <p:style>
+          <a:lnRef idx="2">
+            <a:schemeClr val="accent6"/>
+          </a:lnRef>
+          <a:fillRef idx="1">
+            <a:schemeClr val="lt1"/>
+          </a:fillRef>
+          <a:effectRef idx="0">
+            <a:schemeClr val="accent6"/>
+          </a:effectRef>
+          <a:fontRef idx="minor">
+            <a:schemeClr val="dk1"/>
+          </a:fontRef>
+        </p:style>
+        <p:txBody>
+          <a:bodyPr rtlCol="0" anchor="ctr"/>
+          <a:lstStyle/>
+          <a:p>
+            <a:pPr algn="ctr"/>
+            <a:r>
+              <a:rPr lang="it-IT" dirty="0"/>
+              <a:t>…………………………………….</a:t>
+            </a:r>
+          </a:p>
+        </p:txBody>
+      </p:sp>
+      <p:sp>
+        <p:nvSpPr>
+          <p:cNvPr id="8" name="CasellaDiTesto 7">
+            <a:extLst>
+              <a:ext uri="{FF2B5EF4-FFF2-40B4-BE49-F238E27FC236}">
+                <a16:creationId xmlns:a16="http://schemas.microsoft.com/office/drawing/2014/main" id="{335D4DB4-3D82-BB7B-E62C-0F4394AE7C3E}"/>
+              </a:ext>
+            </a:extLst>
+          </p:cNvPr>
+          <p:cNvSpPr txBox="1"/>
+          <p:nvPr/>
+        </p:nvSpPr>
+        <p:spPr>
+          <a:xfrm>
+            <a:off x="3452327" y="2995180"/>
+            <a:ext cx="2258008" cy="400110"/>
+          </a:xfrm>
+          <a:prstGeom prst="rect">
+            <a:avLst/>
+          </a:prstGeom>
+          <a:noFill/>
+        </p:spPr>
+        <p:txBody>
+          <a:bodyPr wrap="square" rtlCol="0">
+            <a:spAutoFit/>
+          </a:bodyPr>
+          <a:lstStyle/>
+          <a:p>
+            <a:r>
+              <a:rPr lang="it-IT" sz="2000" dirty="0">
+                <a:solidFill>
+                  <a:schemeClr val="bg1"/>
+                </a:solidFill>
+              </a:rPr>
+              <a:t>Password</a:t>
+            </a:r>
+            <a:endParaRPr lang="it-IT" sz="1100" dirty="0">
+              <a:solidFill>
+                <a:schemeClr val="bg1"/>
+              </a:solidFill>
+            </a:endParaRPr>
+          </a:p>
+        </p:txBody>
+      </p:sp>
+      <p:sp>
+        <p:nvSpPr>
+          <p:cNvPr id="9" name="Rettangolo con angoli arrotondati 8">
+            <a:extLst>
+              <a:ext uri="{FF2B5EF4-FFF2-40B4-BE49-F238E27FC236}">
+                <a16:creationId xmlns:a16="http://schemas.microsoft.com/office/drawing/2014/main" id="{18B00888-176E-BC73-9A38-99D198D267AF}"/>
+              </a:ext>
+            </a:extLst>
+          </p:cNvPr>
+          <p:cNvSpPr/>
+          <p:nvPr/>
+        </p:nvSpPr>
+        <p:spPr>
+          <a:xfrm>
+            <a:off x="5579705" y="2995180"/>
+            <a:ext cx="2883159" cy="400110"/>
+          </a:xfrm>
+          <a:prstGeom prst="roundRect">
+            <a:avLst/>
+          </a:prstGeom>
+        </p:spPr>
+        <p:style>
+          <a:lnRef idx="2">
+            <a:schemeClr val="accent6"/>
+          </a:lnRef>
+          <a:fillRef idx="1">
+            <a:schemeClr val="lt1"/>
+          </a:fillRef>
+          <a:effectRef idx="0">
+            <a:schemeClr val="accent6"/>
+          </a:effectRef>
+          <a:fontRef idx="minor">
+            <a:schemeClr val="dk1"/>
+          </a:fontRef>
+        </p:style>
+        <p:txBody>
+          <a:bodyPr rtlCol="0" anchor="ctr"/>
+          <a:lstStyle/>
+          <a:p>
+            <a:pPr algn="ctr"/>
+            <a:r>
+              <a:rPr lang="it-IT" dirty="0"/>
+              <a:t>…………………………………….</a:t>
+            </a:r>
+          </a:p>
+        </p:txBody>
+      </p:sp>
+      <p:sp>
+        <p:nvSpPr>
+          <p:cNvPr id="11" name="CasellaDiTesto 10">
+            <a:extLst>
+              <a:ext uri="{FF2B5EF4-FFF2-40B4-BE49-F238E27FC236}">
+                <a16:creationId xmlns:a16="http://schemas.microsoft.com/office/drawing/2014/main" id="{CA4DC749-C137-F07C-FAD7-30DE55605887}"/>
+              </a:ext>
+            </a:extLst>
+          </p:cNvPr>
+          <p:cNvSpPr txBox="1"/>
+          <p:nvPr/>
+        </p:nvSpPr>
+        <p:spPr>
+          <a:xfrm>
+            <a:off x="102637" y="93306"/>
+            <a:ext cx="3247053" cy="369332"/>
+          </a:xfrm>
+          <a:prstGeom prst="rect">
+            <a:avLst/>
+          </a:prstGeom>
+          <a:noFill/>
+        </p:spPr>
+        <p:txBody>
+          <a:bodyPr wrap="square" rtlCol="0">
+            <a:spAutoFit/>
+          </a:bodyPr>
+          <a:lstStyle/>
+          <a:p>
+            <a:r>
+              <a:rPr lang="it-IT" dirty="0"/>
+              <a:t>www.blabla/register</a:t>
+            </a:r>
+          </a:p>
+        </p:txBody>
+      </p:sp>
+      <p:sp>
+        <p:nvSpPr>
+          <p:cNvPr id="2" name="CasellaDiTesto 1">
+            <a:extLst>
+              <a:ext uri="{FF2B5EF4-FFF2-40B4-BE49-F238E27FC236}">
+                <a16:creationId xmlns:a16="http://schemas.microsoft.com/office/drawing/2014/main" id="{779380D2-7BE2-C36E-A9C9-D84F21697296}"/>
+              </a:ext>
+            </a:extLst>
+          </p:cNvPr>
+          <p:cNvSpPr txBox="1"/>
+          <p:nvPr/>
+        </p:nvSpPr>
+        <p:spPr>
+          <a:xfrm>
+            <a:off x="3470989" y="1869490"/>
+            <a:ext cx="2258008" cy="400110"/>
+          </a:xfrm>
+          <a:prstGeom prst="rect">
+            <a:avLst/>
+          </a:prstGeom>
+          <a:noFill/>
+        </p:spPr>
+        <p:txBody>
+          <a:bodyPr wrap="square" rtlCol="0">
+            <a:spAutoFit/>
+          </a:bodyPr>
+          <a:lstStyle/>
+          <a:p>
+            <a:r>
+              <a:rPr lang="it-IT" sz="2000" dirty="0">
+                <a:solidFill>
+                  <a:schemeClr val="bg1"/>
+                </a:solidFill>
+              </a:rPr>
+              <a:t>Username</a:t>
+            </a:r>
+            <a:endParaRPr lang="it-IT" sz="1100" dirty="0">
+              <a:solidFill>
+                <a:schemeClr val="bg1"/>
+              </a:solidFill>
+            </a:endParaRPr>
+          </a:p>
+        </p:txBody>
+      </p:sp>
+      <p:sp>
+        <p:nvSpPr>
+          <p:cNvPr id="3" name="Rettangolo con angoli arrotondati 2">
+            <a:extLst>
+              <a:ext uri="{FF2B5EF4-FFF2-40B4-BE49-F238E27FC236}">
+                <a16:creationId xmlns:a16="http://schemas.microsoft.com/office/drawing/2014/main" id="{1636C026-E8C8-C935-0CD5-EE6AEB77DE4C}"/>
+              </a:ext>
+            </a:extLst>
+          </p:cNvPr>
+          <p:cNvSpPr/>
+          <p:nvPr/>
+        </p:nvSpPr>
+        <p:spPr>
+          <a:xfrm>
+            <a:off x="5598367" y="1869490"/>
+            <a:ext cx="2883159" cy="400110"/>
+          </a:xfrm>
+          <a:prstGeom prst="roundRect">
+            <a:avLst/>
+          </a:prstGeom>
+        </p:spPr>
+        <p:style>
+          <a:lnRef idx="2">
+            <a:schemeClr val="accent6"/>
+          </a:lnRef>
+          <a:fillRef idx="1">
+            <a:schemeClr val="lt1"/>
+          </a:fillRef>
+          <a:effectRef idx="0">
+            <a:schemeClr val="accent6"/>
+          </a:effectRef>
+          <a:fontRef idx="minor">
+            <a:schemeClr val="dk1"/>
+          </a:fontRef>
+        </p:style>
+        <p:txBody>
+          <a:bodyPr rtlCol="0" anchor="ctr"/>
+          <a:lstStyle/>
+          <a:p>
+            <a:pPr algn="ctr"/>
+            <a:r>
+              <a:rPr lang="it-IT" dirty="0"/>
+              <a:t>…………………………………….</a:t>
+            </a:r>
+          </a:p>
+        </p:txBody>
+      </p:sp>
+      <p:sp>
+        <p:nvSpPr>
+          <p:cNvPr id="12" name="CasellaDiTesto 11">
+            <a:extLst>
+              <a:ext uri="{FF2B5EF4-FFF2-40B4-BE49-F238E27FC236}">
+                <a16:creationId xmlns:a16="http://schemas.microsoft.com/office/drawing/2014/main" id="{3C0C5A9E-EB6A-D880-555B-702FAE8749BE}"/>
+              </a:ext>
+            </a:extLst>
+          </p:cNvPr>
+          <p:cNvSpPr txBox="1"/>
+          <p:nvPr/>
+        </p:nvSpPr>
+        <p:spPr>
+          <a:xfrm>
+            <a:off x="3470989" y="3561290"/>
+            <a:ext cx="2127378" cy="400110"/>
+          </a:xfrm>
+          <a:prstGeom prst="rect">
+            <a:avLst/>
+          </a:prstGeom>
+          <a:noFill/>
+        </p:spPr>
+        <p:txBody>
+          <a:bodyPr wrap="square" rtlCol="0">
+            <a:spAutoFit/>
+          </a:bodyPr>
+          <a:lstStyle/>
+          <a:p>
+            <a:r>
+              <a:rPr lang="it-IT" sz="2000" dirty="0">
+                <a:solidFill>
+                  <a:schemeClr val="bg1"/>
+                </a:solidFill>
+              </a:rPr>
+              <a:t>Numero Telefono</a:t>
+            </a:r>
+            <a:endParaRPr lang="it-IT" sz="1100" dirty="0">
+              <a:solidFill>
+                <a:schemeClr val="bg1"/>
+              </a:solidFill>
+            </a:endParaRPr>
+          </a:p>
+        </p:txBody>
+      </p:sp>
+      <p:sp>
+        <p:nvSpPr>
+          <p:cNvPr id="13" name="Rettangolo con angoli arrotondati 12">
+            <a:extLst>
+              <a:ext uri="{FF2B5EF4-FFF2-40B4-BE49-F238E27FC236}">
+                <a16:creationId xmlns:a16="http://schemas.microsoft.com/office/drawing/2014/main" id="{BC4C6A86-1144-9466-9E95-98634E5172BC}"/>
+              </a:ext>
+            </a:extLst>
+          </p:cNvPr>
+          <p:cNvSpPr/>
+          <p:nvPr/>
+        </p:nvSpPr>
+        <p:spPr>
+          <a:xfrm>
+            <a:off x="5598367" y="3561290"/>
+            <a:ext cx="2883159" cy="400110"/>
+          </a:xfrm>
+          <a:prstGeom prst="roundRect">
+            <a:avLst/>
+          </a:prstGeom>
+        </p:spPr>
+        <p:style>
+          <a:lnRef idx="2">
+            <a:schemeClr val="accent6"/>
+          </a:lnRef>
+          <a:fillRef idx="1">
+            <a:schemeClr val="lt1"/>
+          </a:fillRef>
+          <a:effectRef idx="0">
+            <a:schemeClr val="accent6"/>
+          </a:effectRef>
+          <a:fontRef idx="minor">
+            <a:schemeClr val="dk1"/>
+          </a:fontRef>
+        </p:style>
+        <p:txBody>
+          <a:bodyPr rtlCol="0" anchor="ctr"/>
+          <a:lstStyle/>
+          <a:p>
+            <a:pPr algn="ctr"/>
+            <a:r>
+              <a:rPr lang="it-IT" dirty="0"/>
+              <a:t>…………………………………….</a:t>
+            </a:r>
+          </a:p>
+        </p:txBody>
+      </p:sp>
+      <p:sp>
+        <p:nvSpPr>
+          <p:cNvPr id="14" name="CasellaDiTesto 13">
+            <a:extLst>
+              <a:ext uri="{FF2B5EF4-FFF2-40B4-BE49-F238E27FC236}">
+                <a16:creationId xmlns:a16="http://schemas.microsoft.com/office/drawing/2014/main" id="{3EC3CC45-411E-B942-171D-9B834B368AEC}"/>
+              </a:ext>
+            </a:extLst>
+          </p:cNvPr>
+          <p:cNvSpPr txBox="1"/>
+          <p:nvPr/>
+        </p:nvSpPr>
+        <p:spPr>
+          <a:xfrm>
+            <a:off x="3470989" y="4127400"/>
+            <a:ext cx="2127378" cy="400110"/>
+          </a:xfrm>
+          <a:prstGeom prst="rect">
+            <a:avLst/>
+          </a:prstGeom>
+          <a:noFill/>
+        </p:spPr>
+        <p:txBody>
+          <a:bodyPr wrap="square" rtlCol="0">
+            <a:spAutoFit/>
+          </a:bodyPr>
+          <a:lstStyle/>
+          <a:p>
+            <a:r>
+              <a:rPr lang="it-IT" sz="2000" dirty="0">
+                <a:solidFill>
+                  <a:schemeClr val="bg1"/>
+                </a:solidFill>
+              </a:rPr>
+              <a:t>Nome</a:t>
+            </a:r>
+            <a:endParaRPr lang="it-IT" sz="1100" dirty="0">
+              <a:solidFill>
+                <a:schemeClr val="bg1"/>
+              </a:solidFill>
+            </a:endParaRPr>
+          </a:p>
+        </p:txBody>
+      </p:sp>
+      <p:sp>
+        <p:nvSpPr>
+          <p:cNvPr id="15" name="Rettangolo con angoli arrotondati 14">
+            <a:extLst>
+              <a:ext uri="{FF2B5EF4-FFF2-40B4-BE49-F238E27FC236}">
+                <a16:creationId xmlns:a16="http://schemas.microsoft.com/office/drawing/2014/main" id="{496224D9-AB3A-84EF-1A99-F5DAADEBB429}"/>
+              </a:ext>
+            </a:extLst>
+          </p:cNvPr>
+          <p:cNvSpPr/>
+          <p:nvPr/>
+        </p:nvSpPr>
+        <p:spPr>
+          <a:xfrm>
+            <a:off x="5598367" y="4127400"/>
+            <a:ext cx="2883159" cy="400110"/>
+          </a:xfrm>
+          <a:prstGeom prst="roundRect">
+            <a:avLst/>
+          </a:prstGeom>
+        </p:spPr>
+        <p:style>
+          <a:lnRef idx="2">
+            <a:schemeClr val="accent6"/>
+          </a:lnRef>
+          <a:fillRef idx="1">
+            <a:schemeClr val="lt1"/>
+          </a:fillRef>
+          <a:effectRef idx="0">
+            <a:schemeClr val="accent6"/>
+          </a:effectRef>
+          <a:fontRef idx="minor">
+            <a:schemeClr val="dk1"/>
+          </a:fontRef>
+        </p:style>
+        <p:txBody>
+          <a:bodyPr rtlCol="0" anchor="ctr"/>
+          <a:lstStyle/>
+          <a:p>
+            <a:pPr algn="ctr"/>
+            <a:r>
+              <a:rPr lang="it-IT" dirty="0"/>
+              <a:t>…………………………………….</a:t>
+            </a:r>
+          </a:p>
+        </p:txBody>
+      </p:sp>
+      <p:sp>
+        <p:nvSpPr>
+          <p:cNvPr id="16" name="CasellaDiTesto 15">
+            <a:extLst>
+              <a:ext uri="{FF2B5EF4-FFF2-40B4-BE49-F238E27FC236}">
+                <a16:creationId xmlns:a16="http://schemas.microsoft.com/office/drawing/2014/main" id="{12BFECA8-E944-FCFA-6449-2FE9E1B98E00}"/>
+              </a:ext>
+            </a:extLst>
+          </p:cNvPr>
+          <p:cNvSpPr txBox="1"/>
+          <p:nvPr/>
+        </p:nvSpPr>
+        <p:spPr>
+          <a:xfrm>
+            <a:off x="3470989" y="4686980"/>
+            <a:ext cx="2127378" cy="400110"/>
+          </a:xfrm>
+          <a:prstGeom prst="rect">
+            <a:avLst/>
+          </a:prstGeom>
+          <a:noFill/>
+        </p:spPr>
+        <p:txBody>
+          <a:bodyPr wrap="square" rtlCol="0">
+            <a:spAutoFit/>
+          </a:bodyPr>
+          <a:lstStyle/>
+          <a:p>
+            <a:r>
+              <a:rPr lang="it-IT" sz="2000" dirty="0">
+                <a:solidFill>
+                  <a:schemeClr val="bg1"/>
+                </a:solidFill>
+              </a:rPr>
+              <a:t>Cognome</a:t>
+            </a:r>
+            <a:endParaRPr lang="it-IT" sz="1100" dirty="0">
+              <a:solidFill>
+                <a:schemeClr val="bg1"/>
+              </a:solidFill>
+            </a:endParaRPr>
+          </a:p>
+        </p:txBody>
+      </p:sp>
+      <p:sp>
+        <p:nvSpPr>
+          <p:cNvPr id="17" name="Rettangolo con angoli arrotondati 16">
+            <a:extLst>
+              <a:ext uri="{FF2B5EF4-FFF2-40B4-BE49-F238E27FC236}">
+                <a16:creationId xmlns:a16="http://schemas.microsoft.com/office/drawing/2014/main" id="{8F52B755-BB59-4BB1-71AC-FC10BD28F8C5}"/>
+              </a:ext>
+            </a:extLst>
+          </p:cNvPr>
+          <p:cNvSpPr/>
+          <p:nvPr/>
+        </p:nvSpPr>
+        <p:spPr>
+          <a:xfrm>
+            <a:off x="5598367" y="4686980"/>
+            <a:ext cx="2883159" cy="400110"/>
+          </a:xfrm>
+          <a:prstGeom prst="roundRect">
+            <a:avLst/>
+          </a:prstGeom>
+        </p:spPr>
+        <p:style>
+          <a:lnRef idx="2">
+            <a:schemeClr val="accent6"/>
+          </a:lnRef>
+          <a:fillRef idx="1">
+            <a:schemeClr val="lt1"/>
+          </a:fillRef>
+          <a:effectRef idx="0">
+            <a:schemeClr val="accent6"/>
+          </a:effectRef>
+          <a:fontRef idx="minor">
+            <a:schemeClr val="dk1"/>
+          </a:fontRef>
+        </p:style>
+        <p:txBody>
+          <a:bodyPr rtlCol="0" anchor="ctr"/>
+          <a:lstStyle/>
+          <a:p>
+            <a:pPr algn="ctr"/>
+            <a:r>
+              <a:rPr lang="it-IT" dirty="0"/>
+              <a:t>…………………………………….</a:t>
+            </a:r>
+          </a:p>
+        </p:txBody>
+      </p:sp>
+      <p:sp>
+        <p:nvSpPr>
+          <p:cNvPr id="18" name="Rettangolo con angoli arrotondati 17">
+            <a:extLst>
+              <a:ext uri="{FF2B5EF4-FFF2-40B4-BE49-F238E27FC236}">
+                <a16:creationId xmlns:a16="http://schemas.microsoft.com/office/drawing/2014/main" id="{33CAFBF5-F45C-882F-889A-C8603DB319FD}"/>
+              </a:ext>
+            </a:extLst>
+          </p:cNvPr>
+          <p:cNvSpPr/>
+          <p:nvPr/>
+        </p:nvSpPr>
+        <p:spPr>
+          <a:xfrm>
+            <a:off x="7039946" y="5571482"/>
+            <a:ext cx="1567542" cy="400110"/>
+          </a:xfrm>
+          <a:prstGeom prst="roundRect">
+            <a:avLst/>
+          </a:prstGeom>
+        </p:spPr>
+        <p:style>
+          <a:lnRef idx="2">
+            <a:schemeClr val="accent6">
+              <a:shade val="50000"/>
+            </a:schemeClr>
+          </a:lnRef>
+          <a:fillRef idx="1">
+            <a:schemeClr val="accent6"/>
+          </a:fillRef>
+          <a:effectRef idx="0">
+            <a:schemeClr val="accent6"/>
+          </a:effectRef>
+          <a:fontRef idx="minor">
+            <a:schemeClr val="lt1"/>
+          </a:fontRef>
+        </p:style>
+        <p:txBody>
+          <a:bodyPr rtlCol="0" anchor="ctr"/>
+          <a:lstStyle/>
+          <a:p>
+            <a:pPr algn="ctr"/>
+            <a:r>
+              <a:rPr lang="it-IT" dirty="0"/>
+              <a:t>Registrati</a:t>
+            </a:r>
+          </a:p>
+        </p:txBody>
+      </p:sp>
+    </p:spTree>
+    <p:extLst>
+      <p:ext uri="{BB962C8B-B14F-4D97-AF65-F5344CB8AC3E}">
+        <p14:creationId xmlns:p14="http://schemas.microsoft.com/office/powerpoint/2010/main" val="4105090855"/>
+      </p:ext>
+    </p:extLst>
+  </p:cSld>
+  <p:clrMapOvr>
+    <a:masterClrMapping/>
+  </p:clrMapOvr>
+</p:sld>
+</file>
+
 <file path=ppt/theme/theme1.xml><?xml version="1.0" encoding="utf-8"?>
 <a:theme xmlns:a="http://schemas.openxmlformats.org/drawingml/2006/main" name="Tema di Office">
   <a:themeElements>
